--- a/2021-04-12to04-16 (A5) C53517 SoftMARS/30_14v01_MarsBaseAlpha_FinalFindings.pptx
+++ b/2021-04-12to04-16 (A5) C53517 SoftMARS/30_14v01_MarsBaseAlpha_FinalFindings.pptx
@@ -15,60 +15,60 @@
     <p:sldId id="1540" r:id="rId6"/>
     <p:sldId id="493" r:id="rId7"/>
     <p:sldId id="1547" r:id="rId8"/>
-    <p:sldId id="1541" r:id="rId9"/>
-    <p:sldId id="270" r:id="rId10"/>
-    <p:sldId id="928" r:id="rId11"/>
-    <p:sldId id="913" r:id="rId12"/>
-    <p:sldId id="1497" r:id="rId13"/>
-    <p:sldId id="1543" r:id="rId14"/>
-    <p:sldId id="310" r:id="rId15"/>
-    <p:sldId id="274" r:id="rId16"/>
-    <p:sldId id="914" r:id="rId17"/>
-    <p:sldId id="930" r:id="rId18"/>
-    <p:sldId id="1506" r:id="rId19"/>
-    <p:sldId id="1507" r:id="rId20"/>
-    <p:sldId id="912" r:id="rId21"/>
-    <p:sldId id="1498" r:id="rId22"/>
-    <p:sldId id="1544" r:id="rId23"/>
-    <p:sldId id="1554" r:id="rId24"/>
-    <p:sldId id="1555" r:id="rId25"/>
-    <p:sldId id="1556" r:id="rId26"/>
-    <p:sldId id="1557" r:id="rId27"/>
-    <p:sldId id="1558" r:id="rId28"/>
-    <p:sldId id="1559" r:id="rId29"/>
-    <p:sldId id="1560" r:id="rId30"/>
-    <p:sldId id="1477" r:id="rId31"/>
-    <p:sldId id="1561" r:id="rId32"/>
-    <p:sldId id="1562" r:id="rId33"/>
-    <p:sldId id="1563" r:id="rId34"/>
-    <p:sldId id="1564" r:id="rId35"/>
-    <p:sldId id="1565" r:id="rId36"/>
-    <p:sldId id="1566" r:id="rId37"/>
-    <p:sldId id="1478" r:id="rId38"/>
-    <p:sldId id="1567" r:id="rId39"/>
-    <p:sldId id="1568" r:id="rId40"/>
-    <p:sldId id="1569" r:id="rId41"/>
-    <p:sldId id="1570" r:id="rId42"/>
-    <p:sldId id="1571" r:id="rId43"/>
-    <p:sldId id="1572" r:id="rId44"/>
-    <p:sldId id="1548" r:id="rId45"/>
-    <p:sldId id="1549" r:id="rId46"/>
-    <p:sldId id="919" r:id="rId47"/>
-    <p:sldId id="1538" r:id="rId48"/>
-    <p:sldId id="1546" r:id="rId49"/>
-    <p:sldId id="910" r:id="rId50"/>
-    <p:sldId id="360" r:id="rId51"/>
-    <p:sldId id="1551" r:id="rId52"/>
-    <p:sldId id="1504" r:id="rId53"/>
-    <p:sldId id="1500" r:id="rId54"/>
-    <p:sldId id="1505" r:id="rId55"/>
-    <p:sldId id="1503" r:id="rId56"/>
-    <p:sldId id="1510" r:id="rId57"/>
-    <p:sldId id="1475" r:id="rId58"/>
-    <p:sldId id="989" r:id="rId59"/>
-    <p:sldId id="1509" r:id="rId60"/>
-    <p:sldId id="1534" r:id="rId61"/>
-    <p:sldId id="1550" r:id="rId62"/>
+    <p:sldId id="1550" r:id="rId9"/>
+    <p:sldId id="1541" r:id="rId10"/>
+    <p:sldId id="270" r:id="rId11"/>
+    <p:sldId id="928" r:id="rId12"/>
+    <p:sldId id="913" r:id="rId13"/>
+    <p:sldId id="1497" r:id="rId14"/>
+    <p:sldId id="1543" r:id="rId15"/>
+    <p:sldId id="310" r:id="rId16"/>
+    <p:sldId id="274" r:id="rId17"/>
+    <p:sldId id="914" r:id="rId18"/>
+    <p:sldId id="930" r:id="rId19"/>
+    <p:sldId id="1506" r:id="rId20"/>
+    <p:sldId id="1507" r:id="rId21"/>
+    <p:sldId id="912" r:id="rId22"/>
+    <p:sldId id="1498" r:id="rId23"/>
+    <p:sldId id="1544" r:id="rId24"/>
+    <p:sldId id="1554" r:id="rId25"/>
+    <p:sldId id="1555" r:id="rId26"/>
+    <p:sldId id="1556" r:id="rId27"/>
+    <p:sldId id="1557" r:id="rId28"/>
+    <p:sldId id="1558" r:id="rId29"/>
+    <p:sldId id="1559" r:id="rId30"/>
+    <p:sldId id="1560" r:id="rId31"/>
+    <p:sldId id="1477" r:id="rId32"/>
+    <p:sldId id="1561" r:id="rId33"/>
+    <p:sldId id="1562" r:id="rId34"/>
+    <p:sldId id="1563" r:id="rId35"/>
+    <p:sldId id="1564" r:id="rId36"/>
+    <p:sldId id="1565" r:id="rId37"/>
+    <p:sldId id="1566" r:id="rId38"/>
+    <p:sldId id="1478" r:id="rId39"/>
+    <p:sldId id="1567" r:id="rId40"/>
+    <p:sldId id="1568" r:id="rId41"/>
+    <p:sldId id="1569" r:id="rId42"/>
+    <p:sldId id="1570" r:id="rId43"/>
+    <p:sldId id="1571" r:id="rId44"/>
+    <p:sldId id="1572" r:id="rId45"/>
+    <p:sldId id="1548" r:id="rId46"/>
+    <p:sldId id="1549" r:id="rId47"/>
+    <p:sldId id="919" r:id="rId48"/>
+    <p:sldId id="1538" r:id="rId49"/>
+    <p:sldId id="1546" r:id="rId50"/>
+    <p:sldId id="910" r:id="rId51"/>
+    <p:sldId id="360" r:id="rId52"/>
+    <p:sldId id="1551" r:id="rId53"/>
+    <p:sldId id="1504" r:id="rId54"/>
+    <p:sldId id="1500" r:id="rId55"/>
+    <p:sldId id="1505" r:id="rId56"/>
+    <p:sldId id="1503" r:id="rId57"/>
+    <p:sldId id="1510" r:id="rId58"/>
+    <p:sldId id="1475" r:id="rId59"/>
+    <p:sldId id="989" r:id="rId60"/>
+    <p:sldId id="1509" r:id="rId61"/>
+    <p:sldId id="1534" r:id="rId62"/>
   </p:sldIdLst>
   <p:sldSz cx="12192000" cy="6858000"/>
   <p:notesSz cx="6858000" cy="9144000"/>
@@ -300,7 +300,7 @@
           <a:p>
             <a:fld id="{F319E496-E8FF-4856-B08F-DBE14D18B236}" type="datetimeFigureOut">
               <a:rPr lang="en-US" smtClean="0"/>
-              <a:t>1/7/2022</a:t>
+              <a:t>1/21/2022</a:t>
             </a:fld>
             <a:endParaRPr lang="en-US" dirty="0"/>
           </a:p>
@@ -477,7 +477,7 @@
           <a:p>
             <a:fld id="{4572F63B-EF0F-9942-98B2-F67CC88AF236}" type="datetimeFigureOut">
               <a:rPr lang="en-US" smtClean="0"/>
-              <a:t>1/7/2022</a:t>
+              <a:t>1/21/2022</a:t>
             </a:fld>
             <a:endParaRPr lang="en-US" dirty="0"/>
           </a:p>
@@ -1053,7 +1053,7 @@
           <a:p>
             <a:fld id="{3FC13DA5-2DE0-6D49-B0F1-8E4B6A1CBA23}" type="slidenum">
               <a:rPr lang="en-US" smtClean="0"/>
-              <a:t>13</a:t>
+              <a:t>14</a:t>
             </a:fld>
             <a:endParaRPr lang="en-US" dirty="0"/>
           </a:p>
@@ -1140,7 +1140,7 @@
           <a:p>
             <a:fld id="{3FC13DA5-2DE0-6D49-B0F1-8E4B6A1CBA23}" type="slidenum">
               <a:rPr lang="en-US" smtClean="0"/>
-              <a:t>14</a:t>
+              <a:t>15</a:t>
             </a:fld>
             <a:endParaRPr lang="en-US" dirty="0"/>
           </a:p>
@@ -1224,7 +1224,7 @@
           <a:p>
             <a:fld id="{3FC13DA5-2DE0-6D49-B0F1-8E4B6A1CBA23}" type="slidenum">
               <a:rPr lang="en-US" smtClean="0"/>
-              <a:t>17</a:t>
+              <a:t>18</a:t>
             </a:fld>
             <a:endParaRPr lang="en-US" dirty="0"/>
           </a:p>
@@ -1372,7 +1372,7 @@
           <a:p>
             <a:fld id="{3FC13DA5-2DE0-6D49-B0F1-8E4B6A1CBA23}" type="slidenum">
               <a:rPr lang="en-US" smtClean="0"/>
-              <a:t>43</a:t>
+              <a:t>44</a:t>
             </a:fld>
             <a:endParaRPr lang="en-US" dirty="0"/>
           </a:p>
@@ -1520,7 +1520,7 @@
           <a:p>
             <a:fld id="{3FC13DA5-2DE0-6D49-B0F1-8E4B6A1CBA23}" type="slidenum">
               <a:rPr lang="en-US" smtClean="0"/>
-              <a:t>44</a:t>
+              <a:t>45</a:t>
             </a:fld>
             <a:endParaRPr lang="en-US" dirty="0"/>
           </a:p>
@@ -1986,7 +1986,7 @@
           <a:p>
             <a:fld id="{3FC13DA5-2DE0-6D49-B0F1-8E4B6A1CBA23}" type="slidenum">
               <a:rPr lang="en-US" smtClean="0"/>
-              <a:t>5</a:t>
+              <a:t>6</a:t>
             </a:fld>
             <a:endParaRPr lang="en-US" dirty="0"/>
           </a:p>
@@ -2068,7 +2068,7 @@
               </a14:hiddenLine>
             </a:ext>
             <a:ext uri="{FAA26D3D-D897-4be2-8F04-BA451C77F1D7}">
-              <ma14:placeholderFlag xmlns="" xmlns:ma14="http://schemas.microsoft.com/office/mac/drawingml/2011/main" val="1"/>
+              <ma14:placeholderFlag xmlns:ma14="http://schemas.microsoft.com/office/mac/drawingml/2011/main" xmlns="" val="1"/>
             </a:ext>
           </a:extLst>
         </p:spPr>
@@ -2236,7 +2236,7 @@
                 </a:solidFill>
               </a:rPr>
               <a:pPr/>
-              <a:t>6</a:t>
+              <a:t>7</a:t>
             </a:fld>
             <a:endParaRPr lang="en-US" altLang="en-US" sz="1200" b="0" dirty="0">
               <a:solidFill>
@@ -2322,7 +2322,7 @@
               </a14:hiddenLine>
             </a:ext>
             <a:ext uri="{FAA26D3D-D897-4be2-8F04-BA451C77F1D7}">
-              <ma14:placeholderFlag xmlns="" xmlns:ma14="http://schemas.microsoft.com/office/mac/drawingml/2011/main" val="1"/>
+              <ma14:placeholderFlag xmlns:ma14="http://schemas.microsoft.com/office/mac/drawingml/2011/main" xmlns="" val="1"/>
             </a:ext>
           </a:extLst>
         </p:spPr>
@@ -2490,7 +2490,7 @@
                 </a:solidFill>
               </a:rPr>
               <a:pPr/>
-              <a:t>7</a:t>
+              <a:t>8</a:t>
             </a:fld>
             <a:endParaRPr lang="en-US" altLang="en-US" sz="1200" b="0" dirty="0">
               <a:solidFill>
@@ -2576,7 +2576,7 @@
               </a14:hiddenLine>
             </a:ext>
             <a:ext uri="{FAA26D3D-D897-4be2-8F04-BA451C77F1D7}">
-              <ma14:placeholderFlag xmlns="" xmlns:ma14="http://schemas.microsoft.com/office/mac/drawingml/2011/main" val="1"/>
+              <ma14:placeholderFlag xmlns:ma14="http://schemas.microsoft.com/office/mac/drawingml/2011/main" xmlns="" val="1"/>
             </a:ext>
           </a:extLst>
         </p:spPr>
@@ -2741,7 +2741,7 @@
                 </a:solidFill>
               </a:rPr>
               <a:pPr/>
-              <a:t>8</a:t>
+              <a:t>9</a:t>
             </a:fld>
             <a:endParaRPr lang="en-US" altLang="en-US" sz="1200" b="0" dirty="0">
               <a:solidFill>
@@ -3041,7 +3041,7 @@
                 </a:solidFill>
               </a:rPr>
               <a:pPr/>
-              <a:t>11</a:t>
+              <a:t>12</a:t>
             </a:fld>
             <a:endParaRPr lang="en-US" altLang="en-US" sz="1200" b="0" dirty="0">
               <a:solidFill>
@@ -3105,7 +3105,7 @@
               </a14:hiddenLine>
             </a:ext>
             <a:ext uri="{FAA26D3D-D897-4be2-8F04-BA451C77F1D7}">
-              <ma14:placeholderFlag xmlns="" xmlns:ma14="http://schemas.microsoft.com/office/mac/drawingml/2011/main" val="1"/>
+              <ma14:placeholderFlag xmlns:ma14="http://schemas.microsoft.com/office/mac/drawingml/2011/main" xmlns="" val="1"/>
             </a:ext>
           </a:extLst>
         </p:spPr>
@@ -3233,7 +3233,7 @@
           <a:p>
             <a:fld id="{3FC13DA5-2DE0-6D49-B0F1-8E4B6A1CBA23}" type="slidenum">
               <a:rPr lang="en-US" smtClean="0"/>
-              <a:t>12</a:t>
+              <a:t>13</a:t>
             </a:fld>
             <a:endParaRPr lang="en-US" dirty="0"/>
           </a:p>
@@ -6002,14 +6002,14 @@
           </a:ln>
           <a:extLst>
             <a:ext uri="{909E8E84-426E-40dd-AFC4-6F175D3DCCD1}">
-              <a14:hiddenFill xmlns:a14="http://schemas.microsoft.com/office/drawing/2010/main" xmlns="">
+              <a14:hiddenFill xmlns="" xmlns:a14="http://schemas.microsoft.com/office/drawing/2010/main">
                 <a:solidFill>
                   <a:schemeClr val="accent1"/>
                 </a:solidFill>
               </a14:hiddenFill>
             </a:ext>
             <a:ext uri="{91240B29-F687-4f45-9708-019B960494DF}">
-              <a14:hiddenLine xmlns:a14="http://schemas.microsoft.com/office/drawing/2010/main" xmlns="" w="9525">
+              <a14:hiddenLine xmlns="" xmlns:a14="http://schemas.microsoft.com/office/drawing/2010/main" w="9525">
                 <a:solidFill>
                   <a:schemeClr val="tx1"/>
                 </a:solidFill>
@@ -6505,7 +6505,7 @@
           <a:graphicData uri="http://schemas.openxmlformats.org/presentationml/2006/ole">
             <mc:AlternateContent xmlns:mc="http://schemas.openxmlformats.org/markup-compatibility/2006">
               <mc:Choice xmlns:v="urn:schemas-microsoft-com:vml" Requires="v">
-                <p:oleObj spid="_x0000_s1041" name="Macro-Enabled Worksheet" r:id="rId3" imgW="5057763" imgH="2971715" progId="Excel.SheetMacroEnabled.12">
+                <p:oleObj spid="_x0000_s1044" name="Macro-Enabled Worksheet" r:id="rId3" imgW="5057763" imgH="2971715" progId="Excel.SheetMacroEnabled.12">
                   <p:link updateAutomatic="1"/>
                 </p:oleObj>
               </mc:Choice>
@@ -6568,7 +6568,7 @@
           <a:graphicData uri="http://schemas.openxmlformats.org/presentationml/2006/ole">
             <mc:AlternateContent xmlns:mc="http://schemas.openxmlformats.org/markup-compatibility/2006">
               <mc:Choice xmlns:v="urn:schemas-microsoft-com:vml" Requires="v">
-                <p:oleObj spid="_x0000_s1042" name="Macro-Enabled Worksheet" r:id="rId5" imgW="5057763" imgH="676332" progId="Excel.SheetMacroEnabled.12">
+                <p:oleObj spid="_x0000_s1045" name="Macro-Enabled Worksheet" r:id="rId5" imgW="5057763" imgH="676332" progId="Excel.SheetMacroEnabled.12">
                   <p:link updateAutomatic="1"/>
                 </p:oleObj>
               </mc:Choice>
@@ -6631,7 +6631,7 @@
           <a:graphicData uri="http://schemas.openxmlformats.org/presentationml/2006/ole">
             <mc:AlternateContent xmlns:mc="http://schemas.openxmlformats.org/markup-compatibility/2006">
               <mc:Choice xmlns:v="urn:schemas-microsoft-com:vml" Requires="v">
-                <p:oleObj spid="_x0000_s1043" name="Macro-Enabled Worksheet" r:id="rId7" imgW="5057763" imgH="276367" progId="Excel.SheetMacroEnabled.12">
+                <p:oleObj spid="_x0000_s1046" name="Macro-Enabled Worksheet" r:id="rId7" imgW="5057763" imgH="276367" progId="Excel.SheetMacroEnabled.12">
                   <p:link updateAutomatic="1"/>
                 </p:oleObj>
               </mc:Choice>
@@ -6698,6 +6698,271 @@
       </p:grpSpPr>
       <p:sp>
         <p:nvSpPr>
+          <p:cNvPr id="6146" name="Rectangle 2"/>
+          <p:cNvSpPr>
+            <a:spLocks noGrp="1" noChangeArrowheads="1"/>
+          </p:cNvSpPr>
+          <p:nvPr>
+            <p:ph type="title"/>
+          </p:nvPr>
+        </p:nvSpPr>
+        <p:spPr>
+          <a:xfrm>
+            <a:off x="984020" y="995024"/>
+            <a:ext cx="7772400" cy="609600"/>
+          </a:xfrm>
+          <a:noFill/>
+        </p:spPr>
+        <p:txBody>
+          <a:bodyPr vert="horz" wrap="none" lIns="90488" tIns="44450" rIns="90488" bIns="44450" rtlCol="0" anchor="ctr">
+            <a:normAutofit/>
+          </a:bodyPr>
+          <a:lstStyle/>
+          <a:p>
+            <a:pPr algn="l" eaLnBrk="1" hangingPunct="1">
+              <a:lnSpc>
+                <a:spcPct val="85000"/>
+              </a:lnSpc>
+            </a:pPr>
+            <a:r>
+              <a:rPr lang="en-US" altLang="zh-CN" dirty="0">
+                <a:latin typeface="Arial" charset="0"/>
+              </a:rPr>
+              <a:t>Appraisal Principles</a:t>
+            </a:r>
+          </a:p>
+        </p:txBody>
+      </p:sp>
+      <p:sp>
+        <p:nvSpPr>
+          <p:cNvPr id="6147" name="Rectangle 3"/>
+          <p:cNvSpPr>
+            <a:spLocks noGrp="1" noChangeArrowheads="1"/>
+          </p:cNvSpPr>
+          <p:nvPr>
+            <p:ph idx="1"/>
+          </p:nvPr>
+        </p:nvSpPr>
+        <p:spPr>
+          <a:xfrm>
+            <a:off x="1055688" y="1848439"/>
+            <a:ext cx="7772400" cy="3057247"/>
+          </a:xfrm>
+        </p:spPr>
+        <p:txBody>
+          <a:bodyPr vert="horz" lIns="63500" tIns="25400" rIns="63500" bIns="25400" rtlCol="0">
+            <a:spAutoFit/>
+          </a:bodyPr>
+          <a:lstStyle/>
+          <a:p>
+            <a:r>
+              <a:rPr lang="en-ZA" sz="1800" dirty="0">
+                <a:solidFill>
+                  <a:srgbClr val="000000"/>
+                </a:solidFill>
+                <a:effectLst/>
+                <a:latin typeface="Arial" panose="020B0604020202020204" pitchFamily="34" charset="0"/>
+                <a:ea typeface="Calibri" panose="020F0502020204030204" pitchFamily="34" charset="0"/>
+              </a:rPr>
+              <a:t>Start with a process framework</a:t>
+            </a:r>
+            <a:br>
+              <a:rPr lang="en-ZA" sz="1800" dirty="0">
+                <a:latin typeface="Calibri" panose="020F0502020204030204" pitchFamily="34" charset="0"/>
+                <a:ea typeface="Calibri" panose="020F0502020204030204" pitchFamily="34" charset="0"/>
+              </a:rPr>
+            </a:br>
+            <a:r>
+              <a:rPr lang="en-ZA" sz="1800" dirty="0" err="1">
+                <a:solidFill>
+                  <a:srgbClr val="1F497D"/>
+                </a:solidFill>
+                <a:latin typeface="宋体" panose="02010600030101010101" pitchFamily="2" charset="-122"/>
+                <a:ea typeface="宋体" panose="02010600030101010101" pitchFamily="2" charset="-122"/>
+              </a:rPr>
+              <a:t>以一个过程框架作为开始</a:t>
+            </a:r>
+            <a:endParaRPr lang="en-ZA" sz="1800" dirty="0">
+              <a:solidFill>
+                <a:srgbClr val="1F497D"/>
+              </a:solidFill>
+              <a:latin typeface="宋体" panose="02010600030101010101" pitchFamily="2" charset="-122"/>
+              <a:ea typeface="宋体" panose="02010600030101010101" pitchFamily="2" charset="-122"/>
+            </a:endParaRPr>
+          </a:p>
+          <a:p>
+            <a:r>
+              <a:rPr lang="en-ZA" sz="1800" dirty="0">
+                <a:solidFill>
+                  <a:srgbClr val="000000"/>
+                </a:solidFill>
+                <a:effectLst/>
+                <a:latin typeface="Arial" panose="020B0604020202020204" pitchFamily="34" charset="0"/>
+                <a:ea typeface="Calibri" panose="020F0502020204030204" pitchFamily="34" charset="0"/>
+              </a:rPr>
+              <a:t>Observe strict confidentiality and non-attribution</a:t>
+            </a:r>
+            <a:br>
+              <a:rPr lang="en-ZA" sz="1800" dirty="0">
+                <a:latin typeface="Calibri" panose="020F0502020204030204" pitchFamily="34" charset="0"/>
+                <a:ea typeface="Calibri" panose="020F0502020204030204" pitchFamily="34" charset="0"/>
+              </a:rPr>
+            </a:br>
+            <a:r>
+              <a:rPr lang="en-ZA" sz="1800" dirty="0" err="1">
+                <a:solidFill>
+                  <a:srgbClr val="1F497D"/>
+                </a:solidFill>
+                <a:latin typeface="宋体" panose="02010600030101010101" pitchFamily="2" charset="-122"/>
+                <a:ea typeface="宋体" panose="02010600030101010101" pitchFamily="2" charset="-122"/>
+              </a:rPr>
+              <a:t>严格遵循保密性和不归因性</a:t>
+            </a:r>
+            <a:endParaRPr lang="en-ZA" sz="1800" dirty="0">
+              <a:solidFill>
+                <a:srgbClr val="1F497D"/>
+              </a:solidFill>
+              <a:latin typeface="宋体" panose="02010600030101010101" pitchFamily="2" charset="-122"/>
+              <a:ea typeface="宋体" panose="02010600030101010101" pitchFamily="2" charset="-122"/>
+            </a:endParaRPr>
+          </a:p>
+          <a:p>
+            <a:r>
+              <a:rPr lang="en-ZA" sz="1800" dirty="0">
+                <a:solidFill>
+                  <a:srgbClr val="000000"/>
+                </a:solidFill>
+                <a:effectLst/>
+                <a:latin typeface="Arial" panose="020B0604020202020204" pitchFamily="34" charset="0"/>
+                <a:ea typeface="Calibri" panose="020F0502020204030204" pitchFamily="34" charset="0"/>
+              </a:rPr>
+              <a:t>Involve senior management as appraisal sponsor</a:t>
+            </a:r>
+            <a:br>
+              <a:rPr lang="en-ZA" sz="1800" dirty="0">
+                <a:latin typeface="Calibri" panose="020F0502020204030204" pitchFamily="34" charset="0"/>
+                <a:ea typeface="Calibri" panose="020F0502020204030204" pitchFamily="34" charset="0"/>
+              </a:rPr>
+            </a:br>
+            <a:r>
+              <a:rPr lang="en-ZA" sz="1800" dirty="0" err="1">
+                <a:solidFill>
+                  <a:srgbClr val="1F497D"/>
+                </a:solidFill>
+                <a:latin typeface="宋体" panose="02010600030101010101" pitchFamily="2" charset="-122"/>
+                <a:ea typeface="宋体" panose="02010600030101010101" pitchFamily="2" charset="-122"/>
+              </a:rPr>
+              <a:t>把高层作为评估发起人</a:t>
+            </a:r>
+            <a:endParaRPr lang="en-ZA" sz="1800" dirty="0">
+              <a:solidFill>
+                <a:srgbClr val="1F497D"/>
+              </a:solidFill>
+              <a:latin typeface="宋体" panose="02010600030101010101" pitchFamily="2" charset="-122"/>
+              <a:ea typeface="宋体" panose="02010600030101010101" pitchFamily="2" charset="-122"/>
+            </a:endParaRPr>
+          </a:p>
+          <a:p>
+            <a:r>
+              <a:rPr lang="en-ZA" sz="1800" dirty="0">
+                <a:solidFill>
+                  <a:srgbClr val="000000"/>
+                </a:solidFill>
+                <a:effectLst/>
+                <a:latin typeface="Arial" panose="020B0604020202020204" pitchFamily="34" charset="0"/>
+                <a:ea typeface="Calibri" panose="020F0502020204030204" pitchFamily="34" charset="0"/>
+              </a:rPr>
+              <a:t>Approach appraisal collaboratively to the extent possible</a:t>
+            </a:r>
+            <a:br>
+              <a:rPr lang="en-ZA" sz="1800" dirty="0">
+                <a:latin typeface="Calibri" panose="020F0502020204030204" pitchFamily="34" charset="0"/>
+                <a:ea typeface="Calibri" panose="020F0502020204030204" pitchFamily="34" charset="0"/>
+              </a:rPr>
+            </a:br>
+            <a:r>
+              <a:rPr lang="en-ZA" sz="1800" dirty="0" err="1">
+                <a:solidFill>
+                  <a:srgbClr val="1F497D"/>
+                </a:solidFill>
+                <a:latin typeface="宋体" panose="02010600030101010101" pitchFamily="2" charset="-122"/>
+                <a:ea typeface="宋体" panose="02010600030101010101" pitchFamily="2" charset="-122"/>
+              </a:rPr>
+              <a:t>评估需要协调合作进行</a:t>
+            </a:r>
+            <a:endParaRPr lang="en-ZA" sz="1800" dirty="0">
+              <a:solidFill>
+                <a:srgbClr val="1F497D"/>
+              </a:solidFill>
+              <a:latin typeface="宋体" panose="02010600030101010101" pitchFamily="2" charset="-122"/>
+              <a:ea typeface="宋体" panose="02010600030101010101" pitchFamily="2" charset="-122"/>
+            </a:endParaRPr>
+          </a:p>
+          <a:p>
+            <a:r>
+              <a:rPr lang="en-ZA" sz="1800" dirty="0">
+                <a:solidFill>
+                  <a:srgbClr val="000000"/>
+                </a:solidFill>
+                <a:effectLst/>
+                <a:latin typeface="Arial" panose="020B0604020202020204" pitchFamily="34" charset="0"/>
+                <a:ea typeface="Calibri" panose="020F0502020204030204" pitchFamily="34" charset="0"/>
+              </a:rPr>
+              <a:t>Focus on action</a:t>
+            </a:r>
+            <a:br>
+              <a:rPr lang="en-ZA" sz="1800" dirty="0">
+                <a:latin typeface="Calibri" panose="020F0502020204030204" pitchFamily="34" charset="0"/>
+                <a:ea typeface="Calibri" panose="020F0502020204030204" pitchFamily="34" charset="0"/>
+              </a:rPr>
+            </a:br>
+            <a:r>
+              <a:rPr lang="en-ZA" sz="1800" dirty="0" err="1">
+                <a:solidFill>
+                  <a:srgbClr val="1F497D"/>
+                </a:solidFill>
+                <a:latin typeface="宋体" panose="02010600030101010101" pitchFamily="2" charset="-122"/>
+                <a:ea typeface="宋体" panose="02010600030101010101" pitchFamily="2" charset="-122"/>
+              </a:rPr>
+              <a:t>关注行动</a:t>
+            </a:r>
+            <a:endParaRPr lang="en-ZA" sz="1800" dirty="0">
+              <a:solidFill>
+                <a:srgbClr val="1F497D"/>
+              </a:solidFill>
+              <a:latin typeface="宋体" panose="02010600030101010101" pitchFamily="2" charset="-122"/>
+              <a:ea typeface="宋体" panose="02010600030101010101" pitchFamily="2" charset="-122"/>
+            </a:endParaRPr>
+          </a:p>
+        </p:txBody>
+      </p:sp>
+    </p:spTree>
+  </p:cSld>
+  <p:clrMapOvr>
+    <a:masterClrMapping/>
+  </p:clrMapOvr>
+</p:sld>
+</file>
+
+<file path=ppt/slides/slide11.xml><?xml version="1.0" encoding="utf-8"?>
+<p:sld xmlns:a="http://schemas.openxmlformats.org/drawingml/2006/main" xmlns:r="http://schemas.openxmlformats.org/officeDocument/2006/relationships" xmlns:p="http://schemas.openxmlformats.org/presentationml/2006/main">
+  <p:cSld>
+    <p:spTree>
+      <p:nvGrpSpPr>
+        <p:cNvPr id="1" name=""/>
+        <p:cNvGrpSpPr/>
+        <p:nvPr/>
+      </p:nvGrpSpPr>
+      <p:grpSpPr>
+        <a:xfrm>
+          <a:off x="0" y="0"/>
+          <a:ext cx="0" cy="0"/>
+          <a:chOff x="0" y="0"/>
+          <a:chExt cx="0" cy="0"/>
+        </a:xfrm>
+      </p:grpSpPr>
+      <p:sp>
+        <p:nvSpPr>
           <p:cNvPr id="2" name="Title 1">
             <a:extLst>
               <a:ext uri="{FF2B5EF4-FFF2-40B4-BE49-F238E27FC236}">
@@ -7002,7 +7267,7 @@
 </p:sld>
 </file>
 
-<file path=ppt/slides/slide11.xml><?xml version="1.0" encoding="utf-8"?>
+<file path=ppt/slides/slide12.xml><?xml version="1.0" encoding="utf-8"?>
 <p:sld xmlns:a="http://schemas.openxmlformats.org/drawingml/2006/main" xmlns:r="http://schemas.openxmlformats.org/officeDocument/2006/relationships" xmlns:p="http://schemas.openxmlformats.org/presentationml/2006/main">
   <p:cSld>
     <p:spTree>
@@ -7072,7 +7337,7 @@
           <a:graphicData uri="http://schemas.openxmlformats.org/presentationml/2006/ole">
             <mc:AlternateContent xmlns:mc="http://schemas.openxmlformats.org/markup-compatibility/2006">
               <mc:Choice xmlns:v="urn:schemas-microsoft-com:vml" Requires="v">
-                <p:oleObj spid="_x0000_s5127" name="Macro-Enabled Worksheet" r:id="rId4" imgW="8019882" imgH="1952611" progId="Excel.SheetMacroEnabled.12">
+                <p:oleObj spid="_x0000_s5128" name="Macro-Enabled Worksheet" r:id="rId4" imgW="8019882" imgH="1952611" progId="Excel.SheetMacroEnabled.12">
                   <p:link updateAutomatic="1"/>
                 </p:oleObj>
               </mc:Choice>
@@ -7120,7 +7385,7 @@
 </p:sld>
 </file>
 
-<file path=ppt/slides/slide12.xml><?xml version="1.0" encoding="utf-8"?>
+<file path=ppt/slides/slide13.xml><?xml version="1.0" encoding="utf-8"?>
 <p:sld xmlns:a="http://schemas.openxmlformats.org/drawingml/2006/main" xmlns:r="http://schemas.openxmlformats.org/officeDocument/2006/relationships" xmlns:p="http://schemas.openxmlformats.org/presentationml/2006/main">
   <p:cSld>
     <p:spTree>
@@ -7196,7 +7461,7 @@
           <a:graphicData uri="http://schemas.openxmlformats.org/presentationml/2006/ole">
             <mc:AlternateContent xmlns:mc="http://schemas.openxmlformats.org/markup-compatibility/2006">
               <mc:Choice xmlns:v="urn:schemas-microsoft-com:vml" Requires="v">
-                <p:oleObj spid="_x0000_s6151" name="Macro-Enabled Worksheet" r:id="rId4" imgW="9667719" imgH="5695850" progId="Excel.SheetMacroEnabled.12">
+                <p:oleObj spid="_x0000_s6152" name="Macro-Enabled Worksheet" r:id="rId4" imgW="9667719" imgH="5695850" progId="Excel.SheetMacroEnabled.12">
                   <p:link updateAutomatic="1"/>
                 </p:oleObj>
               </mc:Choice>
@@ -7244,7 +7509,7 @@
 </p:sld>
 </file>
 
-<file path=ppt/slides/slide13.xml><?xml version="1.0" encoding="utf-8"?>
+<file path=ppt/slides/slide14.xml><?xml version="1.0" encoding="utf-8"?>
 <p:sld xmlns:a="http://schemas.openxmlformats.org/drawingml/2006/main" xmlns:r="http://schemas.openxmlformats.org/officeDocument/2006/relationships" xmlns:p="http://schemas.openxmlformats.org/presentationml/2006/main">
   <p:cSld>
     <p:spTree>
@@ -7315,7 +7580,7 @@
           <a:graphicData uri="http://schemas.openxmlformats.org/presentationml/2006/ole">
             <mc:AlternateContent xmlns:mc="http://schemas.openxmlformats.org/markup-compatibility/2006">
               <mc:Choice xmlns:v="urn:schemas-microsoft-com:vml" Requires="v">
-                <p:oleObj spid="_x0000_s7175" name="Macro-Enabled Worksheet" r:id="rId4" imgW="7229319" imgH="1209490" progId="Excel.SheetMacroEnabled.12">
+                <p:oleObj spid="_x0000_s7176" name="Macro-Enabled Worksheet" r:id="rId4" imgW="7229319" imgH="1209490" progId="Excel.SheetMacroEnabled.12">
                   <p:link updateAutomatic="1"/>
                 </p:oleObj>
               </mc:Choice>
@@ -7363,7 +7628,7 @@
 </p:sld>
 </file>
 
-<file path=ppt/slides/slide14.xml><?xml version="1.0" encoding="utf-8"?>
+<file path=ppt/slides/slide15.xml><?xml version="1.0" encoding="utf-8"?>
 <p:sld xmlns:a="http://schemas.openxmlformats.org/drawingml/2006/main" xmlns:r="http://schemas.openxmlformats.org/officeDocument/2006/relationships" xmlns:p="http://schemas.openxmlformats.org/presentationml/2006/main">
   <p:cSld>
     <p:spTree>
@@ -7408,7 +7673,7 @@
           <a:graphicData uri="http://schemas.openxmlformats.org/presentationml/2006/ole">
             <mc:AlternateContent xmlns:mc="http://schemas.openxmlformats.org/markup-compatibility/2006">
               <mc:Choice xmlns:v="urn:schemas-microsoft-com:vml" Requires="v">
-                <p:oleObj spid="_x0000_s8199" name="Macro-Enabled Worksheet" r:id="rId4" imgW="13077645" imgH="4010011" progId="Excel.SheetMacroEnabled.12">
+                <p:oleObj spid="_x0000_s8200" name="Macro-Enabled Worksheet" r:id="rId4" imgW="13077645" imgH="4010011" progId="Excel.SheetMacroEnabled.12">
                   <p:link updateAutomatic="1"/>
                 </p:oleObj>
               </mc:Choice>
@@ -7482,7 +7747,7 @@
 </p:sld>
 </file>
 
-<file path=ppt/slides/slide15.xml><?xml version="1.0" encoding="utf-8"?>
+<file path=ppt/slides/slide16.xml><?xml version="1.0" encoding="utf-8"?>
 <p:sld xmlns:a="http://schemas.openxmlformats.org/drawingml/2006/main" xmlns:r="http://schemas.openxmlformats.org/officeDocument/2006/relationships" xmlns:p="http://schemas.openxmlformats.org/presentationml/2006/main">
   <p:cSld>
     <p:spTree>
@@ -7527,7 +7792,7 @@
           <a:graphicData uri="http://schemas.openxmlformats.org/presentationml/2006/ole">
             <mc:AlternateContent xmlns:mc="http://schemas.openxmlformats.org/markup-compatibility/2006">
               <mc:Choice xmlns:v="urn:schemas-microsoft-com:vml" Requires="v">
-                <p:oleObj spid="_x0000_s9223" name="Macro-Enabled Worksheet" r:id="rId3" imgW="10886919" imgH="3476469" progId="Excel.SheetMacroEnabled.12">
+                <p:oleObj spid="_x0000_s9224" name="Macro-Enabled Worksheet" r:id="rId3" imgW="10886919" imgH="3476469" progId="Excel.SheetMacroEnabled.12">
                   <p:link updateAutomatic="1"/>
                 </p:oleObj>
               </mc:Choice>
@@ -7609,7 +7874,7 @@
 </p:sld>
 </file>
 
-<file path=ppt/slides/slide16.xml><?xml version="1.0" encoding="utf-8"?>
+<file path=ppt/slides/slide17.xml><?xml version="1.0" encoding="utf-8"?>
 <p:sld xmlns:a="http://schemas.openxmlformats.org/drawingml/2006/main" xmlns:r="http://schemas.openxmlformats.org/officeDocument/2006/relationships" xmlns:p="http://schemas.openxmlformats.org/presentationml/2006/main">
   <p:cSld>
     <p:spTree>
@@ -7685,7 +7950,7 @@
           <a:graphicData uri="http://schemas.openxmlformats.org/presentationml/2006/ole">
             <mc:AlternateContent xmlns:mc="http://schemas.openxmlformats.org/markup-compatibility/2006">
               <mc:Choice xmlns:v="urn:schemas-microsoft-com:vml" Requires="v">
-                <p:oleObj spid="_x0000_s10247" name="Macro-Enabled Worksheet" r:id="rId3" imgW="10886919" imgH="3476469" progId="Excel.SheetMacroEnabled.12">
+                <p:oleObj spid="_x0000_s10248" name="Macro-Enabled Worksheet" r:id="rId3" imgW="10886919" imgH="3476469" progId="Excel.SheetMacroEnabled.12">
                   <p:link updateAutomatic="1"/>
                 </p:oleObj>
               </mc:Choice>
@@ -7733,7 +7998,7 @@
 </p:sld>
 </file>
 
-<file path=ppt/slides/slide17.xml><?xml version="1.0" encoding="utf-8"?>
+<file path=ppt/slides/slide18.xml><?xml version="1.0" encoding="utf-8"?>
 <p:sld xmlns:a="http://schemas.openxmlformats.org/drawingml/2006/main" xmlns:r="http://schemas.openxmlformats.org/officeDocument/2006/relationships" xmlns:p="http://schemas.openxmlformats.org/presentationml/2006/main">
   <p:cSld>
     <p:spTree>
@@ -7862,7 +8127,7 @@
 </p:sld>
 </file>
 
-<file path=ppt/slides/slide18.xml><?xml version="1.0" encoding="utf-8"?>
+<file path=ppt/slides/slide19.xml><?xml version="1.0" encoding="utf-8"?>
 <p:sld xmlns:a="http://schemas.openxmlformats.org/drawingml/2006/main" xmlns:r="http://schemas.openxmlformats.org/officeDocument/2006/relationships" xmlns:p="http://schemas.openxmlformats.org/presentationml/2006/main">
   <p:cSld>
     <p:spTree>
@@ -8123,86 +8388,6 @@
     <p:extLst>
       <p:ext uri="{BB962C8B-B14F-4D97-AF65-F5344CB8AC3E}">
         <p14:creationId xmlns:p14="http://schemas.microsoft.com/office/powerpoint/2010/main" val="1784559724"/>
-      </p:ext>
-    </p:extLst>
-  </p:cSld>
-  <p:clrMapOvr>
-    <a:masterClrMapping/>
-  </p:clrMapOvr>
-</p:sld>
-</file>
-
-<file path=ppt/slides/slide19.xml><?xml version="1.0" encoding="utf-8"?>
-<p:sld xmlns:a="http://schemas.openxmlformats.org/drawingml/2006/main" xmlns:r="http://schemas.openxmlformats.org/officeDocument/2006/relationships" xmlns:p="http://schemas.openxmlformats.org/presentationml/2006/main">
-  <p:cSld>
-    <p:spTree>
-      <p:nvGrpSpPr>
-        <p:cNvPr id="1" name=""/>
-        <p:cNvGrpSpPr/>
-        <p:nvPr/>
-      </p:nvGrpSpPr>
-      <p:grpSpPr>
-        <a:xfrm>
-          <a:off x="0" y="0"/>
-          <a:ext cx="0" cy="0"/>
-          <a:chOff x="0" y="0"/>
-          <a:chExt cx="0" cy="0"/>
-        </a:xfrm>
-      </p:grpSpPr>
-      <p:sp>
-        <p:nvSpPr>
-          <p:cNvPr id="4" name="Title 3">
-            <a:extLst>
-              <a:ext uri="{FF2B5EF4-FFF2-40B4-BE49-F238E27FC236}">
-                <a16:creationId xmlns:a16="http://schemas.microsoft.com/office/drawing/2014/main" id="{C473C0C2-AEE9-C443-A1B0-65B4A813A18A}"/>
-              </a:ext>
-            </a:extLst>
-          </p:cNvPr>
-          <p:cNvSpPr>
-            <a:spLocks noGrp="1"/>
-          </p:cNvSpPr>
-          <p:nvPr>
-            <p:ph type="title"/>
-          </p:nvPr>
-        </p:nvSpPr>
-        <p:spPr/>
-        <p:txBody>
-          <a:bodyPr/>
-          <a:lstStyle/>
-          <a:p>
-            <a:r>
-              <a:rPr lang="en-US" b="1" dirty="0">
-                <a:latin typeface="+mn-lt"/>
-              </a:rPr>
-              <a:t>Practice Area Findings</a:t>
-            </a:r>
-            <a:br>
-              <a:rPr lang="en-US" b="1" dirty="0">
-                <a:latin typeface="+mn-lt"/>
-              </a:rPr>
-            </a:br>
-            <a:r>
-              <a:rPr lang="zh-CN" altLang="en-US" sz="6000" b="1" dirty="0">
-                <a:solidFill>
-                  <a:srgbClr val="1F497D"/>
-                </a:solidFill>
-                <a:latin typeface="+mn-lt"/>
-              </a:rPr>
-              <a:t>实践域发现</a:t>
-            </a:r>
-            <a:endParaRPr lang="en-US" b="1" dirty="0">
-              <a:solidFill>
-                <a:srgbClr val="1F497D"/>
-              </a:solidFill>
-              <a:latin typeface="+mn-lt"/>
-            </a:endParaRPr>
-          </a:p>
-        </p:txBody>
-      </p:sp>
-    </p:spTree>
-    <p:extLst>
-      <p:ext uri="{BB962C8B-B14F-4D97-AF65-F5344CB8AC3E}">
-        <p14:creationId xmlns:p14="http://schemas.microsoft.com/office/powerpoint/2010/main" val="1002676547"/>
       </p:ext>
     </p:extLst>
   </p:cSld>
@@ -8948,6 +9133,86 @@
       </p:grpSpPr>
       <p:sp>
         <p:nvSpPr>
+          <p:cNvPr id="4" name="Title 3">
+            <a:extLst>
+              <a:ext uri="{FF2B5EF4-FFF2-40B4-BE49-F238E27FC236}">
+                <a16:creationId xmlns:a16="http://schemas.microsoft.com/office/drawing/2014/main" id="{C473C0C2-AEE9-C443-A1B0-65B4A813A18A}"/>
+              </a:ext>
+            </a:extLst>
+          </p:cNvPr>
+          <p:cNvSpPr>
+            <a:spLocks noGrp="1"/>
+          </p:cNvSpPr>
+          <p:nvPr>
+            <p:ph type="title"/>
+          </p:nvPr>
+        </p:nvSpPr>
+        <p:spPr/>
+        <p:txBody>
+          <a:bodyPr/>
+          <a:lstStyle/>
+          <a:p>
+            <a:r>
+              <a:rPr lang="en-US" b="1" dirty="0">
+                <a:latin typeface="+mn-lt"/>
+              </a:rPr>
+              <a:t>Practice Area Findings</a:t>
+            </a:r>
+            <a:br>
+              <a:rPr lang="en-US" b="1" dirty="0">
+                <a:latin typeface="+mn-lt"/>
+              </a:rPr>
+            </a:br>
+            <a:r>
+              <a:rPr lang="zh-CN" altLang="en-US" sz="6000" b="1" dirty="0">
+                <a:solidFill>
+                  <a:srgbClr val="1F497D"/>
+                </a:solidFill>
+                <a:latin typeface="+mn-lt"/>
+              </a:rPr>
+              <a:t>实践域发现</a:t>
+            </a:r>
+            <a:endParaRPr lang="en-US" b="1" dirty="0">
+              <a:solidFill>
+                <a:srgbClr val="1F497D"/>
+              </a:solidFill>
+              <a:latin typeface="+mn-lt"/>
+            </a:endParaRPr>
+          </a:p>
+        </p:txBody>
+      </p:sp>
+    </p:spTree>
+    <p:extLst>
+      <p:ext uri="{BB962C8B-B14F-4D97-AF65-F5344CB8AC3E}">
+        <p14:creationId xmlns:p14="http://schemas.microsoft.com/office/powerpoint/2010/main" val="1002676547"/>
+      </p:ext>
+    </p:extLst>
+  </p:cSld>
+  <p:clrMapOvr>
+    <a:masterClrMapping/>
+  </p:clrMapOvr>
+</p:sld>
+</file>
+
+<file path=ppt/slides/slide21.xml><?xml version="1.0" encoding="utf-8"?>
+<p:sld xmlns:a="http://schemas.openxmlformats.org/drawingml/2006/main" xmlns:r="http://schemas.openxmlformats.org/officeDocument/2006/relationships" xmlns:p="http://schemas.openxmlformats.org/presentationml/2006/main">
+  <p:cSld>
+    <p:spTree>
+      <p:nvGrpSpPr>
+        <p:cNvPr id="1" name=""/>
+        <p:cNvGrpSpPr/>
+        <p:nvPr/>
+      </p:nvGrpSpPr>
+      <p:grpSpPr>
+        <a:xfrm>
+          <a:off x="0" y="0"/>
+          <a:ext cx="0" cy="0"/>
+          <a:chOff x="0" y="0"/>
+          <a:chExt cx="0" cy="0"/>
+        </a:xfrm>
+      </p:grpSpPr>
+      <p:sp>
+        <p:nvSpPr>
           <p:cNvPr id="2" name="Title 1">
             <a:extLst>
               <a:ext uri="{FF2B5EF4-FFF2-40B4-BE49-F238E27FC236}">
@@ -9277,7 +9542,7 @@
 </p:sld>
 </file>
 
-<file path=ppt/slides/slide21.xml><?xml version="1.0" encoding="utf-8"?>
+<file path=ppt/slides/slide22.xml><?xml version="1.0" encoding="utf-8"?>
 <p:sld xmlns:a="http://schemas.openxmlformats.org/drawingml/2006/main" xmlns:r="http://schemas.openxmlformats.org/officeDocument/2006/relationships" xmlns:p="http://schemas.openxmlformats.org/presentationml/2006/main">
   <p:cSld>
     <p:spTree>
@@ -9784,7 +10049,7 @@
 </p:sld>
 </file>
 
-<file path=ppt/slides/slide22.xml><?xml version="1.0" encoding="utf-8"?>
+<file path=ppt/slides/slide23.xml><?xml version="1.0" encoding="utf-8"?>
 <p:sld xmlns:a="http://schemas.openxmlformats.org/drawingml/2006/main" xmlns:r="http://schemas.openxmlformats.org/officeDocument/2006/relationships" xmlns:p="http://schemas.openxmlformats.org/presentationml/2006/main">
   <p:cSld>
     <p:spTree>
@@ -10287,7 +10552,7 @@
 </p:sld>
 </file>
 
-<file path=ppt/slides/slide23.xml><?xml version="1.0" encoding="utf-8"?>
+<file path=ppt/slides/slide24.xml><?xml version="1.0" encoding="utf-8"?>
 <p:sld xmlns:a="http://schemas.openxmlformats.org/drawingml/2006/main" xmlns:r="http://schemas.openxmlformats.org/officeDocument/2006/relationships" xmlns:p="http://schemas.openxmlformats.org/presentationml/2006/main">
   <p:cSld>
     <p:spTree>
@@ -10800,7 +11065,7 @@
 </p:sld>
 </file>
 
-<file path=ppt/slides/slide24.xml><?xml version="1.0" encoding="utf-8"?>
+<file path=ppt/slides/slide25.xml><?xml version="1.0" encoding="utf-8"?>
 <p:sld xmlns:a="http://schemas.openxmlformats.org/drawingml/2006/main" xmlns:r="http://schemas.openxmlformats.org/officeDocument/2006/relationships" xmlns:p="http://schemas.openxmlformats.org/presentationml/2006/main">
   <p:cSld>
     <p:spTree>
@@ -11313,7 +11578,7 @@
 </p:sld>
 </file>
 
-<file path=ppt/slides/slide25.xml><?xml version="1.0" encoding="utf-8"?>
+<file path=ppt/slides/slide26.xml><?xml version="1.0" encoding="utf-8"?>
 <p:sld xmlns:a="http://schemas.openxmlformats.org/drawingml/2006/main" xmlns:r="http://schemas.openxmlformats.org/officeDocument/2006/relationships" xmlns:p="http://schemas.openxmlformats.org/presentationml/2006/main">
   <p:cSld>
     <p:spTree>
@@ -11969,671 +12234,6 @@
     <p:extLst>
       <p:ext uri="{BB962C8B-B14F-4D97-AF65-F5344CB8AC3E}">
         <p14:creationId xmlns:p14="http://schemas.microsoft.com/office/powerpoint/2010/main" val="4093229359"/>
-      </p:ext>
-    </p:extLst>
-  </p:cSld>
-  <p:clrMapOvr>
-    <a:masterClrMapping/>
-  </p:clrMapOvr>
-</p:sld>
-</file>
-
-<file path=ppt/slides/slide26.xml><?xml version="1.0" encoding="utf-8"?>
-<p:sld xmlns:a="http://schemas.openxmlformats.org/drawingml/2006/main" xmlns:r="http://schemas.openxmlformats.org/officeDocument/2006/relationships" xmlns:p="http://schemas.openxmlformats.org/presentationml/2006/main">
-  <p:cSld>
-    <p:spTree>
-      <p:nvGrpSpPr>
-        <p:cNvPr id="1" name=""/>
-        <p:cNvGrpSpPr/>
-        <p:nvPr/>
-      </p:nvGrpSpPr>
-      <p:grpSpPr>
-        <a:xfrm>
-          <a:off x="0" y="0"/>
-          <a:ext cx="0" cy="0"/>
-          <a:chOff x="0" y="0"/>
-          <a:chExt cx="0" cy="0"/>
-        </a:xfrm>
-      </p:grpSpPr>
-      <p:pic>
-        <p:nvPicPr>
-          <p:cNvPr id="10" name="Picture 9">
-            <a:extLst>
-              <a:ext uri="{FF2B5EF4-FFF2-40B4-BE49-F238E27FC236}">
-                <a16:creationId xmlns:a16="http://schemas.microsoft.com/office/drawing/2014/main" id="{1D917CA8-C953-3D41-BB4D-AE90DA4944BE}"/>
-              </a:ext>
-            </a:extLst>
-          </p:cNvPr>
-          <p:cNvPicPr>
-            <a:picLocks noChangeAspect="1"/>
-          </p:cNvPicPr>
-          <p:nvPr/>
-        </p:nvPicPr>
-        <p:blipFill>
-          <a:blip r:embed="rId2">
-            <a:extLst>
-              <a:ext uri="{28A0092B-C50C-407E-A947-70E740481C1C}">
-                <a14:useLocalDpi xmlns:a14="http://schemas.microsoft.com/office/drawing/2010/main" val="0"/>
-              </a:ext>
-            </a:extLst>
-          </a:blip>
-          <a:stretch>
-            <a:fillRect/>
-          </a:stretch>
-        </p:blipFill>
-        <p:spPr>
-          <a:xfrm>
-            <a:off x="310704" y="310896"/>
-            <a:ext cx="1352550" cy="1028700"/>
-          </a:xfrm>
-          <a:prstGeom prst="rect">
-            <a:avLst/>
-          </a:prstGeom>
-        </p:spPr>
-      </p:pic>
-      <p:sp>
-        <p:nvSpPr>
-          <p:cNvPr id="3" name="Title 2">
-            <a:extLst>
-              <a:ext uri="{FF2B5EF4-FFF2-40B4-BE49-F238E27FC236}">
-                <a16:creationId xmlns:a16="http://schemas.microsoft.com/office/drawing/2014/main" id="{729B6FBD-CD48-43B2-99F2-DBC6C3011C1E}"/>
-              </a:ext>
-            </a:extLst>
-          </p:cNvPr>
-          <p:cNvSpPr>
-            <a:spLocks noGrp="1"/>
-          </p:cNvSpPr>
-          <p:nvPr>
-            <p:ph type="title"/>
-          </p:nvPr>
-        </p:nvSpPr>
-        <p:spPr/>
-        <p:txBody>
-          <a:bodyPr>
-            <a:noAutofit/>
-          </a:bodyPr>
-          <a:lstStyle/>
-          <a:p>
-            <a:r>
-              <a:rPr lang="en-US" sz="2400" dirty="0"/>
-              <a:t>Managing Performance and Measurement (</a:t>
-            </a:r>
-            <a:r>
-              <a:rPr lang="en-US" sz="2400" dirty="0" err="1"/>
-              <a:t>MPM</a:t>
-            </a:r>
-            <a:r>
-              <a:rPr lang="en-US" sz="2400" dirty="0"/>
-              <a:t>) </a:t>
-            </a:r>
-            <a:r>
-              <a:rPr lang="zh-CN" altLang="en-US" sz="2400" dirty="0">
-                <a:solidFill>
-                  <a:srgbClr val="1F497D"/>
-                </a:solidFill>
-              </a:rPr>
-              <a:t>管理绩效与度量</a:t>
-            </a:r>
-            <a:endParaRPr lang="en-ZA" sz="2400" dirty="0">
-              <a:solidFill>
-                <a:srgbClr val="1F497D"/>
-              </a:solidFill>
-            </a:endParaRPr>
-          </a:p>
-        </p:txBody>
-      </p:sp>
-      <p:sp>
-        <p:nvSpPr>
-          <p:cNvPr id="12" name="Content Placeholder 7">
-            <a:extLst>
-              <a:ext uri="{FF2B5EF4-FFF2-40B4-BE49-F238E27FC236}">
-                <a16:creationId xmlns:a16="http://schemas.microsoft.com/office/drawing/2014/main" id="{1ED947F3-5626-4DC5-883B-9F149E032369}"/>
-              </a:ext>
-            </a:extLst>
-          </p:cNvPr>
-          <p:cNvSpPr txBox="1">
-            <a:spLocks/>
-          </p:cNvSpPr>
-          <p:nvPr/>
-        </p:nvSpPr>
-        <p:spPr>
-          <a:xfrm>
-            <a:off x="463296" y="1339596"/>
-            <a:ext cx="11265408" cy="1419398"/>
-          </a:xfrm>
-          <a:prstGeom prst="rect">
-            <a:avLst/>
-          </a:prstGeom>
-        </p:spPr>
-        <p:txBody>
-          <a:bodyPr vert="horz" lIns="91440" tIns="45720" rIns="91440" bIns="45720" rtlCol="0">
-            <a:normAutofit/>
-          </a:bodyPr>
-          <a:lstStyle>
-            <a:lvl1pPr marL="228600" indent="-228600" algn="l" defTabSz="914400" rtl="0" eaLnBrk="1" latinLnBrk="0" hangingPunct="1">
-              <a:lnSpc>
-                <a:spcPct val="90000"/>
-              </a:lnSpc>
-              <a:spcBef>
-                <a:spcPts val="1000"/>
-              </a:spcBef>
-              <a:buFont typeface="Arial" panose="020B0604020202020204" pitchFamily="34" charset="0"/>
-              <a:buChar char="•"/>
-              <a:defRPr sz="2800" kern="1200">
-                <a:solidFill>
-                  <a:schemeClr val="tx1"/>
-                </a:solidFill>
-                <a:latin typeface="+mn-lt"/>
-                <a:ea typeface="+mn-ea"/>
-                <a:cs typeface="+mn-cs"/>
-              </a:defRPr>
-            </a:lvl1pPr>
-            <a:lvl2pPr marL="685800" indent="-228600" algn="l" defTabSz="914400" rtl="0" eaLnBrk="1" latinLnBrk="0" hangingPunct="1">
-              <a:lnSpc>
-                <a:spcPct val="90000"/>
-              </a:lnSpc>
-              <a:spcBef>
-                <a:spcPts val="500"/>
-              </a:spcBef>
-              <a:buFont typeface="Arial" panose="020B0604020202020204" pitchFamily="34" charset="0"/>
-              <a:buChar char="•"/>
-              <a:defRPr sz="2400" kern="1200">
-                <a:solidFill>
-                  <a:schemeClr val="tx1"/>
-                </a:solidFill>
-                <a:latin typeface="+mn-lt"/>
-                <a:ea typeface="+mn-ea"/>
-                <a:cs typeface="+mn-cs"/>
-              </a:defRPr>
-            </a:lvl2pPr>
-            <a:lvl3pPr marL="1143000" indent="-228600" algn="l" defTabSz="914400" rtl="0" eaLnBrk="1" latinLnBrk="0" hangingPunct="1">
-              <a:lnSpc>
-                <a:spcPct val="90000"/>
-              </a:lnSpc>
-              <a:spcBef>
-                <a:spcPts val="500"/>
-              </a:spcBef>
-              <a:buFont typeface="Arial" panose="020B0604020202020204" pitchFamily="34" charset="0"/>
-              <a:buChar char="•"/>
-              <a:defRPr sz="2000" kern="1200">
-                <a:solidFill>
-                  <a:schemeClr val="tx1"/>
-                </a:solidFill>
-                <a:latin typeface="+mn-lt"/>
-                <a:ea typeface="+mn-ea"/>
-                <a:cs typeface="+mn-cs"/>
-              </a:defRPr>
-            </a:lvl3pPr>
-            <a:lvl4pPr marL="1600200" indent="-228600" algn="l" defTabSz="914400" rtl="0" eaLnBrk="1" latinLnBrk="0" hangingPunct="1">
-              <a:lnSpc>
-                <a:spcPct val="90000"/>
-              </a:lnSpc>
-              <a:spcBef>
-                <a:spcPts val="500"/>
-              </a:spcBef>
-              <a:buFont typeface="Arial" panose="020B0604020202020204" pitchFamily="34" charset="0"/>
-              <a:buChar char="•"/>
-              <a:defRPr sz="1800" kern="1200">
-                <a:solidFill>
-                  <a:schemeClr val="tx1"/>
-                </a:solidFill>
-                <a:latin typeface="+mn-lt"/>
-                <a:ea typeface="+mn-ea"/>
-                <a:cs typeface="+mn-cs"/>
-              </a:defRPr>
-            </a:lvl4pPr>
-            <a:lvl5pPr marL="2057400" indent="-228600" algn="l" defTabSz="914400" rtl="0" eaLnBrk="1" latinLnBrk="0" hangingPunct="1">
-              <a:lnSpc>
-                <a:spcPct val="90000"/>
-              </a:lnSpc>
-              <a:spcBef>
-                <a:spcPts val="500"/>
-              </a:spcBef>
-              <a:buFont typeface="Arial" panose="020B0604020202020204" pitchFamily="34" charset="0"/>
-              <a:buChar char="•"/>
-              <a:defRPr sz="1800" kern="1200">
-                <a:solidFill>
-                  <a:schemeClr val="tx1"/>
-                </a:solidFill>
-                <a:latin typeface="+mn-lt"/>
-                <a:ea typeface="+mn-ea"/>
-                <a:cs typeface="+mn-cs"/>
-              </a:defRPr>
-            </a:lvl5pPr>
-            <a:lvl6pPr marL="2514600" indent="-228600" algn="l" defTabSz="914400" rtl="0" eaLnBrk="1" latinLnBrk="0" hangingPunct="1">
-              <a:lnSpc>
-                <a:spcPct val="90000"/>
-              </a:lnSpc>
-              <a:spcBef>
-                <a:spcPts val="500"/>
-              </a:spcBef>
-              <a:buFont typeface="Arial" panose="020B0604020202020204" pitchFamily="34" charset="0"/>
-              <a:buChar char="•"/>
-              <a:defRPr sz="1800" kern="1200">
-                <a:solidFill>
-                  <a:schemeClr val="tx1"/>
-                </a:solidFill>
-                <a:latin typeface="+mn-lt"/>
-                <a:ea typeface="+mn-ea"/>
-                <a:cs typeface="+mn-cs"/>
-              </a:defRPr>
-            </a:lvl6pPr>
-            <a:lvl7pPr marL="2971800" indent="-228600" algn="l" defTabSz="914400" rtl="0" eaLnBrk="1" latinLnBrk="0" hangingPunct="1">
-              <a:lnSpc>
-                <a:spcPct val="90000"/>
-              </a:lnSpc>
-              <a:spcBef>
-                <a:spcPts val="500"/>
-              </a:spcBef>
-              <a:buFont typeface="Arial" panose="020B0604020202020204" pitchFamily="34" charset="0"/>
-              <a:buChar char="•"/>
-              <a:defRPr sz="1800" kern="1200">
-                <a:solidFill>
-                  <a:schemeClr val="tx1"/>
-                </a:solidFill>
-                <a:latin typeface="+mn-lt"/>
-                <a:ea typeface="+mn-ea"/>
-                <a:cs typeface="+mn-cs"/>
-              </a:defRPr>
-            </a:lvl7pPr>
-            <a:lvl8pPr marL="3429000" indent="-228600" algn="l" defTabSz="914400" rtl="0" eaLnBrk="1" latinLnBrk="0" hangingPunct="1">
-              <a:lnSpc>
-                <a:spcPct val="90000"/>
-              </a:lnSpc>
-              <a:spcBef>
-                <a:spcPts val="500"/>
-              </a:spcBef>
-              <a:buFont typeface="Arial" panose="020B0604020202020204" pitchFamily="34" charset="0"/>
-              <a:buChar char="•"/>
-              <a:defRPr sz="1800" kern="1200">
-                <a:solidFill>
-                  <a:schemeClr val="tx1"/>
-                </a:solidFill>
-                <a:latin typeface="+mn-lt"/>
-                <a:ea typeface="+mn-ea"/>
-                <a:cs typeface="+mn-cs"/>
-              </a:defRPr>
-            </a:lvl8pPr>
-            <a:lvl9pPr marL="3886200" indent="-228600" algn="l" defTabSz="914400" rtl="0" eaLnBrk="1" latinLnBrk="0" hangingPunct="1">
-              <a:lnSpc>
-                <a:spcPct val="90000"/>
-              </a:lnSpc>
-              <a:spcBef>
-                <a:spcPts val="500"/>
-              </a:spcBef>
-              <a:buFont typeface="Arial" panose="020B0604020202020204" pitchFamily="34" charset="0"/>
-              <a:buChar char="•"/>
-              <a:defRPr sz="1800" kern="1200">
-                <a:solidFill>
-                  <a:schemeClr val="tx1"/>
-                </a:solidFill>
-                <a:latin typeface="+mn-lt"/>
-                <a:ea typeface="+mn-ea"/>
-                <a:cs typeface="+mn-cs"/>
-              </a:defRPr>
-            </a:lvl9pPr>
-          </a:lstStyle>
-          <a:p>
-            <a:pPr marL="0" indent="0">
-              <a:buNone/>
-            </a:pPr>
-            <a:r>
-              <a:rPr lang="en-US" sz="1600" b="1" dirty="0"/>
-              <a:t>	Intent: </a:t>
-            </a:r>
-            <a:r>
-              <a:rPr lang="en-US" sz="1600" dirty="0"/>
-              <a:t>Manage performance using measurement and analysis to achieve business objectives.</a:t>
-            </a:r>
-            <a:br>
-              <a:rPr lang="en-US" sz="1600" dirty="0"/>
-            </a:br>
-            <a:r>
-              <a:rPr lang="en-US" sz="1600" dirty="0"/>
-              <a:t>	</a:t>
-            </a:r>
-            <a:r>
-              <a:rPr lang="zh-CN" altLang="en-US" sz="1600" dirty="0">
-                <a:solidFill>
-                  <a:srgbClr val="1F497D"/>
-                </a:solidFill>
-              </a:rPr>
-              <a:t>使用度量和分析来管理性能，以实现业务目标。 </a:t>
-            </a:r>
-            <a:endParaRPr lang="en-US" sz="1600" dirty="0">
-              <a:solidFill>
-                <a:srgbClr val="1F497D"/>
-              </a:solidFill>
-            </a:endParaRPr>
-          </a:p>
-          <a:p>
-            <a:pPr marL="0" indent="0">
-              <a:buNone/>
-            </a:pPr>
-            <a:r>
-              <a:rPr lang="en-US" sz="1600" b="1" dirty="0"/>
-              <a:t>	Value:</a:t>
-            </a:r>
-            <a:r>
-              <a:rPr lang="en-US" sz="1600" dirty="0"/>
-              <a:t> Maximizes business return on investment by focusing management and improvement efforts on cost, schedule, and 	quality performance.</a:t>
-            </a:r>
-            <a:br>
-              <a:rPr lang="en-US" sz="1600" dirty="0"/>
-            </a:br>
-            <a:r>
-              <a:rPr lang="en-US" sz="1600" dirty="0"/>
-              <a:t>	</a:t>
-            </a:r>
-            <a:r>
-              <a:rPr lang="zh-CN" altLang="en-US" sz="1600" dirty="0">
-                <a:solidFill>
-                  <a:srgbClr val="1F497D"/>
-                </a:solidFill>
-              </a:rPr>
-              <a:t>将管理和改进工作集中在成本、进度和质量性能上，最大限度地提高业务投资回报。</a:t>
-            </a:r>
-          </a:p>
-        </p:txBody>
-      </p:sp>
-      <p:sp>
-        <p:nvSpPr>
-          <p:cNvPr id="8" name="Content Placeholder 3">
-            <a:extLst>
-              <a:ext uri="{FF2B5EF4-FFF2-40B4-BE49-F238E27FC236}">
-                <a16:creationId xmlns:a16="http://schemas.microsoft.com/office/drawing/2014/main" id="{AD359478-7EA2-4394-AC0C-E3B891310A84}"/>
-              </a:ext>
-            </a:extLst>
-          </p:cNvPr>
-          <p:cNvSpPr txBox="1">
-            <a:spLocks/>
-          </p:cNvSpPr>
-          <p:nvPr/>
-        </p:nvSpPr>
-        <p:spPr>
-          <a:xfrm>
-            <a:off x="466344" y="3051602"/>
-            <a:ext cx="11265408" cy="3097485"/>
-          </a:xfrm>
-          <a:prstGeom prst="rect">
-            <a:avLst/>
-          </a:prstGeom>
-        </p:spPr>
-        <p:txBody>
-          <a:bodyPr vert="horz" lIns="91440" tIns="45720" rIns="91440" bIns="45720" rtlCol="0">
-            <a:noAutofit/>
-          </a:bodyPr>
-          <a:lstStyle>
-            <a:lvl1pPr marL="0" indent="0" algn="l" defTabSz="914400" rtl="0" eaLnBrk="1" latinLnBrk="0" hangingPunct="1">
-              <a:lnSpc>
-                <a:spcPct val="90000"/>
-              </a:lnSpc>
-              <a:spcBef>
-                <a:spcPts val="1000"/>
-              </a:spcBef>
-              <a:buFont typeface="Arial" panose="020B0604020202020204" pitchFamily="34" charset="0"/>
-              <a:buNone/>
-              <a:defRPr sz="2400" b="1" kern="1200">
-                <a:solidFill>
-                  <a:schemeClr val="tx1"/>
-                </a:solidFill>
-                <a:latin typeface="+mn-lt"/>
-                <a:ea typeface="+mn-ea"/>
-                <a:cs typeface="+mn-cs"/>
-              </a:defRPr>
-            </a:lvl1pPr>
-            <a:lvl2pPr marL="685800" indent="-228600" algn="l" defTabSz="914400" rtl="0" eaLnBrk="1" latinLnBrk="0" hangingPunct="1">
-              <a:lnSpc>
-                <a:spcPct val="90000"/>
-              </a:lnSpc>
-              <a:spcBef>
-                <a:spcPts val="500"/>
-              </a:spcBef>
-              <a:buFont typeface="Arial" panose="020B0604020202020204" pitchFamily="34" charset="0"/>
-              <a:buChar char="•"/>
-              <a:defRPr sz="2400" kern="1200">
-                <a:solidFill>
-                  <a:schemeClr val="tx1"/>
-                </a:solidFill>
-                <a:latin typeface="+mn-lt"/>
-                <a:ea typeface="+mn-ea"/>
-                <a:cs typeface="+mn-cs"/>
-              </a:defRPr>
-            </a:lvl2pPr>
-            <a:lvl3pPr marL="1143000" indent="-228600" algn="l" defTabSz="914400" rtl="0" eaLnBrk="1" latinLnBrk="0" hangingPunct="1">
-              <a:lnSpc>
-                <a:spcPct val="90000"/>
-              </a:lnSpc>
-              <a:spcBef>
-                <a:spcPts val="500"/>
-              </a:spcBef>
-              <a:buFont typeface="Arial" panose="020B0604020202020204" pitchFamily="34" charset="0"/>
-              <a:buChar char="•"/>
-              <a:defRPr sz="2000" kern="1200">
-                <a:solidFill>
-                  <a:schemeClr val="tx1"/>
-                </a:solidFill>
-                <a:latin typeface="+mn-lt"/>
-                <a:ea typeface="+mn-ea"/>
-                <a:cs typeface="+mn-cs"/>
-              </a:defRPr>
-            </a:lvl3pPr>
-            <a:lvl4pPr marL="1600200" indent="-228600" algn="l" defTabSz="914400" rtl="0" eaLnBrk="1" latinLnBrk="0" hangingPunct="1">
-              <a:lnSpc>
-                <a:spcPct val="90000"/>
-              </a:lnSpc>
-              <a:spcBef>
-                <a:spcPts val="500"/>
-              </a:spcBef>
-              <a:buFont typeface="Arial" panose="020B0604020202020204" pitchFamily="34" charset="0"/>
-              <a:buChar char="•"/>
-              <a:defRPr sz="1800" kern="1200">
-                <a:solidFill>
-                  <a:schemeClr val="tx1"/>
-                </a:solidFill>
-                <a:latin typeface="+mn-lt"/>
-                <a:ea typeface="+mn-ea"/>
-                <a:cs typeface="+mn-cs"/>
-              </a:defRPr>
-            </a:lvl4pPr>
-            <a:lvl5pPr marL="2057400" indent="-228600" algn="l" defTabSz="914400" rtl="0" eaLnBrk="1" latinLnBrk="0" hangingPunct="1">
-              <a:lnSpc>
-                <a:spcPct val="90000"/>
-              </a:lnSpc>
-              <a:spcBef>
-                <a:spcPts val="500"/>
-              </a:spcBef>
-              <a:buFont typeface="Arial" panose="020B0604020202020204" pitchFamily="34" charset="0"/>
-              <a:buChar char="•"/>
-              <a:defRPr sz="1800" kern="1200">
-                <a:solidFill>
-                  <a:schemeClr val="tx1"/>
-                </a:solidFill>
-                <a:latin typeface="+mn-lt"/>
-                <a:ea typeface="+mn-ea"/>
-                <a:cs typeface="+mn-cs"/>
-              </a:defRPr>
-            </a:lvl5pPr>
-            <a:lvl6pPr marL="2514600" indent="-228600" algn="l" defTabSz="914400" rtl="0" eaLnBrk="1" latinLnBrk="0" hangingPunct="1">
-              <a:lnSpc>
-                <a:spcPct val="90000"/>
-              </a:lnSpc>
-              <a:spcBef>
-                <a:spcPts val="500"/>
-              </a:spcBef>
-              <a:buFont typeface="Arial" panose="020B0604020202020204" pitchFamily="34" charset="0"/>
-              <a:buChar char="•"/>
-              <a:defRPr sz="1800" kern="1200">
-                <a:solidFill>
-                  <a:schemeClr val="tx1"/>
-                </a:solidFill>
-                <a:latin typeface="+mn-lt"/>
-                <a:ea typeface="+mn-ea"/>
-                <a:cs typeface="+mn-cs"/>
-              </a:defRPr>
-            </a:lvl6pPr>
-            <a:lvl7pPr marL="2971800" indent="-228600" algn="l" defTabSz="914400" rtl="0" eaLnBrk="1" latinLnBrk="0" hangingPunct="1">
-              <a:lnSpc>
-                <a:spcPct val="90000"/>
-              </a:lnSpc>
-              <a:spcBef>
-                <a:spcPts val="500"/>
-              </a:spcBef>
-              <a:buFont typeface="Arial" panose="020B0604020202020204" pitchFamily="34" charset="0"/>
-              <a:buChar char="•"/>
-              <a:defRPr sz="1800" kern="1200">
-                <a:solidFill>
-                  <a:schemeClr val="tx1"/>
-                </a:solidFill>
-                <a:latin typeface="+mn-lt"/>
-                <a:ea typeface="+mn-ea"/>
-                <a:cs typeface="+mn-cs"/>
-              </a:defRPr>
-            </a:lvl7pPr>
-            <a:lvl8pPr marL="3429000" indent="-228600" algn="l" defTabSz="914400" rtl="0" eaLnBrk="1" latinLnBrk="0" hangingPunct="1">
-              <a:lnSpc>
-                <a:spcPct val="90000"/>
-              </a:lnSpc>
-              <a:spcBef>
-                <a:spcPts val="500"/>
-              </a:spcBef>
-              <a:buFont typeface="Arial" panose="020B0604020202020204" pitchFamily="34" charset="0"/>
-              <a:buChar char="•"/>
-              <a:defRPr sz="1800" kern="1200">
-                <a:solidFill>
-                  <a:schemeClr val="tx1"/>
-                </a:solidFill>
-                <a:latin typeface="+mn-lt"/>
-                <a:ea typeface="+mn-ea"/>
-                <a:cs typeface="+mn-cs"/>
-              </a:defRPr>
-            </a:lvl8pPr>
-            <a:lvl9pPr marL="3886200" indent="-228600" algn="l" defTabSz="914400" rtl="0" eaLnBrk="1" latinLnBrk="0" hangingPunct="1">
-              <a:lnSpc>
-                <a:spcPct val="90000"/>
-              </a:lnSpc>
-              <a:spcBef>
-                <a:spcPts val="500"/>
-              </a:spcBef>
-              <a:buFont typeface="Arial" panose="020B0604020202020204" pitchFamily="34" charset="0"/>
-              <a:buChar char="•"/>
-              <a:defRPr sz="1800" kern="1200">
-                <a:solidFill>
-                  <a:schemeClr val="tx1"/>
-                </a:solidFill>
-                <a:latin typeface="+mn-lt"/>
-                <a:ea typeface="+mn-ea"/>
-                <a:cs typeface="+mn-cs"/>
-              </a:defRPr>
-            </a:lvl9pPr>
-          </a:lstStyle>
-          <a:p>
-            <a:r>
-              <a:rPr lang="en-US" sz="1800" dirty="0"/>
-              <a:t>Strengths </a:t>
-            </a:r>
-            <a:r>
-              <a:rPr lang="ja-JP" altLang="en-US" sz="1800" dirty="0">
-                <a:solidFill>
-                  <a:srgbClr val="1F497D"/>
-                </a:solidFill>
-                <a:latin typeface="DengXian" panose="02010600030101010101" pitchFamily="2" charset="-122"/>
-                <a:ea typeface="DengXian" panose="02010600030101010101" pitchFamily="2" charset="-122"/>
-              </a:rPr>
-              <a:t>强项</a:t>
-            </a:r>
-            <a:r>
-              <a:rPr lang="en-US" altLang="ja-JP" sz="1800" dirty="0"/>
-              <a:t>:</a:t>
-            </a:r>
-            <a:endParaRPr lang="en-US" sz="1800" dirty="0"/>
-          </a:p>
-          <a:p>
-            <a:pPr marL="342900" indent="-342900">
-              <a:buFont typeface="Arial" panose="020B0604020202020204" pitchFamily="34" charset="0"/>
-              <a:buChar char="•"/>
-            </a:pPr>
-            <a:r>
-              <a:rPr lang="en-US" sz="1800" b="0" dirty="0"/>
-              <a:t>None </a:t>
-            </a:r>
-            <a:br>
-              <a:rPr lang="en-US" sz="1800" b="0" dirty="0"/>
-            </a:br>
-            <a:r>
-              <a:rPr lang="ja-JP" altLang="en-US" sz="1800" b="0" dirty="0">
-                <a:solidFill>
-                  <a:srgbClr val="1F497D"/>
-                </a:solidFill>
-                <a:latin typeface="DengXian" panose="02010600030101010101" pitchFamily="2" charset="-122"/>
-                <a:ea typeface="DengXian" panose="02010600030101010101" pitchFamily="2" charset="-122"/>
-              </a:rPr>
-              <a:t>没有</a:t>
-            </a:r>
-            <a:endParaRPr lang="en-US" sz="1800" b="0" dirty="0">
-              <a:solidFill>
-                <a:srgbClr val="1F497D"/>
-              </a:solidFill>
-              <a:latin typeface="DengXian" panose="02010600030101010101" pitchFamily="2" charset="-122"/>
-              <a:ea typeface="DengXian" panose="02010600030101010101" pitchFamily="2" charset="-122"/>
-            </a:endParaRPr>
-          </a:p>
-          <a:p>
-            <a:endParaRPr lang="en-US" sz="1800" b="0" dirty="0"/>
-          </a:p>
-          <a:p>
-            <a:r>
-              <a:rPr lang="en-US" sz="1800" dirty="0"/>
-              <a:t>Weaknesses </a:t>
-            </a:r>
-            <a:r>
-              <a:rPr lang="zh-CN" altLang="en-US" sz="1800" dirty="0">
-                <a:solidFill>
-                  <a:srgbClr val="1F497D"/>
-                </a:solidFill>
-                <a:latin typeface="DengXian" panose="02010600030101010101" pitchFamily="2" charset="-122"/>
-                <a:ea typeface="DengXian" panose="02010600030101010101" pitchFamily="2" charset="-122"/>
-              </a:rPr>
-              <a:t>弱项</a:t>
-            </a:r>
-            <a:r>
-              <a:rPr lang="en-US" altLang="ja-JP" sz="1800" dirty="0"/>
-              <a:t>:</a:t>
-            </a:r>
-            <a:endParaRPr lang="en-US" sz="1800" dirty="0"/>
-          </a:p>
-          <a:p>
-            <a:pPr marL="342900" indent="-342900">
-              <a:buFont typeface="Arial" panose="020B0604020202020204" pitchFamily="34" charset="0"/>
-              <a:buChar char="•"/>
-            </a:pPr>
-            <a:r>
-              <a:rPr lang="en-US" sz="1800" b="0" dirty="0"/>
-              <a:t>None </a:t>
-            </a:r>
-            <a:br>
-              <a:rPr lang="en-US" sz="1800" b="0" dirty="0"/>
-            </a:br>
-            <a:r>
-              <a:rPr lang="ja-JP" altLang="en-US" sz="1800" b="0" dirty="0">
-                <a:solidFill>
-                  <a:srgbClr val="1F497D"/>
-                </a:solidFill>
-              </a:rPr>
-              <a:t>没有</a:t>
-            </a:r>
-            <a:endParaRPr lang="en-US" sz="1800" b="0" dirty="0">
-              <a:solidFill>
-                <a:srgbClr val="1F497D"/>
-              </a:solidFill>
-            </a:endParaRPr>
-          </a:p>
-        </p:txBody>
-      </p:sp>
-    </p:spTree>
-    <p:extLst>
-      <p:ext uri="{BB962C8B-B14F-4D97-AF65-F5344CB8AC3E}">
-        <p14:creationId xmlns:p14="http://schemas.microsoft.com/office/powerpoint/2010/main" val="1403241158"/>
       </p:ext>
     </p:extLst>
   </p:cSld>
@@ -12999,6 +12599,671 @@
               <a:t>将管理和改进工作集中在成本、进度和质量性能上，最大限度地提高业务投资回报。</a:t>
             </a:r>
           </a:p>
+        </p:txBody>
+      </p:sp>
+      <p:sp>
+        <p:nvSpPr>
+          <p:cNvPr id="8" name="Content Placeholder 3">
+            <a:extLst>
+              <a:ext uri="{FF2B5EF4-FFF2-40B4-BE49-F238E27FC236}">
+                <a16:creationId xmlns:a16="http://schemas.microsoft.com/office/drawing/2014/main" id="{AD359478-7EA2-4394-AC0C-E3B891310A84}"/>
+              </a:ext>
+            </a:extLst>
+          </p:cNvPr>
+          <p:cNvSpPr txBox="1">
+            <a:spLocks/>
+          </p:cNvSpPr>
+          <p:nvPr/>
+        </p:nvSpPr>
+        <p:spPr>
+          <a:xfrm>
+            <a:off x="466344" y="3051602"/>
+            <a:ext cx="11265408" cy="3097485"/>
+          </a:xfrm>
+          <a:prstGeom prst="rect">
+            <a:avLst/>
+          </a:prstGeom>
+        </p:spPr>
+        <p:txBody>
+          <a:bodyPr vert="horz" lIns="91440" tIns="45720" rIns="91440" bIns="45720" rtlCol="0">
+            <a:noAutofit/>
+          </a:bodyPr>
+          <a:lstStyle>
+            <a:lvl1pPr marL="0" indent="0" algn="l" defTabSz="914400" rtl="0" eaLnBrk="1" latinLnBrk="0" hangingPunct="1">
+              <a:lnSpc>
+                <a:spcPct val="90000"/>
+              </a:lnSpc>
+              <a:spcBef>
+                <a:spcPts val="1000"/>
+              </a:spcBef>
+              <a:buFont typeface="Arial" panose="020B0604020202020204" pitchFamily="34" charset="0"/>
+              <a:buNone/>
+              <a:defRPr sz="2400" b="1" kern="1200">
+                <a:solidFill>
+                  <a:schemeClr val="tx1"/>
+                </a:solidFill>
+                <a:latin typeface="+mn-lt"/>
+                <a:ea typeface="+mn-ea"/>
+                <a:cs typeface="+mn-cs"/>
+              </a:defRPr>
+            </a:lvl1pPr>
+            <a:lvl2pPr marL="685800" indent="-228600" algn="l" defTabSz="914400" rtl="0" eaLnBrk="1" latinLnBrk="0" hangingPunct="1">
+              <a:lnSpc>
+                <a:spcPct val="90000"/>
+              </a:lnSpc>
+              <a:spcBef>
+                <a:spcPts val="500"/>
+              </a:spcBef>
+              <a:buFont typeface="Arial" panose="020B0604020202020204" pitchFamily="34" charset="0"/>
+              <a:buChar char="•"/>
+              <a:defRPr sz="2400" kern="1200">
+                <a:solidFill>
+                  <a:schemeClr val="tx1"/>
+                </a:solidFill>
+                <a:latin typeface="+mn-lt"/>
+                <a:ea typeface="+mn-ea"/>
+                <a:cs typeface="+mn-cs"/>
+              </a:defRPr>
+            </a:lvl2pPr>
+            <a:lvl3pPr marL="1143000" indent="-228600" algn="l" defTabSz="914400" rtl="0" eaLnBrk="1" latinLnBrk="0" hangingPunct="1">
+              <a:lnSpc>
+                <a:spcPct val="90000"/>
+              </a:lnSpc>
+              <a:spcBef>
+                <a:spcPts val="500"/>
+              </a:spcBef>
+              <a:buFont typeface="Arial" panose="020B0604020202020204" pitchFamily="34" charset="0"/>
+              <a:buChar char="•"/>
+              <a:defRPr sz="2000" kern="1200">
+                <a:solidFill>
+                  <a:schemeClr val="tx1"/>
+                </a:solidFill>
+                <a:latin typeface="+mn-lt"/>
+                <a:ea typeface="+mn-ea"/>
+                <a:cs typeface="+mn-cs"/>
+              </a:defRPr>
+            </a:lvl3pPr>
+            <a:lvl4pPr marL="1600200" indent="-228600" algn="l" defTabSz="914400" rtl="0" eaLnBrk="1" latinLnBrk="0" hangingPunct="1">
+              <a:lnSpc>
+                <a:spcPct val="90000"/>
+              </a:lnSpc>
+              <a:spcBef>
+                <a:spcPts val="500"/>
+              </a:spcBef>
+              <a:buFont typeface="Arial" panose="020B0604020202020204" pitchFamily="34" charset="0"/>
+              <a:buChar char="•"/>
+              <a:defRPr sz="1800" kern="1200">
+                <a:solidFill>
+                  <a:schemeClr val="tx1"/>
+                </a:solidFill>
+                <a:latin typeface="+mn-lt"/>
+                <a:ea typeface="+mn-ea"/>
+                <a:cs typeface="+mn-cs"/>
+              </a:defRPr>
+            </a:lvl4pPr>
+            <a:lvl5pPr marL="2057400" indent="-228600" algn="l" defTabSz="914400" rtl="0" eaLnBrk="1" latinLnBrk="0" hangingPunct="1">
+              <a:lnSpc>
+                <a:spcPct val="90000"/>
+              </a:lnSpc>
+              <a:spcBef>
+                <a:spcPts val="500"/>
+              </a:spcBef>
+              <a:buFont typeface="Arial" panose="020B0604020202020204" pitchFamily="34" charset="0"/>
+              <a:buChar char="•"/>
+              <a:defRPr sz="1800" kern="1200">
+                <a:solidFill>
+                  <a:schemeClr val="tx1"/>
+                </a:solidFill>
+                <a:latin typeface="+mn-lt"/>
+                <a:ea typeface="+mn-ea"/>
+                <a:cs typeface="+mn-cs"/>
+              </a:defRPr>
+            </a:lvl5pPr>
+            <a:lvl6pPr marL="2514600" indent="-228600" algn="l" defTabSz="914400" rtl="0" eaLnBrk="1" latinLnBrk="0" hangingPunct="1">
+              <a:lnSpc>
+                <a:spcPct val="90000"/>
+              </a:lnSpc>
+              <a:spcBef>
+                <a:spcPts val="500"/>
+              </a:spcBef>
+              <a:buFont typeface="Arial" panose="020B0604020202020204" pitchFamily="34" charset="0"/>
+              <a:buChar char="•"/>
+              <a:defRPr sz="1800" kern="1200">
+                <a:solidFill>
+                  <a:schemeClr val="tx1"/>
+                </a:solidFill>
+                <a:latin typeface="+mn-lt"/>
+                <a:ea typeface="+mn-ea"/>
+                <a:cs typeface="+mn-cs"/>
+              </a:defRPr>
+            </a:lvl6pPr>
+            <a:lvl7pPr marL="2971800" indent="-228600" algn="l" defTabSz="914400" rtl="0" eaLnBrk="1" latinLnBrk="0" hangingPunct="1">
+              <a:lnSpc>
+                <a:spcPct val="90000"/>
+              </a:lnSpc>
+              <a:spcBef>
+                <a:spcPts val="500"/>
+              </a:spcBef>
+              <a:buFont typeface="Arial" panose="020B0604020202020204" pitchFamily="34" charset="0"/>
+              <a:buChar char="•"/>
+              <a:defRPr sz="1800" kern="1200">
+                <a:solidFill>
+                  <a:schemeClr val="tx1"/>
+                </a:solidFill>
+                <a:latin typeface="+mn-lt"/>
+                <a:ea typeface="+mn-ea"/>
+                <a:cs typeface="+mn-cs"/>
+              </a:defRPr>
+            </a:lvl7pPr>
+            <a:lvl8pPr marL="3429000" indent="-228600" algn="l" defTabSz="914400" rtl="0" eaLnBrk="1" latinLnBrk="0" hangingPunct="1">
+              <a:lnSpc>
+                <a:spcPct val="90000"/>
+              </a:lnSpc>
+              <a:spcBef>
+                <a:spcPts val="500"/>
+              </a:spcBef>
+              <a:buFont typeface="Arial" panose="020B0604020202020204" pitchFamily="34" charset="0"/>
+              <a:buChar char="•"/>
+              <a:defRPr sz="1800" kern="1200">
+                <a:solidFill>
+                  <a:schemeClr val="tx1"/>
+                </a:solidFill>
+                <a:latin typeface="+mn-lt"/>
+                <a:ea typeface="+mn-ea"/>
+                <a:cs typeface="+mn-cs"/>
+              </a:defRPr>
+            </a:lvl8pPr>
+            <a:lvl9pPr marL="3886200" indent="-228600" algn="l" defTabSz="914400" rtl="0" eaLnBrk="1" latinLnBrk="0" hangingPunct="1">
+              <a:lnSpc>
+                <a:spcPct val="90000"/>
+              </a:lnSpc>
+              <a:spcBef>
+                <a:spcPts val="500"/>
+              </a:spcBef>
+              <a:buFont typeface="Arial" panose="020B0604020202020204" pitchFamily="34" charset="0"/>
+              <a:buChar char="•"/>
+              <a:defRPr sz="1800" kern="1200">
+                <a:solidFill>
+                  <a:schemeClr val="tx1"/>
+                </a:solidFill>
+                <a:latin typeface="+mn-lt"/>
+                <a:ea typeface="+mn-ea"/>
+                <a:cs typeface="+mn-cs"/>
+              </a:defRPr>
+            </a:lvl9pPr>
+          </a:lstStyle>
+          <a:p>
+            <a:r>
+              <a:rPr lang="en-US" sz="1800" dirty="0"/>
+              <a:t>Strengths </a:t>
+            </a:r>
+            <a:r>
+              <a:rPr lang="ja-JP" altLang="en-US" sz="1800" dirty="0">
+                <a:solidFill>
+                  <a:srgbClr val="1F497D"/>
+                </a:solidFill>
+                <a:latin typeface="DengXian" panose="02010600030101010101" pitchFamily="2" charset="-122"/>
+                <a:ea typeface="DengXian" panose="02010600030101010101" pitchFamily="2" charset="-122"/>
+              </a:rPr>
+              <a:t>强项</a:t>
+            </a:r>
+            <a:r>
+              <a:rPr lang="en-US" altLang="ja-JP" sz="1800" dirty="0"/>
+              <a:t>:</a:t>
+            </a:r>
+            <a:endParaRPr lang="en-US" sz="1800" dirty="0"/>
+          </a:p>
+          <a:p>
+            <a:pPr marL="342900" indent="-342900">
+              <a:buFont typeface="Arial" panose="020B0604020202020204" pitchFamily="34" charset="0"/>
+              <a:buChar char="•"/>
+            </a:pPr>
+            <a:r>
+              <a:rPr lang="en-US" sz="1800" b="0" dirty="0"/>
+              <a:t>None </a:t>
+            </a:r>
+            <a:br>
+              <a:rPr lang="en-US" sz="1800" b="0" dirty="0"/>
+            </a:br>
+            <a:r>
+              <a:rPr lang="ja-JP" altLang="en-US" sz="1800" b="0" dirty="0">
+                <a:solidFill>
+                  <a:srgbClr val="1F497D"/>
+                </a:solidFill>
+                <a:latin typeface="DengXian" panose="02010600030101010101" pitchFamily="2" charset="-122"/>
+                <a:ea typeface="DengXian" panose="02010600030101010101" pitchFamily="2" charset="-122"/>
+              </a:rPr>
+              <a:t>没有</a:t>
+            </a:r>
+            <a:endParaRPr lang="en-US" sz="1800" b="0" dirty="0">
+              <a:solidFill>
+                <a:srgbClr val="1F497D"/>
+              </a:solidFill>
+              <a:latin typeface="DengXian" panose="02010600030101010101" pitchFamily="2" charset="-122"/>
+              <a:ea typeface="DengXian" panose="02010600030101010101" pitchFamily="2" charset="-122"/>
+            </a:endParaRPr>
+          </a:p>
+          <a:p>
+            <a:endParaRPr lang="en-US" sz="1800" b="0" dirty="0"/>
+          </a:p>
+          <a:p>
+            <a:r>
+              <a:rPr lang="en-US" sz="1800" dirty="0"/>
+              <a:t>Weaknesses </a:t>
+            </a:r>
+            <a:r>
+              <a:rPr lang="zh-CN" altLang="en-US" sz="1800" dirty="0">
+                <a:solidFill>
+                  <a:srgbClr val="1F497D"/>
+                </a:solidFill>
+                <a:latin typeface="DengXian" panose="02010600030101010101" pitchFamily="2" charset="-122"/>
+                <a:ea typeface="DengXian" panose="02010600030101010101" pitchFamily="2" charset="-122"/>
+              </a:rPr>
+              <a:t>弱项</a:t>
+            </a:r>
+            <a:r>
+              <a:rPr lang="en-US" altLang="ja-JP" sz="1800" dirty="0"/>
+              <a:t>:</a:t>
+            </a:r>
+            <a:endParaRPr lang="en-US" sz="1800" dirty="0"/>
+          </a:p>
+          <a:p>
+            <a:pPr marL="342900" indent="-342900">
+              <a:buFont typeface="Arial" panose="020B0604020202020204" pitchFamily="34" charset="0"/>
+              <a:buChar char="•"/>
+            </a:pPr>
+            <a:r>
+              <a:rPr lang="en-US" sz="1800" b="0" dirty="0"/>
+              <a:t>None </a:t>
+            </a:r>
+            <a:br>
+              <a:rPr lang="en-US" sz="1800" b="0" dirty="0"/>
+            </a:br>
+            <a:r>
+              <a:rPr lang="ja-JP" altLang="en-US" sz="1800" b="0" dirty="0">
+                <a:solidFill>
+                  <a:srgbClr val="1F497D"/>
+                </a:solidFill>
+              </a:rPr>
+              <a:t>没有</a:t>
+            </a:r>
+            <a:endParaRPr lang="en-US" sz="1800" b="0" dirty="0">
+              <a:solidFill>
+                <a:srgbClr val="1F497D"/>
+              </a:solidFill>
+            </a:endParaRPr>
+          </a:p>
+        </p:txBody>
+      </p:sp>
+    </p:spTree>
+    <p:extLst>
+      <p:ext uri="{BB962C8B-B14F-4D97-AF65-F5344CB8AC3E}">
+        <p14:creationId xmlns:p14="http://schemas.microsoft.com/office/powerpoint/2010/main" val="1403241158"/>
+      </p:ext>
+    </p:extLst>
+  </p:cSld>
+  <p:clrMapOvr>
+    <a:masterClrMapping/>
+  </p:clrMapOvr>
+</p:sld>
+</file>
+
+<file path=ppt/slides/slide28.xml><?xml version="1.0" encoding="utf-8"?>
+<p:sld xmlns:a="http://schemas.openxmlformats.org/drawingml/2006/main" xmlns:r="http://schemas.openxmlformats.org/officeDocument/2006/relationships" xmlns:p="http://schemas.openxmlformats.org/presentationml/2006/main">
+  <p:cSld>
+    <p:spTree>
+      <p:nvGrpSpPr>
+        <p:cNvPr id="1" name=""/>
+        <p:cNvGrpSpPr/>
+        <p:nvPr/>
+      </p:nvGrpSpPr>
+      <p:grpSpPr>
+        <a:xfrm>
+          <a:off x="0" y="0"/>
+          <a:ext cx="0" cy="0"/>
+          <a:chOff x="0" y="0"/>
+          <a:chExt cx="0" cy="0"/>
+        </a:xfrm>
+      </p:grpSpPr>
+      <p:pic>
+        <p:nvPicPr>
+          <p:cNvPr id="10" name="Picture 9">
+            <a:extLst>
+              <a:ext uri="{FF2B5EF4-FFF2-40B4-BE49-F238E27FC236}">
+                <a16:creationId xmlns:a16="http://schemas.microsoft.com/office/drawing/2014/main" id="{1D917CA8-C953-3D41-BB4D-AE90DA4944BE}"/>
+              </a:ext>
+            </a:extLst>
+          </p:cNvPr>
+          <p:cNvPicPr>
+            <a:picLocks noChangeAspect="1"/>
+          </p:cNvPicPr>
+          <p:nvPr/>
+        </p:nvPicPr>
+        <p:blipFill>
+          <a:blip r:embed="rId2">
+            <a:extLst>
+              <a:ext uri="{28A0092B-C50C-407E-A947-70E740481C1C}">
+                <a14:useLocalDpi xmlns:a14="http://schemas.microsoft.com/office/drawing/2010/main" val="0"/>
+              </a:ext>
+            </a:extLst>
+          </a:blip>
+          <a:stretch>
+            <a:fillRect/>
+          </a:stretch>
+        </p:blipFill>
+        <p:spPr>
+          <a:xfrm>
+            <a:off x="310704" y="310896"/>
+            <a:ext cx="1352550" cy="1028700"/>
+          </a:xfrm>
+          <a:prstGeom prst="rect">
+            <a:avLst/>
+          </a:prstGeom>
+        </p:spPr>
+      </p:pic>
+      <p:sp>
+        <p:nvSpPr>
+          <p:cNvPr id="3" name="Title 2">
+            <a:extLst>
+              <a:ext uri="{FF2B5EF4-FFF2-40B4-BE49-F238E27FC236}">
+                <a16:creationId xmlns:a16="http://schemas.microsoft.com/office/drawing/2014/main" id="{729B6FBD-CD48-43B2-99F2-DBC6C3011C1E}"/>
+              </a:ext>
+            </a:extLst>
+          </p:cNvPr>
+          <p:cNvSpPr>
+            <a:spLocks noGrp="1"/>
+          </p:cNvSpPr>
+          <p:nvPr>
+            <p:ph type="title"/>
+          </p:nvPr>
+        </p:nvSpPr>
+        <p:spPr/>
+        <p:txBody>
+          <a:bodyPr>
+            <a:noAutofit/>
+          </a:bodyPr>
+          <a:lstStyle/>
+          <a:p>
+            <a:r>
+              <a:rPr lang="en-US" sz="2400" dirty="0"/>
+              <a:t>Managing Performance and Measurement (</a:t>
+            </a:r>
+            <a:r>
+              <a:rPr lang="en-US" sz="2400" dirty="0" err="1"/>
+              <a:t>MPM</a:t>
+            </a:r>
+            <a:r>
+              <a:rPr lang="en-US" sz="2400" dirty="0"/>
+              <a:t>) </a:t>
+            </a:r>
+            <a:r>
+              <a:rPr lang="zh-CN" altLang="en-US" sz="2400" dirty="0">
+                <a:solidFill>
+                  <a:srgbClr val="1F497D"/>
+                </a:solidFill>
+              </a:rPr>
+              <a:t>管理绩效与度量</a:t>
+            </a:r>
+            <a:endParaRPr lang="en-ZA" sz="2400" dirty="0">
+              <a:solidFill>
+                <a:srgbClr val="1F497D"/>
+              </a:solidFill>
+            </a:endParaRPr>
+          </a:p>
+        </p:txBody>
+      </p:sp>
+      <p:sp>
+        <p:nvSpPr>
+          <p:cNvPr id="12" name="Content Placeholder 7">
+            <a:extLst>
+              <a:ext uri="{FF2B5EF4-FFF2-40B4-BE49-F238E27FC236}">
+                <a16:creationId xmlns:a16="http://schemas.microsoft.com/office/drawing/2014/main" id="{1ED947F3-5626-4DC5-883B-9F149E032369}"/>
+              </a:ext>
+            </a:extLst>
+          </p:cNvPr>
+          <p:cNvSpPr txBox="1">
+            <a:spLocks/>
+          </p:cNvSpPr>
+          <p:nvPr/>
+        </p:nvSpPr>
+        <p:spPr>
+          <a:xfrm>
+            <a:off x="463296" y="1339596"/>
+            <a:ext cx="11265408" cy="1419398"/>
+          </a:xfrm>
+          <a:prstGeom prst="rect">
+            <a:avLst/>
+          </a:prstGeom>
+        </p:spPr>
+        <p:txBody>
+          <a:bodyPr vert="horz" lIns="91440" tIns="45720" rIns="91440" bIns="45720" rtlCol="0">
+            <a:normAutofit/>
+          </a:bodyPr>
+          <a:lstStyle>
+            <a:lvl1pPr marL="228600" indent="-228600" algn="l" defTabSz="914400" rtl="0" eaLnBrk="1" latinLnBrk="0" hangingPunct="1">
+              <a:lnSpc>
+                <a:spcPct val="90000"/>
+              </a:lnSpc>
+              <a:spcBef>
+                <a:spcPts val="1000"/>
+              </a:spcBef>
+              <a:buFont typeface="Arial" panose="020B0604020202020204" pitchFamily="34" charset="0"/>
+              <a:buChar char="•"/>
+              <a:defRPr sz="2800" kern="1200">
+                <a:solidFill>
+                  <a:schemeClr val="tx1"/>
+                </a:solidFill>
+                <a:latin typeface="+mn-lt"/>
+                <a:ea typeface="+mn-ea"/>
+                <a:cs typeface="+mn-cs"/>
+              </a:defRPr>
+            </a:lvl1pPr>
+            <a:lvl2pPr marL="685800" indent="-228600" algn="l" defTabSz="914400" rtl="0" eaLnBrk="1" latinLnBrk="0" hangingPunct="1">
+              <a:lnSpc>
+                <a:spcPct val="90000"/>
+              </a:lnSpc>
+              <a:spcBef>
+                <a:spcPts val="500"/>
+              </a:spcBef>
+              <a:buFont typeface="Arial" panose="020B0604020202020204" pitchFamily="34" charset="0"/>
+              <a:buChar char="•"/>
+              <a:defRPr sz="2400" kern="1200">
+                <a:solidFill>
+                  <a:schemeClr val="tx1"/>
+                </a:solidFill>
+                <a:latin typeface="+mn-lt"/>
+                <a:ea typeface="+mn-ea"/>
+                <a:cs typeface="+mn-cs"/>
+              </a:defRPr>
+            </a:lvl2pPr>
+            <a:lvl3pPr marL="1143000" indent="-228600" algn="l" defTabSz="914400" rtl="0" eaLnBrk="1" latinLnBrk="0" hangingPunct="1">
+              <a:lnSpc>
+                <a:spcPct val="90000"/>
+              </a:lnSpc>
+              <a:spcBef>
+                <a:spcPts val="500"/>
+              </a:spcBef>
+              <a:buFont typeface="Arial" panose="020B0604020202020204" pitchFamily="34" charset="0"/>
+              <a:buChar char="•"/>
+              <a:defRPr sz="2000" kern="1200">
+                <a:solidFill>
+                  <a:schemeClr val="tx1"/>
+                </a:solidFill>
+                <a:latin typeface="+mn-lt"/>
+                <a:ea typeface="+mn-ea"/>
+                <a:cs typeface="+mn-cs"/>
+              </a:defRPr>
+            </a:lvl3pPr>
+            <a:lvl4pPr marL="1600200" indent="-228600" algn="l" defTabSz="914400" rtl="0" eaLnBrk="1" latinLnBrk="0" hangingPunct="1">
+              <a:lnSpc>
+                <a:spcPct val="90000"/>
+              </a:lnSpc>
+              <a:spcBef>
+                <a:spcPts val="500"/>
+              </a:spcBef>
+              <a:buFont typeface="Arial" panose="020B0604020202020204" pitchFamily="34" charset="0"/>
+              <a:buChar char="•"/>
+              <a:defRPr sz="1800" kern="1200">
+                <a:solidFill>
+                  <a:schemeClr val="tx1"/>
+                </a:solidFill>
+                <a:latin typeface="+mn-lt"/>
+                <a:ea typeface="+mn-ea"/>
+                <a:cs typeface="+mn-cs"/>
+              </a:defRPr>
+            </a:lvl4pPr>
+            <a:lvl5pPr marL="2057400" indent="-228600" algn="l" defTabSz="914400" rtl="0" eaLnBrk="1" latinLnBrk="0" hangingPunct="1">
+              <a:lnSpc>
+                <a:spcPct val="90000"/>
+              </a:lnSpc>
+              <a:spcBef>
+                <a:spcPts val="500"/>
+              </a:spcBef>
+              <a:buFont typeface="Arial" panose="020B0604020202020204" pitchFamily="34" charset="0"/>
+              <a:buChar char="•"/>
+              <a:defRPr sz="1800" kern="1200">
+                <a:solidFill>
+                  <a:schemeClr val="tx1"/>
+                </a:solidFill>
+                <a:latin typeface="+mn-lt"/>
+                <a:ea typeface="+mn-ea"/>
+                <a:cs typeface="+mn-cs"/>
+              </a:defRPr>
+            </a:lvl5pPr>
+            <a:lvl6pPr marL="2514600" indent="-228600" algn="l" defTabSz="914400" rtl="0" eaLnBrk="1" latinLnBrk="0" hangingPunct="1">
+              <a:lnSpc>
+                <a:spcPct val="90000"/>
+              </a:lnSpc>
+              <a:spcBef>
+                <a:spcPts val="500"/>
+              </a:spcBef>
+              <a:buFont typeface="Arial" panose="020B0604020202020204" pitchFamily="34" charset="0"/>
+              <a:buChar char="•"/>
+              <a:defRPr sz="1800" kern="1200">
+                <a:solidFill>
+                  <a:schemeClr val="tx1"/>
+                </a:solidFill>
+                <a:latin typeface="+mn-lt"/>
+                <a:ea typeface="+mn-ea"/>
+                <a:cs typeface="+mn-cs"/>
+              </a:defRPr>
+            </a:lvl6pPr>
+            <a:lvl7pPr marL="2971800" indent="-228600" algn="l" defTabSz="914400" rtl="0" eaLnBrk="1" latinLnBrk="0" hangingPunct="1">
+              <a:lnSpc>
+                <a:spcPct val="90000"/>
+              </a:lnSpc>
+              <a:spcBef>
+                <a:spcPts val="500"/>
+              </a:spcBef>
+              <a:buFont typeface="Arial" panose="020B0604020202020204" pitchFamily="34" charset="0"/>
+              <a:buChar char="•"/>
+              <a:defRPr sz="1800" kern="1200">
+                <a:solidFill>
+                  <a:schemeClr val="tx1"/>
+                </a:solidFill>
+                <a:latin typeface="+mn-lt"/>
+                <a:ea typeface="+mn-ea"/>
+                <a:cs typeface="+mn-cs"/>
+              </a:defRPr>
+            </a:lvl7pPr>
+            <a:lvl8pPr marL="3429000" indent="-228600" algn="l" defTabSz="914400" rtl="0" eaLnBrk="1" latinLnBrk="0" hangingPunct="1">
+              <a:lnSpc>
+                <a:spcPct val="90000"/>
+              </a:lnSpc>
+              <a:spcBef>
+                <a:spcPts val="500"/>
+              </a:spcBef>
+              <a:buFont typeface="Arial" panose="020B0604020202020204" pitchFamily="34" charset="0"/>
+              <a:buChar char="•"/>
+              <a:defRPr sz="1800" kern="1200">
+                <a:solidFill>
+                  <a:schemeClr val="tx1"/>
+                </a:solidFill>
+                <a:latin typeface="+mn-lt"/>
+                <a:ea typeface="+mn-ea"/>
+                <a:cs typeface="+mn-cs"/>
+              </a:defRPr>
+            </a:lvl8pPr>
+            <a:lvl9pPr marL="3886200" indent="-228600" algn="l" defTabSz="914400" rtl="0" eaLnBrk="1" latinLnBrk="0" hangingPunct="1">
+              <a:lnSpc>
+                <a:spcPct val="90000"/>
+              </a:lnSpc>
+              <a:spcBef>
+                <a:spcPts val="500"/>
+              </a:spcBef>
+              <a:buFont typeface="Arial" panose="020B0604020202020204" pitchFamily="34" charset="0"/>
+              <a:buChar char="•"/>
+              <a:defRPr sz="1800" kern="1200">
+                <a:solidFill>
+                  <a:schemeClr val="tx1"/>
+                </a:solidFill>
+                <a:latin typeface="+mn-lt"/>
+                <a:ea typeface="+mn-ea"/>
+                <a:cs typeface="+mn-cs"/>
+              </a:defRPr>
+            </a:lvl9pPr>
+          </a:lstStyle>
+          <a:p>
+            <a:pPr marL="0" indent="0">
+              <a:buNone/>
+            </a:pPr>
+            <a:r>
+              <a:rPr lang="en-US" sz="1600" b="1" dirty="0"/>
+              <a:t>	Intent: </a:t>
+            </a:r>
+            <a:r>
+              <a:rPr lang="en-US" sz="1600" dirty="0"/>
+              <a:t>Manage performance using measurement and analysis to achieve business objectives.</a:t>
+            </a:r>
+            <a:br>
+              <a:rPr lang="en-US" sz="1600" dirty="0"/>
+            </a:br>
+            <a:r>
+              <a:rPr lang="en-US" sz="1600" dirty="0"/>
+              <a:t>	</a:t>
+            </a:r>
+            <a:r>
+              <a:rPr lang="zh-CN" altLang="en-US" sz="1600" dirty="0">
+                <a:solidFill>
+                  <a:srgbClr val="1F497D"/>
+                </a:solidFill>
+              </a:rPr>
+              <a:t>使用度量和分析来管理性能，以实现业务目标。 </a:t>
+            </a:r>
+            <a:endParaRPr lang="en-US" sz="1600" dirty="0">
+              <a:solidFill>
+                <a:srgbClr val="1F497D"/>
+              </a:solidFill>
+            </a:endParaRPr>
+          </a:p>
+          <a:p>
+            <a:pPr marL="0" indent="0">
+              <a:buNone/>
+            </a:pPr>
+            <a:r>
+              <a:rPr lang="en-US" sz="1600" b="1" dirty="0"/>
+              <a:t>	Value:</a:t>
+            </a:r>
+            <a:r>
+              <a:rPr lang="en-US" sz="1600" dirty="0"/>
+              <a:t> Maximizes business return on investment by focusing management and improvement efforts on cost, schedule, and 	quality performance.</a:t>
+            </a:r>
+            <a:br>
+              <a:rPr lang="en-US" sz="1600" dirty="0"/>
+            </a:br>
+            <a:r>
+              <a:rPr lang="en-US" sz="1600" dirty="0"/>
+              <a:t>	</a:t>
+            </a:r>
+            <a:r>
+              <a:rPr lang="zh-CN" altLang="en-US" sz="1600" dirty="0">
+                <a:solidFill>
+                  <a:srgbClr val="1F497D"/>
+                </a:solidFill>
+              </a:rPr>
+              <a:t>将管理和改进工作集中在成本、进度和质量性能上，最大限度地提高业务投资回报。</a:t>
+            </a:r>
+          </a:p>
           <a:p>
             <a:endParaRPr lang="en-US" sz="1800" dirty="0"/>
           </a:p>
@@ -13314,7 +13579,7 @@
 </p:sld>
 </file>
 
-<file path=ppt/slides/slide28.xml><?xml version="1.0" encoding="utf-8"?>
+<file path=ppt/slides/slide29.xml><?xml version="1.0" encoding="utf-8"?>
 <p:sld xmlns:a="http://schemas.openxmlformats.org/drawingml/2006/main" xmlns:r="http://schemas.openxmlformats.org/officeDocument/2006/relationships" xmlns:p="http://schemas.openxmlformats.org/presentationml/2006/main">
   <p:cSld>
     <p:spTree>
@@ -13803,504 +14068,6 @@
     <p:extLst>
       <p:ext uri="{BB962C8B-B14F-4D97-AF65-F5344CB8AC3E}">
         <p14:creationId xmlns:p14="http://schemas.microsoft.com/office/powerpoint/2010/main" val="2081767981"/>
-      </p:ext>
-    </p:extLst>
-  </p:cSld>
-  <p:clrMapOvr>
-    <a:masterClrMapping/>
-  </p:clrMapOvr>
-</p:sld>
-</file>
-
-<file path=ppt/slides/slide29.xml><?xml version="1.0" encoding="utf-8"?>
-<p:sld xmlns:a="http://schemas.openxmlformats.org/drawingml/2006/main" xmlns:r="http://schemas.openxmlformats.org/officeDocument/2006/relationships" xmlns:p="http://schemas.openxmlformats.org/presentationml/2006/main">
-  <p:cSld>
-    <p:spTree>
-      <p:nvGrpSpPr>
-        <p:cNvPr id="1" name=""/>
-        <p:cNvGrpSpPr/>
-        <p:nvPr/>
-      </p:nvGrpSpPr>
-      <p:grpSpPr>
-        <a:xfrm>
-          <a:off x="0" y="0"/>
-          <a:ext cx="0" cy="0"/>
-          <a:chOff x="0" y="0"/>
-          <a:chExt cx="0" cy="0"/>
-        </a:xfrm>
-      </p:grpSpPr>
-      <p:sp>
-        <p:nvSpPr>
-          <p:cNvPr id="4" name="Title 3">
-            <a:extLst>
-              <a:ext uri="{FF2B5EF4-FFF2-40B4-BE49-F238E27FC236}">
-                <a16:creationId xmlns:a16="http://schemas.microsoft.com/office/drawing/2014/main" id="{E6C4BC60-EF81-EB4C-A665-87F237A1A07B}"/>
-              </a:ext>
-            </a:extLst>
-          </p:cNvPr>
-          <p:cNvSpPr>
-            <a:spLocks noGrp="1"/>
-          </p:cNvSpPr>
-          <p:nvPr>
-            <p:ph type="title"/>
-          </p:nvPr>
-        </p:nvSpPr>
-        <p:spPr/>
-        <p:txBody>
-          <a:bodyPr>
-            <a:normAutofit/>
-          </a:bodyPr>
-          <a:lstStyle/>
-          <a:p>
-            <a:r>
-              <a:rPr lang="en-US" dirty="0"/>
-              <a:t>Organizational Training (OT) </a:t>
-            </a:r>
-            <a:r>
-              <a:rPr lang="ja-JP" altLang="en-US" dirty="0">
-                <a:solidFill>
-                  <a:srgbClr val="1F497D"/>
-                </a:solidFill>
-              </a:rPr>
-              <a:t>组织级培训</a:t>
-            </a:r>
-            <a:endParaRPr lang="en-US" dirty="0">
-              <a:solidFill>
-                <a:srgbClr val="1F497D"/>
-              </a:solidFill>
-            </a:endParaRPr>
-          </a:p>
-        </p:txBody>
-      </p:sp>
-      <p:sp>
-        <p:nvSpPr>
-          <p:cNvPr id="5" name="Content Placeholder 4">
-            <a:extLst>
-              <a:ext uri="{FF2B5EF4-FFF2-40B4-BE49-F238E27FC236}">
-                <a16:creationId xmlns:a16="http://schemas.microsoft.com/office/drawing/2014/main" id="{D45684F9-A7D1-9546-96B3-5A91CC5E5FE2}"/>
-              </a:ext>
-            </a:extLst>
-          </p:cNvPr>
-          <p:cNvSpPr>
-            <a:spLocks noGrp="1"/>
-          </p:cNvSpPr>
-          <p:nvPr>
-            <p:ph idx="4294967295"/>
-          </p:nvPr>
-        </p:nvSpPr>
-        <p:spPr>
-          <a:xfrm>
-            <a:off x="463296" y="1388240"/>
-            <a:ext cx="11265408" cy="1191670"/>
-          </a:xfrm>
-        </p:spPr>
-        <p:txBody>
-          <a:bodyPr>
-            <a:normAutofit/>
-          </a:bodyPr>
-          <a:lstStyle/>
-          <a:p>
-            <a:pPr marL="0" indent="0">
-              <a:buNone/>
-            </a:pPr>
-            <a:r>
-              <a:rPr lang="en-US" sz="1600" b="1" dirty="0"/>
-              <a:t>	Intent: </a:t>
-            </a:r>
-            <a:r>
-              <a:rPr lang="en-US" sz="1600" dirty="0"/>
-              <a:t>Develop the skills and knowledge of personnel so they perform their roles efficiently and effectively.</a:t>
-            </a:r>
-            <a:br>
-              <a:rPr lang="en-US" sz="1600" dirty="0"/>
-            </a:br>
-            <a:r>
-              <a:rPr lang="en-US" sz="1600" dirty="0"/>
-              <a:t>	</a:t>
-            </a:r>
-            <a:r>
-              <a:rPr lang="zh-CN" altLang="en-US" sz="1600" dirty="0">
-                <a:solidFill>
-                  <a:srgbClr val="1F497D"/>
-                </a:solidFill>
-              </a:rPr>
-              <a:t>培养人员的技能和知识，以便他们高效且有效地执行他们的角色。</a:t>
-            </a:r>
-            <a:endParaRPr lang="en-US" sz="1600" dirty="0">
-              <a:solidFill>
-                <a:srgbClr val="1F497D"/>
-              </a:solidFill>
-            </a:endParaRPr>
-          </a:p>
-          <a:p>
-            <a:pPr marL="0" indent="0">
-              <a:buNone/>
-            </a:pPr>
-            <a:r>
-              <a:rPr lang="en-US" sz="1600" b="1" dirty="0"/>
-              <a:t>	Value:</a:t>
-            </a:r>
-            <a:r>
-              <a:rPr lang="en-US" sz="1600" dirty="0"/>
-              <a:t> Enhances individuals’ skills and knowledge to improve organizational work performance.</a:t>
-            </a:r>
-            <a:br>
-              <a:rPr lang="en-US" sz="1600" dirty="0"/>
-            </a:br>
-            <a:r>
-              <a:rPr lang="en-US" sz="1600" dirty="0"/>
-              <a:t>	</a:t>
-            </a:r>
-            <a:r>
-              <a:rPr lang="zh-CN" altLang="en-US" sz="1600" dirty="0">
-                <a:solidFill>
-                  <a:srgbClr val="1F497D"/>
-                </a:solidFill>
-              </a:rPr>
-              <a:t>增强个人的技能和知识，提高组织工作性能。</a:t>
-            </a:r>
-            <a:endParaRPr lang="en-US" sz="1600" dirty="0">
-              <a:solidFill>
-                <a:srgbClr val="1F497D"/>
-              </a:solidFill>
-            </a:endParaRPr>
-          </a:p>
-        </p:txBody>
-      </p:sp>
-      <p:pic>
-        <p:nvPicPr>
-          <p:cNvPr id="7" name="Picture 6">
-            <a:extLst>
-              <a:ext uri="{FF2B5EF4-FFF2-40B4-BE49-F238E27FC236}">
-                <a16:creationId xmlns:a16="http://schemas.microsoft.com/office/drawing/2014/main" id="{794B23BD-7F77-0348-8E21-4C5522D31448}"/>
-              </a:ext>
-            </a:extLst>
-          </p:cNvPr>
-          <p:cNvPicPr>
-            <a:picLocks noChangeAspect="1"/>
-          </p:cNvPicPr>
-          <p:nvPr/>
-        </p:nvPicPr>
-        <p:blipFill>
-          <a:blip r:embed="rId2">
-            <a:extLst>
-              <a:ext uri="{28A0092B-C50C-407E-A947-70E740481C1C}">
-                <a14:useLocalDpi xmlns:a14="http://schemas.microsoft.com/office/drawing/2010/main" val="0"/>
-              </a:ext>
-            </a:extLst>
-          </a:blip>
-          <a:stretch>
-            <a:fillRect/>
-          </a:stretch>
-        </p:blipFill>
-        <p:spPr>
-          <a:xfrm>
-            <a:off x="418338" y="237744"/>
-            <a:ext cx="1200150" cy="1076325"/>
-          </a:xfrm>
-          <a:prstGeom prst="rect">
-            <a:avLst/>
-          </a:prstGeom>
-        </p:spPr>
-      </p:pic>
-      <p:sp>
-        <p:nvSpPr>
-          <p:cNvPr id="8" name="Content Placeholder 3">
-            <a:extLst>
-              <a:ext uri="{FF2B5EF4-FFF2-40B4-BE49-F238E27FC236}">
-                <a16:creationId xmlns:a16="http://schemas.microsoft.com/office/drawing/2014/main" id="{8A731301-3CCC-4F02-AC81-BE245599CC65}"/>
-              </a:ext>
-            </a:extLst>
-          </p:cNvPr>
-          <p:cNvSpPr txBox="1">
-            <a:spLocks/>
-          </p:cNvSpPr>
-          <p:nvPr/>
-        </p:nvSpPr>
-        <p:spPr>
-          <a:xfrm>
-            <a:off x="466344" y="3051602"/>
-            <a:ext cx="11265408" cy="3097485"/>
-          </a:xfrm>
-          <a:prstGeom prst="rect">
-            <a:avLst/>
-          </a:prstGeom>
-        </p:spPr>
-        <p:txBody>
-          <a:bodyPr vert="horz" lIns="91440" tIns="45720" rIns="91440" bIns="45720" rtlCol="0">
-            <a:noAutofit/>
-          </a:bodyPr>
-          <a:lstStyle>
-            <a:lvl1pPr marL="0" indent="0" algn="l" defTabSz="914400" rtl="0" eaLnBrk="1" latinLnBrk="0" hangingPunct="1">
-              <a:lnSpc>
-                <a:spcPct val="90000"/>
-              </a:lnSpc>
-              <a:spcBef>
-                <a:spcPts val="1000"/>
-              </a:spcBef>
-              <a:buFont typeface="Arial" panose="020B0604020202020204" pitchFamily="34" charset="0"/>
-              <a:buNone/>
-              <a:defRPr sz="2400" b="1" kern="1200">
-                <a:solidFill>
-                  <a:schemeClr val="tx1"/>
-                </a:solidFill>
-                <a:latin typeface="+mn-lt"/>
-                <a:ea typeface="+mn-ea"/>
-                <a:cs typeface="+mn-cs"/>
-              </a:defRPr>
-            </a:lvl1pPr>
-            <a:lvl2pPr marL="685800" indent="-228600" algn="l" defTabSz="914400" rtl="0" eaLnBrk="1" latinLnBrk="0" hangingPunct="1">
-              <a:lnSpc>
-                <a:spcPct val="90000"/>
-              </a:lnSpc>
-              <a:spcBef>
-                <a:spcPts val="500"/>
-              </a:spcBef>
-              <a:buFont typeface="Arial" panose="020B0604020202020204" pitchFamily="34" charset="0"/>
-              <a:buChar char="•"/>
-              <a:defRPr sz="2400" kern="1200">
-                <a:solidFill>
-                  <a:schemeClr val="tx1"/>
-                </a:solidFill>
-                <a:latin typeface="+mn-lt"/>
-                <a:ea typeface="+mn-ea"/>
-                <a:cs typeface="+mn-cs"/>
-              </a:defRPr>
-            </a:lvl2pPr>
-            <a:lvl3pPr marL="1143000" indent="-228600" algn="l" defTabSz="914400" rtl="0" eaLnBrk="1" latinLnBrk="0" hangingPunct="1">
-              <a:lnSpc>
-                <a:spcPct val="90000"/>
-              </a:lnSpc>
-              <a:spcBef>
-                <a:spcPts val="500"/>
-              </a:spcBef>
-              <a:buFont typeface="Arial" panose="020B0604020202020204" pitchFamily="34" charset="0"/>
-              <a:buChar char="•"/>
-              <a:defRPr sz="2000" kern="1200">
-                <a:solidFill>
-                  <a:schemeClr val="tx1"/>
-                </a:solidFill>
-                <a:latin typeface="+mn-lt"/>
-                <a:ea typeface="+mn-ea"/>
-                <a:cs typeface="+mn-cs"/>
-              </a:defRPr>
-            </a:lvl3pPr>
-            <a:lvl4pPr marL="1600200" indent="-228600" algn="l" defTabSz="914400" rtl="0" eaLnBrk="1" latinLnBrk="0" hangingPunct="1">
-              <a:lnSpc>
-                <a:spcPct val="90000"/>
-              </a:lnSpc>
-              <a:spcBef>
-                <a:spcPts val="500"/>
-              </a:spcBef>
-              <a:buFont typeface="Arial" panose="020B0604020202020204" pitchFamily="34" charset="0"/>
-              <a:buChar char="•"/>
-              <a:defRPr sz="1800" kern="1200">
-                <a:solidFill>
-                  <a:schemeClr val="tx1"/>
-                </a:solidFill>
-                <a:latin typeface="+mn-lt"/>
-                <a:ea typeface="+mn-ea"/>
-                <a:cs typeface="+mn-cs"/>
-              </a:defRPr>
-            </a:lvl4pPr>
-            <a:lvl5pPr marL="2057400" indent="-228600" algn="l" defTabSz="914400" rtl="0" eaLnBrk="1" latinLnBrk="0" hangingPunct="1">
-              <a:lnSpc>
-                <a:spcPct val="90000"/>
-              </a:lnSpc>
-              <a:spcBef>
-                <a:spcPts val="500"/>
-              </a:spcBef>
-              <a:buFont typeface="Arial" panose="020B0604020202020204" pitchFamily="34" charset="0"/>
-              <a:buChar char="•"/>
-              <a:defRPr sz="1800" kern="1200">
-                <a:solidFill>
-                  <a:schemeClr val="tx1"/>
-                </a:solidFill>
-                <a:latin typeface="+mn-lt"/>
-                <a:ea typeface="+mn-ea"/>
-                <a:cs typeface="+mn-cs"/>
-              </a:defRPr>
-            </a:lvl5pPr>
-            <a:lvl6pPr marL="2514600" indent="-228600" algn="l" defTabSz="914400" rtl="0" eaLnBrk="1" latinLnBrk="0" hangingPunct="1">
-              <a:lnSpc>
-                <a:spcPct val="90000"/>
-              </a:lnSpc>
-              <a:spcBef>
-                <a:spcPts val="500"/>
-              </a:spcBef>
-              <a:buFont typeface="Arial" panose="020B0604020202020204" pitchFamily="34" charset="0"/>
-              <a:buChar char="•"/>
-              <a:defRPr sz="1800" kern="1200">
-                <a:solidFill>
-                  <a:schemeClr val="tx1"/>
-                </a:solidFill>
-                <a:latin typeface="+mn-lt"/>
-                <a:ea typeface="+mn-ea"/>
-                <a:cs typeface="+mn-cs"/>
-              </a:defRPr>
-            </a:lvl6pPr>
-            <a:lvl7pPr marL="2971800" indent="-228600" algn="l" defTabSz="914400" rtl="0" eaLnBrk="1" latinLnBrk="0" hangingPunct="1">
-              <a:lnSpc>
-                <a:spcPct val="90000"/>
-              </a:lnSpc>
-              <a:spcBef>
-                <a:spcPts val="500"/>
-              </a:spcBef>
-              <a:buFont typeface="Arial" panose="020B0604020202020204" pitchFamily="34" charset="0"/>
-              <a:buChar char="•"/>
-              <a:defRPr sz="1800" kern="1200">
-                <a:solidFill>
-                  <a:schemeClr val="tx1"/>
-                </a:solidFill>
-                <a:latin typeface="+mn-lt"/>
-                <a:ea typeface="+mn-ea"/>
-                <a:cs typeface="+mn-cs"/>
-              </a:defRPr>
-            </a:lvl7pPr>
-            <a:lvl8pPr marL="3429000" indent="-228600" algn="l" defTabSz="914400" rtl="0" eaLnBrk="1" latinLnBrk="0" hangingPunct="1">
-              <a:lnSpc>
-                <a:spcPct val="90000"/>
-              </a:lnSpc>
-              <a:spcBef>
-                <a:spcPts val="500"/>
-              </a:spcBef>
-              <a:buFont typeface="Arial" panose="020B0604020202020204" pitchFamily="34" charset="0"/>
-              <a:buChar char="•"/>
-              <a:defRPr sz="1800" kern="1200">
-                <a:solidFill>
-                  <a:schemeClr val="tx1"/>
-                </a:solidFill>
-                <a:latin typeface="+mn-lt"/>
-                <a:ea typeface="+mn-ea"/>
-                <a:cs typeface="+mn-cs"/>
-              </a:defRPr>
-            </a:lvl8pPr>
-            <a:lvl9pPr marL="3886200" indent="-228600" algn="l" defTabSz="914400" rtl="0" eaLnBrk="1" latinLnBrk="0" hangingPunct="1">
-              <a:lnSpc>
-                <a:spcPct val="90000"/>
-              </a:lnSpc>
-              <a:spcBef>
-                <a:spcPts val="500"/>
-              </a:spcBef>
-              <a:buFont typeface="Arial" panose="020B0604020202020204" pitchFamily="34" charset="0"/>
-              <a:buChar char="•"/>
-              <a:defRPr sz="1800" kern="1200">
-                <a:solidFill>
-                  <a:schemeClr val="tx1"/>
-                </a:solidFill>
-                <a:latin typeface="+mn-lt"/>
-                <a:ea typeface="+mn-ea"/>
-                <a:cs typeface="+mn-cs"/>
-              </a:defRPr>
-            </a:lvl9pPr>
-          </a:lstStyle>
-          <a:p>
-            <a:r>
-              <a:rPr lang="en-US" sz="1800" dirty="0"/>
-              <a:t>Strengths </a:t>
-            </a:r>
-            <a:r>
-              <a:rPr lang="ja-JP" altLang="en-US" sz="1800" dirty="0">
-                <a:solidFill>
-                  <a:srgbClr val="1F497D"/>
-                </a:solidFill>
-                <a:latin typeface="DengXian" panose="02010600030101010101" pitchFamily="2" charset="-122"/>
-                <a:ea typeface="DengXian" panose="02010600030101010101" pitchFamily="2" charset="-122"/>
-              </a:rPr>
-              <a:t>强项</a:t>
-            </a:r>
-            <a:r>
-              <a:rPr lang="en-US" altLang="ja-JP" sz="1800" dirty="0"/>
-              <a:t>:</a:t>
-            </a:r>
-            <a:endParaRPr lang="en-US" sz="1800" dirty="0"/>
-          </a:p>
-          <a:p>
-            <a:pPr marL="342900" indent="-342900">
-              <a:buFont typeface="Arial" panose="020B0604020202020204" pitchFamily="34" charset="0"/>
-              <a:buChar char="•"/>
-            </a:pPr>
-            <a:r>
-              <a:rPr lang="en-US" sz="1800" b="0" dirty="0"/>
-              <a:t>None </a:t>
-            </a:r>
-            <a:br>
-              <a:rPr lang="en-US" sz="1800" b="0" dirty="0"/>
-            </a:br>
-            <a:r>
-              <a:rPr lang="ja-JP" altLang="en-US" sz="1800" b="0" dirty="0">
-                <a:solidFill>
-                  <a:srgbClr val="1F497D"/>
-                </a:solidFill>
-                <a:latin typeface="DengXian" panose="02010600030101010101" pitchFamily="2" charset="-122"/>
-                <a:ea typeface="DengXian" panose="02010600030101010101" pitchFamily="2" charset="-122"/>
-              </a:rPr>
-              <a:t>没有</a:t>
-            </a:r>
-            <a:endParaRPr lang="en-US" sz="1800" b="0" dirty="0">
-              <a:solidFill>
-                <a:srgbClr val="1F497D"/>
-              </a:solidFill>
-              <a:latin typeface="DengXian" panose="02010600030101010101" pitchFamily="2" charset="-122"/>
-              <a:ea typeface="DengXian" panose="02010600030101010101" pitchFamily="2" charset="-122"/>
-            </a:endParaRPr>
-          </a:p>
-          <a:p>
-            <a:endParaRPr lang="en-US" sz="1800" b="0" dirty="0"/>
-          </a:p>
-          <a:p>
-            <a:r>
-              <a:rPr lang="en-US" sz="1800" dirty="0"/>
-              <a:t>Weaknesses </a:t>
-            </a:r>
-            <a:r>
-              <a:rPr lang="zh-CN" altLang="en-US" sz="1800" dirty="0">
-                <a:solidFill>
-                  <a:srgbClr val="1F497D"/>
-                </a:solidFill>
-                <a:latin typeface="DengXian" panose="02010600030101010101" pitchFamily="2" charset="-122"/>
-                <a:ea typeface="DengXian" panose="02010600030101010101" pitchFamily="2" charset="-122"/>
-              </a:rPr>
-              <a:t>弱项</a:t>
-            </a:r>
-            <a:r>
-              <a:rPr lang="en-US" altLang="ja-JP" sz="1800" dirty="0"/>
-              <a:t>:</a:t>
-            </a:r>
-            <a:endParaRPr lang="en-US" sz="1800" dirty="0"/>
-          </a:p>
-          <a:p>
-            <a:pPr marL="342900" indent="-342900">
-              <a:buFont typeface="Arial" panose="020B0604020202020204" pitchFamily="34" charset="0"/>
-              <a:buChar char="•"/>
-            </a:pPr>
-            <a:r>
-              <a:rPr lang="en-US" sz="1800" b="0" dirty="0"/>
-              <a:t>None </a:t>
-            </a:r>
-            <a:br>
-              <a:rPr lang="en-US" sz="1800" b="0" dirty="0"/>
-            </a:br>
-            <a:r>
-              <a:rPr lang="ja-JP" altLang="en-US" sz="1800" b="0" dirty="0">
-                <a:solidFill>
-                  <a:srgbClr val="1F497D"/>
-                </a:solidFill>
-              </a:rPr>
-              <a:t>没有</a:t>
-            </a:r>
-            <a:endParaRPr lang="en-US" sz="1800" b="0" dirty="0">
-              <a:solidFill>
-                <a:srgbClr val="1F497D"/>
-              </a:solidFill>
-            </a:endParaRPr>
-          </a:p>
-        </p:txBody>
-      </p:sp>
-    </p:spTree>
-    <p:extLst>
-      <p:ext uri="{BB962C8B-B14F-4D97-AF65-F5344CB8AC3E}">
-        <p14:creationId xmlns:p14="http://schemas.microsoft.com/office/powerpoint/2010/main" val="2484173332"/>
       </p:ext>
     </p:extLst>
   </p:cSld>
@@ -15575,6 +15342,504 @@
           <p:cNvPr id="4" name="Title 3">
             <a:extLst>
               <a:ext uri="{FF2B5EF4-FFF2-40B4-BE49-F238E27FC236}">
+                <a16:creationId xmlns:a16="http://schemas.microsoft.com/office/drawing/2014/main" id="{E6C4BC60-EF81-EB4C-A665-87F237A1A07B}"/>
+              </a:ext>
+            </a:extLst>
+          </p:cNvPr>
+          <p:cNvSpPr>
+            <a:spLocks noGrp="1"/>
+          </p:cNvSpPr>
+          <p:nvPr>
+            <p:ph type="title"/>
+          </p:nvPr>
+        </p:nvSpPr>
+        <p:spPr/>
+        <p:txBody>
+          <a:bodyPr>
+            <a:normAutofit/>
+          </a:bodyPr>
+          <a:lstStyle/>
+          <a:p>
+            <a:r>
+              <a:rPr lang="en-US" dirty="0"/>
+              <a:t>Organizational Training (OT) </a:t>
+            </a:r>
+            <a:r>
+              <a:rPr lang="ja-JP" altLang="en-US" dirty="0">
+                <a:solidFill>
+                  <a:srgbClr val="1F497D"/>
+                </a:solidFill>
+              </a:rPr>
+              <a:t>组织级培训</a:t>
+            </a:r>
+            <a:endParaRPr lang="en-US" dirty="0">
+              <a:solidFill>
+                <a:srgbClr val="1F497D"/>
+              </a:solidFill>
+            </a:endParaRPr>
+          </a:p>
+        </p:txBody>
+      </p:sp>
+      <p:sp>
+        <p:nvSpPr>
+          <p:cNvPr id="5" name="Content Placeholder 4">
+            <a:extLst>
+              <a:ext uri="{FF2B5EF4-FFF2-40B4-BE49-F238E27FC236}">
+                <a16:creationId xmlns:a16="http://schemas.microsoft.com/office/drawing/2014/main" id="{D45684F9-A7D1-9546-96B3-5A91CC5E5FE2}"/>
+              </a:ext>
+            </a:extLst>
+          </p:cNvPr>
+          <p:cNvSpPr>
+            <a:spLocks noGrp="1"/>
+          </p:cNvSpPr>
+          <p:nvPr>
+            <p:ph idx="4294967295"/>
+          </p:nvPr>
+        </p:nvSpPr>
+        <p:spPr>
+          <a:xfrm>
+            <a:off x="463296" y="1388240"/>
+            <a:ext cx="11265408" cy="1191670"/>
+          </a:xfrm>
+        </p:spPr>
+        <p:txBody>
+          <a:bodyPr>
+            <a:normAutofit/>
+          </a:bodyPr>
+          <a:lstStyle/>
+          <a:p>
+            <a:pPr marL="0" indent="0">
+              <a:buNone/>
+            </a:pPr>
+            <a:r>
+              <a:rPr lang="en-US" sz="1600" b="1" dirty="0"/>
+              <a:t>	Intent: </a:t>
+            </a:r>
+            <a:r>
+              <a:rPr lang="en-US" sz="1600" dirty="0"/>
+              <a:t>Develop the skills and knowledge of personnel so they perform their roles efficiently and effectively.</a:t>
+            </a:r>
+            <a:br>
+              <a:rPr lang="en-US" sz="1600" dirty="0"/>
+            </a:br>
+            <a:r>
+              <a:rPr lang="en-US" sz="1600" dirty="0"/>
+              <a:t>	</a:t>
+            </a:r>
+            <a:r>
+              <a:rPr lang="zh-CN" altLang="en-US" sz="1600" dirty="0">
+                <a:solidFill>
+                  <a:srgbClr val="1F497D"/>
+                </a:solidFill>
+              </a:rPr>
+              <a:t>培养人员的技能和知识，以便他们高效且有效地执行他们的角色。</a:t>
+            </a:r>
+            <a:endParaRPr lang="en-US" sz="1600" dirty="0">
+              <a:solidFill>
+                <a:srgbClr val="1F497D"/>
+              </a:solidFill>
+            </a:endParaRPr>
+          </a:p>
+          <a:p>
+            <a:pPr marL="0" indent="0">
+              <a:buNone/>
+            </a:pPr>
+            <a:r>
+              <a:rPr lang="en-US" sz="1600" b="1" dirty="0"/>
+              <a:t>	Value:</a:t>
+            </a:r>
+            <a:r>
+              <a:rPr lang="en-US" sz="1600" dirty="0"/>
+              <a:t> Enhances individuals’ skills and knowledge to improve organizational work performance.</a:t>
+            </a:r>
+            <a:br>
+              <a:rPr lang="en-US" sz="1600" dirty="0"/>
+            </a:br>
+            <a:r>
+              <a:rPr lang="en-US" sz="1600" dirty="0"/>
+              <a:t>	</a:t>
+            </a:r>
+            <a:r>
+              <a:rPr lang="zh-CN" altLang="en-US" sz="1600" dirty="0">
+                <a:solidFill>
+                  <a:srgbClr val="1F497D"/>
+                </a:solidFill>
+              </a:rPr>
+              <a:t>增强个人的技能和知识，提高组织工作性能。</a:t>
+            </a:r>
+            <a:endParaRPr lang="en-US" sz="1600" dirty="0">
+              <a:solidFill>
+                <a:srgbClr val="1F497D"/>
+              </a:solidFill>
+            </a:endParaRPr>
+          </a:p>
+        </p:txBody>
+      </p:sp>
+      <p:pic>
+        <p:nvPicPr>
+          <p:cNvPr id="7" name="Picture 6">
+            <a:extLst>
+              <a:ext uri="{FF2B5EF4-FFF2-40B4-BE49-F238E27FC236}">
+                <a16:creationId xmlns:a16="http://schemas.microsoft.com/office/drawing/2014/main" id="{794B23BD-7F77-0348-8E21-4C5522D31448}"/>
+              </a:ext>
+            </a:extLst>
+          </p:cNvPr>
+          <p:cNvPicPr>
+            <a:picLocks noChangeAspect="1"/>
+          </p:cNvPicPr>
+          <p:nvPr/>
+        </p:nvPicPr>
+        <p:blipFill>
+          <a:blip r:embed="rId2">
+            <a:extLst>
+              <a:ext uri="{28A0092B-C50C-407E-A947-70E740481C1C}">
+                <a14:useLocalDpi xmlns:a14="http://schemas.microsoft.com/office/drawing/2010/main" val="0"/>
+              </a:ext>
+            </a:extLst>
+          </a:blip>
+          <a:stretch>
+            <a:fillRect/>
+          </a:stretch>
+        </p:blipFill>
+        <p:spPr>
+          <a:xfrm>
+            <a:off x="418338" y="237744"/>
+            <a:ext cx="1200150" cy="1076325"/>
+          </a:xfrm>
+          <a:prstGeom prst="rect">
+            <a:avLst/>
+          </a:prstGeom>
+        </p:spPr>
+      </p:pic>
+      <p:sp>
+        <p:nvSpPr>
+          <p:cNvPr id="8" name="Content Placeholder 3">
+            <a:extLst>
+              <a:ext uri="{FF2B5EF4-FFF2-40B4-BE49-F238E27FC236}">
+                <a16:creationId xmlns:a16="http://schemas.microsoft.com/office/drawing/2014/main" id="{8A731301-3CCC-4F02-AC81-BE245599CC65}"/>
+              </a:ext>
+            </a:extLst>
+          </p:cNvPr>
+          <p:cNvSpPr txBox="1">
+            <a:spLocks/>
+          </p:cNvSpPr>
+          <p:nvPr/>
+        </p:nvSpPr>
+        <p:spPr>
+          <a:xfrm>
+            <a:off x="466344" y="3051602"/>
+            <a:ext cx="11265408" cy="3097485"/>
+          </a:xfrm>
+          <a:prstGeom prst="rect">
+            <a:avLst/>
+          </a:prstGeom>
+        </p:spPr>
+        <p:txBody>
+          <a:bodyPr vert="horz" lIns="91440" tIns="45720" rIns="91440" bIns="45720" rtlCol="0">
+            <a:noAutofit/>
+          </a:bodyPr>
+          <a:lstStyle>
+            <a:lvl1pPr marL="0" indent="0" algn="l" defTabSz="914400" rtl="0" eaLnBrk="1" latinLnBrk="0" hangingPunct="1">
+              <a:lnSpc>
+                <a:spcPct val="90000"/>
+              </a:lnSpc>
+              <a:spcBef>
+                <a:spcPts val="1000"/>
+              </a:spcBef>
+              <a:buFont typeface="Arial" panose="020B0604020202020204" pitchFamily="34" charset="0"/>
+              <a:buNone/>
+              <a:defRPr sz="2400" b="1" kern="1200">
+                <a:solidFill>
+                  <a:schemeClr val="tx1"/>
+                </a:solidFill>
+                <a:latin typeface="+mn-lt"/>
+                <a:ea typeface="+mn-ea"/>
+                <a:cs typeface="+mn-cs"/>
+              </a:defRPr>
+            </a:lvl1pPr>
+            <a:lvl2pPr marL="685800" indent="-228600" algn="l" defTabSz="914400" rtl="0" eaLnBrk="1" latinLnBrk="0" hangingPunct="1">
+              <a:lnSpc>
+                <a:spcPct val="90000"/>
+              </a:lnSpc>
+              <a:spcBef>
+                <a:spcPts val="500"/>
+              </a:spcBef>
+              <a:buFont typeface="Arial" panose="020B0604020202020204" pitchFamily="34" charset="0"/>
+              <a:buChar char="•"/>
+              <a:defRPr sz="2400" kern="1200">
+                <a:solidFill>
+                  <a:schemeClr val="tx1"/>
+                </a:solidFill>
+                <a:latin typeface="+mn-lt"/>
+                <a:ea typeface="+mn-ea"/>
+                <a:cs typeface="+mn-cs"/>
+              </a:defRPr>
+            </a:lvl2pPr>
+            <a:lvl3pPr marL="1143000" indent="-228600" algn="l" defTabSz="914400" rtl="0" eaLnBrk="1" latinLnBrk="0" hangingPunct="1">
+              <a:lnSpc>
+                <a:spcPct val="90000"/>
+              </a:lnSpc>
+              <a:spcBef>
+                <a:spcPts val="500"/>
+              </a:spcBef>
+              <a:buFont typeface="Arial" panose="020B0604020202020204" pitchFamily="34" charset="0"/>
+              <a:buChar char="•"/>
+              <a:defRPr sz="2000" kern="1200">
+                <a:solidFill>
+                  <a:schemeClr val="tx1"/>
+                </a:solidFill>
+                <a:latin typeface="+mn-lt"/>
+                <a:ea typeface="+mn-ea"/>
+                <a:cs typeface="+mn-cs"/>
+              </a:defRPr>
+            </a:lvl3pPr>
+            <a:lvl4pPr marL="1600200" indent="-228600" algn="l" defTabSz="914400" rtl="0" eaLnBrk="1" latinLnBrk="0" hangingPunct="1">
+              <a:lnSpc>
+                <a:spcPct val="90000"/>
+              </a:lnSpc>
+              <a:spcBef>
+                <a:spcPts val="500"/>
+              </a:spcBef>
+              <a:buFont typeface="Arial" panose="020B0604020202020204" pitchFamily="34" charset="0"/>
+              <a:buChar char="•"/>
+              <a:defRPr sz="1800" kern="1200">
+                <a:solidFill>
+                  <a:schemeClr val="tx1"/>
+                </a:solidFill>
+                <a:latin typeface="+mn-lt"/>
+                <a:ea typeface="+mn-ea"/>
+                <a:cs typeface="+mn-cs"/>
+              </a:defRPr>
+            </a:lvl4pPr>
+            <a:lvl5pPr marL="2057400" indent="-228600" algn="l" defTabSz="914400" rtl="0" eaLnBrk="1" latinLnBrk="0" hangingPunct="1">
+              <a:lnSpc>
+                <a:spcPct val="90000"/>
+              </a:lnSpc>
+              <a:spcBef>
+                <a:spcPts val="500"/>
+              </a:spcBef>
+              <a:buFont typeface="Arial" panose="020B0604020202020204" pitchFamily="34" charset="0"/>
+              <a:buChar char="•"/>
+              <a:defRPr sz="1800" kern="1200">
+                <a:solidFill>
+                  <a:schemeClr val="tx1"/>
+                </a:solidFill>
+                <a:latin typeface="+mn-lt"/>
+                <a:ea typeface="+mn-ea"/>
+                <a:cs typeface="+mn-cs"/>
+              </a:defRPr>
+            </a:lvl5pPr>
+            <a:lvl6pPr marL="2514600" indent="-228600" algn="l" defTabSz="914400" rtl="0" eaLnBrk="1" latinLnBrk="0" hangingPunct="1">
+              <a:lnSpc>
+                <a:spcPct val="90000"/>
+              </a:lnSpc>
+              <a:spcBef>
+                <a:spcPts val="500"/>
+              </a:spcBef>
+              <a:buFont typeface="Arial" panose="020B0604020202020204" pitchFamily="34" charset="0"/>
+              <a:buChar char="•"/>
+              <a:defRPr sz="1800" kern="1200">
+                <a:solidFill>
+                  <a:schemeClr val="tx1"/>
+                </a:solidFill>
+                <a:latin typeface="+mn-lt"/>
+                <a:ea typeface="+mn-ea"/>
+                <a:cs typeface="+mn-cs"/>
+              </a:defRPr>
+            </a:lvl6pPr>
+            <a:lvl7pPr marL="2971800" indent="-228600" algn="l" defTabSz="914400" rtl="0" eaLnBrk="1" latinLnBrk="0" hangingPunct="1">
+              <a:lnSpc>
+                <a:spcPct val="90000"/>
+              </a:lnSpc>
+              <a:spcBef>
+                <a:spcPts val="500"/>
+              </a:spcBef>
+              <a:buFont typeface="Arial" panose="020B0604020202020204" pitchFamily="34" charset="0"/>
+              <a:buChar char="•"/>
+              <a:defRPr sz="1800" kern="1200">
+                <a:solidFill>
+                  <a:schemeClr val="tx1"/>
+                </a:solidFill>
+                <a:latin typeface="+mn-lt"/>
+                <a:ea typeface="+mn-ea"/>
+                <a:cs typeface="+mn-cs"/>
+              </a:defRPr>
+            </a:lvl7pPr>
+            <a:lvl8pPr marL="3429000" indent="-228600" algn="l" defTabSz="914400" rtl="0" eaLnBrk="1" latinLnBrk="0" hangingPunct="1">
+              <a:lnSpc>
+                <a:spcPct val="90000"/>
+              </a:lnSpc>
+              <a:spcBef>
+                <a:spcPts val="500"/>
+              </a:spcBef>
+              <a:buFont typeface="Arial" panose="020B0604020202020204" pitchFamily="34" charset="0"/>
+              <a:buChar char="•"/>
+              <a:defRPr sz="1800" kern="1200">
+                <a:solidFill>
+                  <a:schemeClr val="tx1"/>
+                </a:solidFill>
+                <a:latin typeface="+mn-lt"/>
+                <a:ea typeface="+mn-ea"/>
+                <a:cs typeface="+mn-cs"/>
+              </a:defRPr>
+            </a:lvl8pPr>
+            <a:lvl9pPr marL="3886200" indent="-228600" algn="l" defTabSz="914400" rtl="0" eaLnBrk="1" latinLnBrk="0" hangingPunct="1">
+              <a:lnSpc>
+                <a:spcPct val="90000"/>
+              </a:lnSpc>
+              <a:spcBef>
+                <a:spcPts val="500"/>
+              </a:spcBef>
+              <a:buFont typeface="Arial" panose="020B0604020202020204" pitchFamily="34" charset="0"/>
+              <a:buChar char="•"/>
+              <a:defRPr sz="1800" kern="1200">
+                <a:solidFill>
+                  <a:schemeClr val="tx1"/>
+                </a:solidFill>
+                <a:latin typeface="+mn-lt"/>
+                <a:ea typeface="+mn-ea"/>
+                <a:cs typeface="+mn-cs"/>
+              </a:defRPr>
+            </a:lvl9pPr>
+          </a:lstStyle>
+          <a:p>
+            <a:r>
+              <a:rPr lang="en-US" sz="1800" dirty="0"/>
+              <a:t>Strengths </a:t>
+            </a:r>
+            <a:r>
+              <a:rPr lang="ja-JP" altLang="en-US" sz="1800" dirty="0">
+                <a:solidFill>
+                  <a:srgbClr val="1F497D"/>
+                </a:solidFill>
+                <a:latin typeface="DengXian" panose="02010600030101010101" pitchFamily="2" charset="-122"/>
+                <a:ea typeface="DengXian" panose="02010600030101010101" pitchFamily="2" charset="-122"/>
+              </a:rPr>
+              <a:t>强项</a:t>
+            </a:r>
+            <a:r>
+              <a:rPr lang="en-US" altLang="ja-JP" sz="1800" dirty="0"/>
+              <a:t>:</a:t>
+            </a:r>
+            <a:endParaRPr lang="en-US" sz="1800" dirty="0"/>
+          </a:p>
+          <a:p>
+            <a:pPr marL="342900" indent="-342900">
+              <a:buFont typeface="Arial" panose="020B0604020202020204" pitchFamily="34" charset="0"/>
+              <a:buChar char="•"/>
+            </a:pPr>
+            <a:r>
+              <a:rPr lang="en-US" sz="1800" b="0" dirty="0"/>
+              <a:t>None </a:t>
+            </a:r>
+            <a:br>
+              <a:rPr lang="en-US" sz="1800" b="0" dirty="0"/>
+            </a:br>
+            <a:r>
+              <a:rPr lang="ja-JP" altLang="en-US" sz="1800" b="0" dirty="0">
+                <a:solidFill>
+                  <a:srgbClr val="1F497D"/>
+                </a:solidFill>
+                <a:latin typeface="DengXian" panose="02010600030101010101" pitchFamily="2" charset="-122"/>
+                <a:ea typeface="DengXian" panose="02010600030101010101" pitchFamily="2" charset="-122"/>
+              </a:rPr>
+              <a:t>没有</a:t>
+            </a:r>
+            <a:endParaRPr lang="en-US" sz="1800" b="0" dirty="0">
+              <a:solidFill>
+                <a:srgbClr val="1F497D"/>
+              </a:solidFill>
+              <a:latin typeface="DengXian" panose="02010600030101010101" pitchFamily="2" charset="-122"/>
+              <a:ea typeface="DengXian" panose="02010600030101010101" pitchFamily="2" charset="-122"/>
+            </a:endParaRPr>
+          </a:p>
+          <a:p>
+            <a:endParaRPr lang="en-US" sz="1800" b="0" dirty="0"/>
+          </a:p>
+          <a:p>
+            <a:r>
+              <a:rPr lang="en-US" sz="1800" dirty="0"/>
+              <a:t>Weaknesses </a:t>
+            </a:r>
+            <a:r>
+              <a:rPr lang="zh-CN" altLang="en-US" sz="1800" dirty="0">
+                <a:solidFill>
+                  <a:srgbClr val="1F497D"/>
+                </a:solidFill>
+                <a:latin typeface="DengXian" panose="02010600030101010101" pitchFamily="2" charset="-122"/>
+                <a:ea typeface="DengXian" panose="02010600030101010101" pitchFamily="2" charset="-122"/>
+              </a:rPr>
+              <a:t>弱项</a:t>
+            </a:r>
+            <a:r>
+              <a:rPr lang="en-US" altLang="ja-JP" sz="1800" dirty="0"/>
+              <a:t>:</a:t>
+            </a:r>
+            <a:endParaRPr lang="en-US" sz="1800" dirty="0"/>
+          </a:p>
+          <a:p>
+            <a:pPr marL="342900" indent="-342900">
+              <a:buFont typeface="Arial" panose="020B0604020202020204" pitchFamily="34" charset="0"/>
+              <a:buChar char="•"/>
+            </a:pPr>
+            <a:r>
+              <a:rPr lang="en-US" sz="1800" b="0" dirty="0"/>
+              <a:t>None </a:t>
+            </a:r>
+            <a:br>
+              <a:rPr lang="en-US" sz="1800" b="0" dirty="0"/>
+            </a:br>
+            <a:r>
+              <a:rPr lang="ja-JP" altLang="en-US" sz="1800" b="0" dirty="0">
+                <a:solidFill>
+                  <a:srgbClr val="1F497D"/>
+                </a:solidFill>
+              </a:rPr>
+              <a:t>没有</a:t>
+            </a:r>
+            <a:endParaRPr lang="en-US" sz="1800" b="0" dirty="0">
+              <a:solidFill>
+                <a:srgbClr val="1F497D"/>
+              </a:solidFill>
+            </a:endParaRPr>
+          </a:p>
+        </p:txBody>
+      </p:sp>
+    </p:spTree>
+    <p:extLst>
+      <p:ext uri="{BB962C8B-B14F-4D97-AF65-F5344CB8AC3E}">
+        <p14:creationId xmlns:p14="http://schemas.microsoft.com/office/powerpoint/2010/main" val="2484173332"/>
+      </p:ext>
+    </p:extLst>
+  </p:cSld>
+  <p:clrMapOvr>
+    <a:masterClrMapping/>
+  </p:clrMapOvr>
+</p:sld>
+</file>
+
+<file path=ppt/slides/slide31.xml><?xml version="1.0" encoding="utf-8"?>
+<p:sld xmlns:a="http://schemas.openxmlformats.org/drawingml/2006/main" xmlns:r="http://schemas.openxmlformats.org/officeDocument/2006/relationships" xmlns:p="http://schemas.openxmlformats.org/presentationml/2006/main">
+  <p:cSld>
+    <p:spTree>
+      <p:nvGrpSpPr>
+        <p:cNvPr id="1" name=""/>
+        <p:cNvGrpSpPr/>
+        <p:nvPr/>
+      </p:nvGrpSpPr>
+      <p:grpSpPr>
+        <a:xfrm>
+          <a:off x="0" y="0"/>
+          <a:ext cx="0" cy="0"/>
+          <a:chOff x="0" y="0"/>
+          <a:chExt cx="0" cy="0"/>
+        </a:xfrm>
+      </p:grpSpPr>
+      <p:sp>
+        <p:nvSpPr>
+          <p:cNvPr id="4" name="Title 3">
+            <a:extLst>
+              <a:ext uri="{FF2B5EF4-FFF2-40B4-BE49-F238E27FC236}">
                 <a16:creationId xmlns:a16="http://schemas.microsoft.com/office/drawing/2014/main" id="{18AE9ED4-B81C-E643-B0FB-82AA3CD0D245}"/>
               </a:ext>
             </a:extLst>
@@ -16061,7 +16326,7 @@
 </p:sld>
 </file>
 
-<file path=ppt/slides/slide31.xml><?xml version="1.0" encoding="utf-8"?>
+<file path=ppt/slides/slide32.xml><?xml version="1.0" encoding="utf-8"?>
 <p:sld xmlns:a="http://schemas.openxmlformats.org/drawingml/2006/main" xmlns:r="http://schemas.openxmlformats.org/officeDocument/2006/relationships" xmlns:p="http://schemas.openxmlformats.org/presentationml/2006/main">
   <p:cSld>
     <p:spTree>
@@ -16597,7 +16862,7 @@
 </p:sld>
 </file>
 
-<file path=ppt/slides/slide32.xml><?xml version="1.0" encoding="utf-8"?>
+<file path=ppt/slides/slide33.xml><?xml version="1.0" encoding="utf-8"?>
 <p:sld xmlns:a="http://schemas.openxmlformats.org/drawingml/2006/main" xmlns:r="http://schemas.openxmlformats.org/officeDocument/2006/relationships" xmlns:p="http://schemas.openxmlformats.org/presentationml/2006/main">
   <p:cSld>
     <p:spTree>
@@ -17115,547 +17380,6 @@
     <p:extLst>
       <p:ext uri="{BB962C8B-B14F-4D97-AF65-F5344CB8AC3E}">
         <p14:creationId xmlns:p14="http://schemas.microsoft.com/office/powerpoint/2010/main" val="529781794"/>
-      </p:ext>
-    </p:extLst>
-  </p:cSld>
-  <p:clrMapOvr>
-    <a:masterClrMapping/>
-  </p:clrMapOvr>
-</p:sld>
-</file>
-
-<file path=ppt/slides/slide33.xml><?xml version="1.0" encoding="utf-8"?>
-<p:sld xmlns:a="http://schemas.openxmlformats.org/drawingml/2006/main" xmlns:r="http://schemas.openxmlformats.org/officeDocument/2006/relationships" xmlns:p="http://schemas.openxmlformats.org/presentationml/2006/main">
-  <p:cSld>
-    <p:spTree>
-      <p:nvGrpSpPr>
-        <p:cNvPr id="1" name=""/>
-        <p:cNvGrpSpPr/>
-        <p:nvPr/>
-      </p:nvGrpSpPr>
-      <p:grpSpPr>
-        <a:xfrm>
-          <a:off x="0" y="0"/>
-          <a:ext cx="0" cy="0"/>
-          <a:chOff x="0" y="0"/>
-          <a:chExt cx="0" cy="0"/>
-        </a:xfrm>
-      </p:grpSpPr>
-      <p:pic>
-        <p:nvPicPr>
-          <p:cNvPr id="7" name="Picture 6">
-            <a:extLst>
-              <a:ext uri="{FF2B5EF4-FFF2-40B4-BE49-F238E27FC236}">
-                <a16:creationId xmlns:a16="http://schemas.microsoft.com/office/drawing/2014/main" id="{DC61F88B-A93B-E44F-A278-9F680C286BDC}"/>
-              </a:ext>
-            </a:extLst>
-          </p:cNvPr>
-          <p:cNvPicPr>
-            <a:picLocks noChangeAspect="1"/>
-          </p:cNvPicPr>
-          <p:nvPr/>
-        </p:nvPicPr>
-        <p:blipFill>
-          <a:blip r:embed="rId2">
-            <a:extLst>
-              <a:ext uri="{28A0092B-C50C-407E-A947-70E740481C1C}">
-                <a14:useLocalDpi xmlns:a14="http://schemas.microsoft.com/office/drawing/2010/main" val="0"/>
-              </a:ext>
-            </a:extLst>
-          </a:blip>
-          <a:stretch>
-            <a:fillRect/>
-          </a:stretch>
-        </p:blipFill>
-        <p:spPr>
-          <a:xfrm>
-            <a:off x="310896" y="310896"/>
-            <a:ext cx="1381125" cy="1050433"/>
-          </a:xfrm>
-          <a:prstGeom prst="rect">
-            <a:avLst/>
-          </a:prstGeom>
-        </p:spPr>
-      </p:pic>
-      <p:sp>
-        <p:nvSpPr>
-          <p:cNvPr id="9" name="Title 7">
-            <a:extLst>
-              <a:ext uri="{FF2B5EF4-FFF2-40B4-BE49-F238E27FC236}">
-                <a16:creationId xmlns:a16="http://schemas.microsoft.com/office/drawing/2014/main" id="{2A97733B-5B53-6D4F-B3A6-238856A5C58A}"/>
-              </a:ext>
-            </a:extLst>
-          </p:cNvPr>
-          <p:cNvSpPr txBox="1">
-            <a:spLocks noGrp="1"/>
-          </p:cNvSpPr>
-          <p:nvPr>
-            <p:ph type="title"/>
-          </p:nvPr>
-        </p:nvSpPr>
-        <p:spPr>
-          <a:prstGeom prst="rect">
-            <a:avLst/>
-          </a:prstGeom>
-          <a:noFill/>
-        </p:spPr>
-        <p:txBody>
-          <a:bodyPr wrap="square" rtlCol="0" anchor="ctr">
-            <a:spAutoFit/>
-          </a:bodyPr>
-          <a:lstStyle>
-            <a:lvl1pPr algn="l" defTabSz="1371600" rtl="0" eaLnBrk="1" latinLnBrk="0" hangingPunct="1">
-              <a:lnSpc>
-                <a:spcPct val="90000"/>
-              </a:lnSpc>
-              <a:spcBef>
-                <a:spcPct val="0"/>
-              </a:spcBef>
-              <a:buNone/>
-              <a:defRPr lang="uk-UA" sz="2800" b="1" kern="1200" dirty="0">
-                <a:solidFill>
-                  <a:schemeClr val="tx1"/>
-                </a:solidFill>
-                <a:latin typeface="Calibri" charset="0"/>
-                <a:ea typeface="Calibri" charset="0"/>
-                <a:cs typeface="Calibri" charset="0"/>
-              </a:defRPr>
-            </a:lvl1pPr>
-          </a:lstStyle>
-          <a:p>
-            <a:r>
-              <a:rPr lang="en-US" sz="3200" dirty="0"/>
-              <a:t>Process Management (PCM) </a:t>
-            </a:r>
-            <a:r>
-              <a:rPr lang="ja-JP" altLang="en-US" sz="3200" dirty="0">
-                <a:solidFill>
-                  <a:srgbClr val="1F497D"/>
-                </a:solidFill>
-              </a:rPr>
-              <a:t>过程管理</a:t>
-            </a:r>
-            <a:endParaRPr lang="en-US" sz="3200" dirty="0">
-              <a:solidFill>
-                <a:srgbClr val="1F497D"/>
-              </a:solidFill>
-            </a:endParaRPr>
-          </a:p>
-        </p:txBody>
-      </p:sp>
-      <p:sp>
-        <p:nvSpPr>
-          <p:cNvPr id="10" name="Content Placeholder 9">
-            <a:extLst>
-              <a:ext uri="{FF2B5EF4-FFF2-40B4-BE49-F238E27FC236}">
-                <a16:creationId xmlns:a16="http://schemas.microsoft.com/office/drawing/2014/main" id="{95A440E3-2399-234F-BAE5-CFDCD8133EE3}"/>
-              </a:ext>
-            </a:extLst>
-          </p:cNvPr>
-          <p:cNvSpPr txBox="1">
-            <a:spLocks noGrp="1"/>
-          </p:cNvSpPr>
-          <p:nvPr>
-            <p:ph idx="4294967295"/>
-          </p:nvPr>
-        </p:nvSpPr>
-        <p:spPr>
-          <a:xfrm>
-            <a:off x="463295" y="1361329"/>
-            <a:ext cx="11610717" cy="1771767"/>
-          </a:xfrm>
-          <a:prstGeom prst="rect">
-            <a:avLst/>
-          </a:prstGeom>
-          <a:noFill/>
-        </p:spPr>
-        <p:txBody>
-          <a:bodyPr wrap="square" rtlCol="0">
-            <a:spAutoFit/>
-          </a:bodyPr>
-          <a:lstStyle/>
-          <a:p>
-            <a:pPr marL="0" indent="0">
-              <a:buNone/>
-            </a:pPr>
-            <a:r>
-              <a:rPr lang="en-US" sz="1600" b="1" dirty="0"/>
-              <a:t>	Intent: </a:t>
-            </a:r>
-            <a:r>
-              <a:rPr lang="en-US" sz="1600" dirty="0"/>
-              <a:t>Manages and implements the continuous improvement of processes and infrastructure to support accomplishing 	business objectives, identify and implement the most beneficial process improvements, and make the results of process 	improvement visible, accessible, and sustainable.</a:t>
-            </a:r>
-            <a:br>
-              <a:rPr lang="en-US" sz="1600" dirty="0"/>
-            </a:br>
-            <a:r>
-              <a:rPr lang="en-US" sz="1600" dirty="0"/>
-              <a:t>	</a:t>
-            </a:r>
-            <a:r>
-              <a:rPr lang="zh-CN" altLang="en-US" sz="1600" dirty="0">
-                <a:solidFill>
-                  <a:srgbClr val="1F497D"/>
-                </a:solidFill>
-              </a:rPr>
-              <a:t>管理和实施过程和基础条件的持续改进来、支持业务目标的实现、确定和实施能够带来最大效益的过程改进、使过</a:t>
-            </a:r>
-            <a:r>
-              <a:rPr lang="en-ZA" altLang="zh-CN" sz="1600" dirty="0">
-                <a:solidFill>
-                  <a:srgbClr val="1F497D"/>
-                </a:solidFill>
-              </a:rPr>
-              <a:t>	</a:t>
-            </a:r>
-            <a:r>
-              <a:rPr lang="zh-CN" altLang="en-US" sz="1600" dirty="0">
-                <a:solidFill>
-                  <a:srgbClr val="1F497D"/>
-                </a:solidFill>
-              </a:rPr>
-              <a:t>程改进结果可见、可使用和可持续</a:t>
-            </a:r>
-            <a:endParaRPr lang="en-US" sz="1600" dirty="0">
-              <a:solidFill>
-                <a:srgbClr val="1F497D"/>
-              </a:solidFill>
-            </a:endParaRPr>
-          </a:p>
-          <a:p>
-            <a:pPr marL="0" indent="0">
-              <a:buNone/>
-            </a:pPr>
-            <a:r>
-              <a:rPr lang="en-US" sz="1600" b="1" dirty="0"/>
-              <a:t>	Value:</a:t>
-            </a:r>
-            <a:r>
-              <a:rPr lang="en-US" sz="1600" dirty="0"/>
-              <a:t> Ensures that processes, infrastructure, and their improvement contribute to successfully meeting business objectives.</a:t>
-            </a:r>
-            <a:br>
-              <a:rPr lang="en-US" sz="1600" dirty="0"/>
-            </a:br>
-            <a:r>
-              <a:rPr lang="en-US" sz="1600" dirty="0"/>
-              <a:t>	</a:t>
-            </a:r>
-            <a:r>
-              <a:rPr lang="zh-CN" altLang="en-US" sz="1600" dirty="0">
-                <a:solidFill>
-                  <a:srgbClr val="1F497D"/>
-                </a:solidFill>
-              </a:rPr>
-              <a:t>确保过程、基础条件及其环境有助于成功实现业务目标。 </a:t>
-            </a:r>
-            <a:endParaRPr lang="en-US" sz="1600" dirty="0">
-              <a:solidFill>
-                <a:srgbClr val="1F497D"/>
-              </a:solidFill>
-            </a:endParaRPr>
-          </a:p>
-        </p:txBody>
-      </p:sp>
-      <p:sp>
-        <p:nvSpPr>
-          <p:cNvPr id="11" name="Content Placeholder 3">
-            <a:extLst>
-              <a:ext uri="{FF2B5EF4-FFF2-40B4-BE49-F238E27FC236}">
-                <a16:creationId xmlns:a16="http://schemas.microsoft.com/office/drawing/2014/main" id="{AB2058F7-1561-4D8F-9850-6A068814BDB2}"/>
-              </a:ext>
-            </a:extLst>
-          </p:cNvPr>
-          <p:cNvSpPr txBox="1">
-            <a:spLocks/>
-          </p:cNvSpPr>
-          <p:nvPr/>
-        </p:nvSpPr>
-        <p:spPr>
-          <a:xfrm>
-            <a:off x="466344" y="3051602"/>
-            <a:ext cx="11265408" cy="3097485"/>
-          </a:xfrm>
-          <a:prstGeom prst="rect">
-            <a:avLst/>
-          </a:prstGeom>
-        </p:spPr>
-        <p:txBody>
-          <a:bodyPr vert="horz" lIns="91440" tIns="45720" rIns="91440" bIns="45720" rtlCol="0">
-            <a:noAutofit/>
-          </a:bodyPr>
-          <a:lstStyle>
-            <a:lvl1pPr marL="0" indent="0" algn="l" defTabSz="914400" rtl="0" eaLnBrk="1" latinLnBrk="0" hangingPunct="1">
-              <a:lnSpc>
-                <a:spcPct val="90000"/>
-              </a:lnSpc>
-              <a:spcBef>
-                <a:spcPts val="1000"/>
-              </a:spcBef>
-              <a:buFont typeface="Arial" panose="020B0604020202020204" pitchFamily="34" charset="0"/>
-              <a:buNone/>
-              <a:defRPr sz="2400" b="1" kern="1200">
-                <a:solidFill>
-                  <a:schemeClr val="tx1"/>
-                </a:solidFill>
-                <a:latin typeface="+mn-lt"/>
-                <a:ea typeface="+mn-ea"/>
-                <a:cs typeface="+mn-cs"/>
-              </a:defRPr>
-            </a:lvl1pPr>
-            <a:lvl2pPr marL="685800" indent="-228600" algn="l" defTabSz="914400" rtl="0" eaLnBrk="1" latinLnBrk="0" hangingPunct="1">
-              <a:lnSpc>
-                <a:spcPct val="90000"/>
-              </a:lnSpc>
-              <a:spcBef>
-                <a:spcPts val="500"/>
-              </a:spcBef>
-              <a:buFont typeface="Arial" panose="020B0604020202020204" pitchFamily="34" charset="0"/>
-              <a:buChar char="•"/>
-              <a:defRPr sz="2400" kern="1200">
-                <a:solidFill>
-                  <a:schemeClr val="tx1"/>
-                </a:solidFill>
-                <a:latin typeface="+mn-lt"/>
-                <a:ea typeface="+mn-ea"/>
-                <a:cs typeface="+mn-cs"/>
-              </a:defRPr>
-            </a:lvl2pPr>
-            <a:lvl3pPr marL="1143000" indent="-228600" algn="l" defTabSz="914400" rtl="0" eaLnBrk="1" latinLnBrk="0" hangingPunct="1">
-              <a:lnSpc>
-                <a:spcPct val="90000"/>
-              </a:lnSpc>
-              <a:spcBef>
-                <a:spcPts val="500"/>
-              </a:spcBef>
-              <a:buFont typeface="Arial" panose="020B0604020202020204" pitchFamily="34" charset="0"/>
-              <a:buChar char="•"/>
-              <a:defRPr sz="2000" kern="1200">
-                <a:solidFill>
-                  <a:schemeClr val="tx1"/>
-                </a:solidFill>
-                <a:latin typeface="+mn-lt"/>
-                <a:ea typeface="+mn-ea"/>
-                <a:cs typeface="+mn-cs"/>
-              </a:defRPr>
-            </a:lvl3pPr>
-            <a:lvl4pPr marL="1600200" indent="-228600" algn="l" defTabSz="914400" rtl="0" eaLnBrk="1" latinLnBrk="0" hangingPunct="1">
-              <a:lnSpc>
-                <a:spcPct val="90000"/>
-              </a:lnSpc>
-              <a:spcBef>
-                <a:spcPts val="500"/>
-              </a:spcBef>
-              <a:buFont typeface="Arial" panose="020B0604020202020204" pitchFamily="34" charset="0"/>
-              <a:buChar char="•"/>
-              <a:defRPr sz="1800" kern="1200">
-                <a:solidFill>
-                  <a:schemeClr val="tx1"/>
-                </a:solidFill>
-                <a:latin typeface="+mn-lt"/>
-                <a:ea typeface="+mn-ea"/>
-                <a:cs typeface="+mn-cs"/>
-              </a:defRPr>
-            </a:lvl4pPr>
-            <a:lvl5pPr marL="2057400" indent="-228600" algn="l" defTabSz="914400" rtl="0" eaLnBrk="1" latinLnBrk="0" hangingPunct="1">
-              <a:lnSpc>
-                <a:spcPct val="90000"/>
-              </a:lnSpc>
-              <a:spcBef>
-                <a:spcPts val="500"/>
-              </a:spcBef>
-              <a:buFont typeface="Arial" panose="020B0604020202020204" pitchFamily="34" charset="0"/>
-              <a:buChar char="•"/>
-              <a:defRPr sz="1800" kern="1200">
-                <a:solidFill>
-                  <a:schemeClr val="tx1"/>
-                </a:solidFill>
-                <a:latin typeface="+mn-lt"/>
-                <a:ea typeface="+mn-ea"/>
-                <a:cs typeface="+mn-cs"/>
-              </a:defRPr>
-            </a:lvl5pPr>
-            <a:lvl6pPr marL="2514600" indent="-228600" algn="l" defTabSz="914400" rtl="0" eaLnBrk="1" latinLnBrk="0" hangingPunct="1">
-              <a:lnSpc>
-                <a:spcPct val="90000"/>
-              </a:lnSpc>
-              <a:spcBef>
-                <a:spcPts val="500"/>
-              </a:spcBef>
-              <a:buFont typeface="Arial" panose="020B0604020202020204" pitchFamily="34" charset="0"/>
-              <a:buChar char="•"/>
-              <a:defRPr sz="1800" kern="1200">
-                <a:solidFill>
-                  <a:schemeClr val="tx1"/>
-                </a:solidFill>
-                <a:latin typeface="+mn-lt"/>
-                <a:ea typeface="+mn-ea"/>
-                <a:cs typeface="+mn-cs"/>
-              </a:defRPr>
-            </a:lvl6pPr>
-            <a:lvl7pPr marL="2971800" indent="-228600" algn="l" defTabSz="914400" rtl="0" eaLnBrk="1" latinLnBrk="0" hangingPunct="1">
-              <a:lnSpc>
-                <a:spcPct val="90000"/>
-              </a:lnSpc>
-              <a:spcBef>
-                <a:spcPts val="500"/>
-              </a:spcBef>
-              <a:buFont typeface="Arial" panose="020B0604020202020204" pitchFamily="34" charset="0"/>
-              <a:buChar char="•"/>
-              <a:defRPr sz="1800" kern="1200">
-                <a:solidFill>
-                  <a:schemeClr val="tx1"/>
-                </a:solidFill>
-                <a:latin typeface="+mn-lt"/>
-                <a:ea typeface="+mn-ea"/>
-                <a:cs typeface="+mn-cs"/>
-              </a:defRPr>
-            </a:lvl7pPr>
-            <a:lvl8pPr marL="3429000" indent="-228600" algn="l" defTabSz="914400" rtl="0" eaLnBrk="1" latinLnBrk="0" hangingPunct="1">
-              <a:lnSpc>
-                <a:spcPct val="90000"/>
-              </a:lnSpc>
-              <a:spcBef>
-                <a:spcPts val="500"/>
-              </a:spcBef>
-              <a:buFont typeface="Arial" panose="020B0604020202020204" pitchFamily="34" charset="0"/>
-              <a:buChar char="•"/>
-              <a:defRPr sz="1800" kern="1200">
-                <a:solidFill>
-                  <a:schemeClr val="tx1"/>
-                </a:solidFill>
-                <a:latin typeface="+mn-lt"/>
-                <a:ea typeface="+mn-ea"/>
-                <a:cs typeface="+mn-cs"/>
-              </a:defRPr>
-            </a:lvl8pPr>
-            <a:lvl9pPr marL="3886200" indent="-228600" algn="l" defTabSz="914400" rtl="0" eaLnBrk="1" latinLnBrk="0" hangingPunct="1">
-              <a:lnSpc>
-                <a:spcPct val="90000"/>
-              </a:lnSpc>
-              <a:spcBef>
-                <a:spcPts val="500"/>
-              </a:spcBef>
-              <a:buFont typeface="Arial" panose="020B0604020202020204" pitchFamily="34" charset="0"/>
-              <a:buChar char="•"/>
-              <a:defRPr sz="1800" kern="1200">
-                <a:solidFill>
-                  <a:schemeClr val="tx1"/>
-                </a:solidFill>
-                <a:latin typeface="+mn-lt"/>
-                <a:ea typeface="+mn-ea"/>
-                <a:cs typeface="+mn-cs"/>
-              </a:defRPr>
-            </a:lvl9pPr>
-          </a:lstStyle>
-          <a:p>
-            <a:r>
-              <a:rPr lang="en-US" sz="1800" dirty="0"/>
-              <a:t>Strengths </a:t>
-            </a:r>
-            <a:r>
-              <a:rPr lang="ja-JP" altLang="en-US" sz="1800" dirty="0">
-                <a:solidFill>
-                  <a:srgbClr val="1F497D"/>
-                </a:solidFill>
-                <a:latin typeface="DengXian" panose="02010600030101010101" pitchFamily="2" charset="-122"/>
-                <a:ea typeface="DengXian" panose="02010600030101010101" pitchFamily="2" charset="-122"/>
-              </a:rPr>
-              <a:t>强项</a:t>
-            </a:r>
-            <a:r>
-              <a:rPr lang="en-US" altLang="ja-JP" sz="1800" dirty="0"/>
-              <a:t>:</a:t>
-            </a:r>
-            <a:endParaRPr lang="en-US" sz="1800" dirty="0"/>
-          </a:p>
-          <a:p>
-            <a:pPr marL="342900" indent="-342900">
-              <a:buFont typeface="Arial" panose="020B0604020202020204" pitchFamily="34" charset="0"/>
-              <a:buChar char="•"/>
-            </a:pPr>
-            <a:r>
-              <a:rPr lang="en-US" sz="1800" b="0" dirty="0"/>
-              <a:t>None </a:t>
-            </a:r>
-            <a:br>
-              <a:rPr lang="en-US" sz="1800" b="0" dirty="0"/>
-            </a:br>
-            <a:r>
-              <a:rPr lang="ja-JP" altLang="en-US" sz="1800" b="0" dirty="0">
-                <a:solidFill>
-                  <a:srgbClr val="1F497D"/>
-                </a:solidFill>
-                <a:latin typeface="DengXian" panose="02010600030101010101" pitchFamily="2" charset="-122"/>
-                <a:ea typeface="DengXian" panose="02010600030101010101" pitchFamily="2" charset="-122"/>
-              </a:rPr>
-              <a:t>没有</a:t>
-            </a:r>
-            <a:endParaRPr lang="en-US" sz="1800" b="0" dirty="0">
-              <a:solidFill>
-                <a:srgbClr val="1F497D"/>
-              </a:solidFill>
-              <a:latin typeface="DengXian" panose="02010600030101010101" pitchFamily="2" charset="-122"/>
-              <a:ea typeface="DengXian" panose="02010600030101010101" pitchFamily="2" charset="-122"/>
-            </a:endParaRPr>
-          </a:p>
-          <a:p>
-            <a:endParaRPr lang="en-US" sz="1800" b="0" dirty="0"/>
-          </a:p>
-          <a:p>
-            <a:r>
-              <a:rPr lang="en-US" sz="1800" dirty="0"/>
-              <a:t>Weaknesses </a:t>
-            </a:r>
-            <a:r>
-              <a:rPr lang="zh-CN" altLang="en-US" sz="1800" dirty="0">
-                <a:solidFill>
-                  <a:srgbClr val="1F497D"/>
-                </a:solidFill>
-                <a:latin typeface="DengXian" panose="02010600030101010101" pitchFamily="2" charset="-122"/>
-                <a:ea typeface="DengXian" panose="02010600030101010101" pitchFamily="2" charset="-122"/>
-              </a:rPr>
-              <a:t>弱项</a:t>
-            </a:r>
-            <a:r>
-              <a:rPr lang="en-US" altLang="ja-JP" sz="1800" dirty="0"/>
-              <a:t>:</a:t>
-            </a:r>
-            <a:endParaRPr lang="en-US" sz="1800" dirty="0"/>
-          </a:p>
-          <a:p>
-            <a:pPr marL="342900" indent="-342900">
-              <a:buFont typeface="Arial" panose="020B0604020202020204" pitchFamily="34" charset="0"/>
-              <a:buChar char="•"/>
-            </a:pPr>
-            <a:r>
-              <a:rPr lang="en-US" sz="1800" b="0" dirty="0"/>
-              <a:t>None </a:t>
-            </a:r>
-            <a:br>
-              <a:rPr lang="en-US" sz="1800" b="0" dirty="0"/>
-            </a:br>
-            <a:r>
-              <a:rPr lang="ja-JP" altLang="en-US" sz="1800" b="0" dirty="0">
-                <a:solidFill>
-                  <a:srgbClr val="1F497D"/>
-                </a:solidFill>
-              </a:rPr>
-              <a:t>没有</a:t>
-            </a:r>
-            <a:endParaRPr lang="en-US" sz="1800" b="0" dirty="0">
-              <a:solidFill>
-                <a:srgbClr val="1F497D"/>
-              </a:solidFill>
-            </a:endParaRPr>
-          </a:p>
-        </p:txBody>
-      </p:sp>
-    </p:spTree>
-    <p:extLst>
-      <p:ext uri="{BB962C8B-B14F-4D97-AF65-F5344CB8AC3E}">
-        <p14:creationId xmlns:p14="http://schemas.microsoft.com/office/powerpoint/2010/main" val="1174391091"/>
       </p:ext>
     </p:extLst>
   </p:cSld>
@@ -17802,6 +17526,547 @@
         </p:nvSpPr>
         <p:spPr>
           <a:xfrm>
+            <a:off x="463295" y="1361329"/>
+            <a:ext cx="11610717" cy="1771767"/>
+          </a:xfrm>
+          <a:prstGeom prst="rect">
+            <a:avLst/>
+          </a:prstGeom>
+          <a:noFill/>
+        </p:spPr>
+        <p:txBody>
+          <a:bodyPr wrap="square" rtlCol="0">
+            <a:spAutoFit/>
+          </a:bodyPr>
+          <a:lstStyle/>
+          <a:p>
+            <a:pPr marL="0" indent="0">
+              <a:buNone/>
+            </a:pPr>
+            <a:r>
+              <a:rPr lang="en-US" sz="1600" b="1" dirty="0"/>
+              <a:t>	Intent: </a:t>
+            </a:r>
+            <a:r>
+              <a:rPr lang="en-US" sz="1600" dirty="0"/>
+              <a:t>Manages and implements the continuous improvement of processes and infrastructure to support accomplishing 	business objectives, identify and implement the most beneficial process improvements, and make the results of process 	improvement visible, accessible, and sustainable.</a:t>
+            </a:r>
+            <a:br>
+              <a:rPr lang="en-US" sz="1600" dirty="0"/>
+            </a:br>
+            <a:r>
+              <a:rPr lang="en-US" sz="1600" dirty="0"/>
+              <a:t>	</a:t>
+            </a:r>
+            <a:r>
+              <a:rPr lang="zh-CN" altLang="en-US" sz="1600" dirty="0">
+                <a:solidFill>
+                  <a:srgbClr val="1F497D"/>
+                </a:solidFill>
+              </a:rPr>
+              <a:t>管理和实施过程和基础条件的持续改进来、支持业务目标的实现、确定和实施能够带来最大效益的过程改进、使过</a:t>
+            </a:r>
+            <a:r>
+              <a:rPr lang="en-ZA" altLang="zh-CN" sz="1600" dirty="0">
+                <a:solidFill>
+                  <a:srgbClr val="1F497D"/>
+                </a:solidFill>
+              </a:rPr>
+              <a:t>	</a:t>
+            </a:r>
+            <a:r>
+              <a:rPr lang="zh-CN" altLang="en-US" sz="1600" dirty="0">
+                <a:solidFill>
+                  <a:srgbClr val="1F497D"/>
+                </a:solidFill>
+              </a:rPr>
+              <a:t>程改进结果可见、可使用和可持续</a:t>
+            </a:r>
+            <a:endParaRPr lang="en-US" sz="1600" dirty="0">
+              <a:solidFill>
+                <a:srgbClr val="1F497D"/>
+              </a:solidFill>
+            </a:endParaRPr>
+          </a:p>
+          <a:p>
+            <a:pPr marL="0" indent="0">
+              <a:buNone/>
+            </a:pPr>
+            <a:r>
+              <a:rPr lang="en-US" sz="1600" b="1" dirty="0"/>
+              <a:t>	Value:</a:t>
+            </a:r>
+            <a:r>
+              <a:rPr lang="en-US" sz="1600" dirty="0"/>
+              <a:t> Ensures that processes, infrastructure, and their improvement contribute to successfully meeting business objectives.</a:t>
+            </a:r>
+            <a:br>
+              <a:rPr lang="en-US" sz="1600" dirty="0"/>
+            </a:br>
+            <a:r>
+              <a:rPr lang="en-US" sz="1600" dirty="0"/>
+              <a:t>	</a:t>
+            </a:r>
+            <a:r>
+              <a:rPr lang="zh-CN" altLang="en-US" sz="1600" dirty="0">
+                <a:solidFill>
+                  <a:srgbClr val="1F497D"/>
+                </a:solidFill>
+              </a:rPr>
+              <a:t>确保过程、基础条件及其环境有助于成功实现业务目标。 </a:t>
+            </a:r>
+            <a:endParaRPr lang="en-US" sz="1600" dirty="0">
+              <a:solidFill>
+                <a:srgbClr val="1F497D"/>
+              </a:solidFill>
+            </a:endParaRPr>
+          </a:p>
+        </p:txBody>
+      </p:sp>
+      <p:sp>
+        <p:nvSpPr>
+          <p:cNvPr id="11" name="Content Placeholder 3">
+            <a:extLst>
+              <a:ext uri="{FF2B5EF4-FFF2-40B4-BE49-F238E27FC236}">
+                <a16:creationId xmlns:a16="http://schemas.microsoft.com/office/drawing/2014/main" id="{AB2058F7-1561-4D8F-9850-6A068814BDB2}"/>
+              </a:ext>
+            </a:extLst>
+          </p:cNvPr>
+          <p:cNvSpPr txBox="1">
+            <a:spLocks/>
+          </p:cNvSpPr>
+          <p:nvPr/>
+        </p:nvSpPr>
+        <p:spPr>
+          <a:xfrm>
+            <a:off x="466344" y="3051602"/>
+            <a:ext cx="11265408" cy="3097485"/>
+          </a:xfrm>
+          <a:prstGeom prst="rect">
+            <a:avLst/>
+          </a:prstGeom>
+        </p:spPr>
+        <p:txBody>
+          <a:bodyPr vert="horz" lIns="91440" tIns="45720" rIns="91440" bIns="45720" rtlCol="0">
+            <a:noAutofit/>
+          </a:bodyPr>
+          <a:lstStyle>
+            <a:lvl1pPr marL="0" indent="0" algn="l" defTabSz="914400" rtl="0" eaLnBrk="1" latinLnBrk="0" hangingPunct="1">
+              <a:lnSpc>
+                <a:spcPct val="90000"/>
+              </a:lnSpc>
+              <a:spcBef>
+                <a:spcPts val="1000"/>
+              </a:spcBef>
+              <a:buFont typeface="Arial" panose="020B0604020202020204" pitchFamily="34" charset="0"/>
+              <a:buNone/>
+              <a:defRPr sz="2400" b="1" kern="1200">
+                <a:solidFill>
+                  <a:schemeClr val="tx1"/>
+                </a:solidFill>
+                <a:latin typeface="+mn-lt"/>
+                <a:ea typeface="+mn-ea"/>
+                <a:cs typeface="+mn-cs"/>
+              </a:defRPr>
+            </a:lvl1pPr>
+            <a:lvl2pPr marL="685800" indent="-228600" algn="l" defTabSz="914400" rtl="0" eaLnBrk="1" latinLnBrk="0" hangingPunct="1">
+              <a:lnSpc>
+                <a:spcPct val="90000"/>
+              </a:lnSpc>
+              <a:spcBef>
+                <a:spcPts val="500"/>
+              </a:spcBef>
+              <a:buFont typeface="Arial" panose="020B0604020202020204" pitchFamily="34" charset="0"/>
+              <a:buChar char="•"/>
+              <a:defRPr sz="2400" kern="1200">
+                <a:solidFill>
+                  <a:schemeClr val="tx1"/>
+                </a:solidFill>
+                <a:latin typeface="+mn-lt"/>
+                <a:ea typeface="+mn-ea"/>
+                <a:cs typeface="+mn-cs"/>
+              </a:defRPr>
+            </a:lvl2pPr>
+            <a:lvl3pPr marL="1143000" indent="-228600" algn="l" defTabSz="914400" rtl="0" eaLnBrk="1" latinLnBrk="0" hangingPunct="1">
+              <a:lnSpc>
+                <a:spcPct val="90000"/>
+              </a:lnSpc>
+              <a:spcBef>
+                <a:spcPts val="500"/>
+              </a:spcBef>
+              <a:buFont typeface="Arial" panose="020B0604020202020204" pitchFamily="34" charset="0"/>
+              <a:buChar char="•"/>
+              <a:defRPr sz="2000" kern="1200">
+                <a:solidFill>
+                  <a:schemeClr val="tx1"/>
+                </a:solidFill>
+                <a:latin typeface="+mn-lt"/>
+                <a:ea typeface="+mn-ea"/>
+                <a:cs typeface="+mn-cs"/>
+              </a:defRPr>
+            </a:lvl3pPr>
+            <a:lvl4pPr marL="1600200" indent="-228600" algn="l" defTabSz="914400" rtl="0" eaLnBrk="1" latinLnBrk="0" hangingPunct="1">
+              <a:lnSpc>
+                <a:spcPct val="90000"/>
+              </a:lnSpc>
+              <a:spcBef>
+                <a:spcPts val="500"/>
+              </a:spcBef>
+              <a:buFont typeface="Arial" panose="020B0604020202020204" pitchFamily="34" charset="0"/>
+              <a:buChar char="•"/>
+              <a:defRPr sz="1800" kern="1200">
+                <a:solidFill>
+                  <a:schemeClr val="tx1"/>
+                </a:solidFill>
+                <a:latin typeface="+mn-lt"/>
+                <a:ea typeface="+mn-ea"/>
+                <a:cs typeface="+mn-cs"/>
+              </a:defRPr>
+            </a:lvl4pPr>
+            <a:lvl5pPr marL="2057400" indent="-228600" algn="l" defTabSz="914400" rtl="0" eaLnBrk="1" latinLnBrk="0" hangingPunct="1">
+              <a:lnSpc>
+                <a:spcPct val="90000"/>
+              </a:lnSpc>
+              <a:spcBef>
+                <a:spcPts val="500"/>
+              </a:spcBef>
+              <a:buFont typeface="Arial" panose="020B0604020202020204" pitchFamily="34" charset="0"/>
+              <a:buChar char="•"/>
+              <a:defRPr sz="1800" kern="1200">
+                <a:solidFill>
+                  <a:schemeClr val="tx1"/>
+                </a:solidFill>
+                <a:latin typeface="+mn-lt"/>
+                <a:ea typeface="+mn-ea"/>
+                <a:cs typeface="+mn-cs"/>
+              </a:defRPr>
+            </a:lvl5pPr>
+            <a:lvl6pPr marL="2514600" indent="-228600" algn="l" defTabSz="914400" rtl="0" eaLnBrk="1" latinLnBrk="0" hangingPunct="1">
+              <a:lnSpc>
+                <a:spcPct val="90000"/>
+              </a:lnSpc>
+              <a:spcBef>
+                <a:spcPts val="500"/>
+              </a:spcBef>
+              <a:buFont typeface="Arial" panose="020B0604020202020204" pitchFamily="34" charset="0"/>
+              <a:buChar char="•"/>
+              <a:defRPr sz="1800" kern="1200">
+                <a:solidFill>
+                  <a:schemeClr val="tx1"/>
+                </a:solidFill>
+                <a:latin typeface="+mn-lt"/>
+                <a:ea typeface="+mn-ea"/>
+                <a:cs typeface="+mn-cs"/>
+              </a:defRPr>
+            </a:lvl6pPr>
+            <a:lvl7pPr marL="2971800" indent="-228600" algn="l" defTabSz="914400" rtl="0" eaLnBrk="1" latinLnBrk="0" hangingPunct="1">
+              <a:lnSpc>
+                <a:spcPct val="90000"/>
+              </a:lnSpc>
+              <a:spcBef>
+                <a:spcPts val="500"/>
+              </a:spcBef>
+              <a:buFont typeface="Arial" panose="020B0604020202020204" pitchFamily="34" charset="0"/>
+              <a:buChar char="•"/>
+              <a:defRPr sz="1800" kern="1200">
+                <a:solidFill>
+                  <a:schemeClr val="tx1"/>
+                </a:solidFill>
+                <a:latin typeface="+mn-lt"/>
+                <a:ea typeface="+mn-ea"/>
+                <a:cs typeface="+mn-cs"/>
+              </a:defRPr>
+            </a:lvl7pPr>
+            <a:lvl8pPr marL="3429000" indent="-228600" algn="l" defTabSz="914400" rtl="0" eaLnBrk="1" latinLnBrk="0" hangingPunct="1">
+              <a:lnSpc>
+                <a:spcPct val="90000"/>
+              </a:lnSpc>
+              <a:spcBef>
+                <a:spcPts val="500"/>
+              </a:spcBef>
+              <a:buFont typeface="Arial" panose="020B0604020202020204" pitchFamily="34" charset="0"/>
+              <a:buChar char="•"/>
+              <a:defRPr sz="1800" kern="1200">
+                <a:solidFill>
+                  <a:schemeClr val="tx1"/>
+                </a:solidFill>
+                <a:latin typeface="+mn-lt"/>
+                <a:ea typeface="+mn-ea"/>
+                <a:cs typeface="+mn-cs"/>
+              </a:defRPr>
+            </a:lvl8pPr>
+            <a:lvl9pPr marL="3886200" indent="-228600" algn="l" defTabSz="914400" rtl="0" eaLnBrk="1" latinLnBrk="0" hangingPunct="1">
+              <a:lnSpc>
+                <a:spcPct val="90000"/>
+              </a:lnSpc>
+              <a:spcBef>
+                <a:spcPts val="500"/>
+              </a:spcBef>
+              <a:buFont typeface="Arial" panose="020B0604020202020204" pitchFamily="34" charset="0"/>
+              <a:buChar char="•"/>
+              <a:defRPr sz="1800" kern="1200">
+                <a:solidFill>
+                  <a:schemeClr val="tx1"/>
+                </a:solidFill>
+                <a:latin typeface="+mn-lt"/>
+                <a:ea typeface="+mn-ea"/>
+                <a:cs typeface="+mn-cs"/>
+              </a:defRPr>
+            </a:lvl9pPr>
+          </a:lstStyle>
+          <a:p>
+            <a:r>
+              <a:rPr lang="en-US" sz="1800" dirty="0"/>
+              <a:t>Strengths </a:t>
+            </a:r>
+            <a:r>
+              <a:rPr lang="ja-JP" altLang="en-US" sz="1800" dirty="0">
+                <a:solidFill>
+                  <a:srgbClr val="1F497D"/>
+                </a:solidFill>
+                <a:latin typeface="DengXian" panose="02010600030101010101" pitchFamily="2" charset="-122"/>
+                <a:ea typeface="DengXian" panose="02010600030101010101" pitchFamily="2" charset="-122"/>
+              </a:rPr>
+              <a:t>强项</a:t>
+            </a:r>
+            <a:r>
+              <a:rPr lang="en-US" altLang="ja-JP" sz="1800" dirty="0"/>
+              <a:t>:</a:t>
+            </a:r>
+            <a:endParaRPr lang="en-US" sz="1800" dirty="0"/>
+          </a:p>
+          <a:p>
+            <a:pPr marL="342900" indent="-342900">
+              <a:buFont typeface="Arial" panose="020B0604020202020204" pitchFamily="34" charset="0"/>
+              <a:buChar char="•"/>
+            </a:pPr>
+            <a:r>
+              <a:rPr lang="en-US" sz="1800" b="0" dirty="0"/>
+              <a:t>None </a:t>
+            </a:r>
+            <a:br>
+              <a:rPr lang="en-US" sz="1800" b="0" dirty="0"/>
+            </a:br>
+            <a:r>
+              <a:rPr lang="ja-JP" altLang="en-US" sz="1800" b="0" dirty="0">
+                <a:solidFill>
+                  <a:srgbClr val="1F497D"/>
+                </a:solidFill>
+                <a:latin typeface="DengXian" panose="02010600030101010101" pitchFamily="2" charset="-122"/>
+                <a:ea typeface="DengXian" panose="02010600030101010101" pitchFamily="2" charset="-122"/>
+              </a:rPr>
+              <a:t>没有</a:t>
+            </a:r>
+            <a:endParaRPr lang="en-US" sz="1800" b="0" dirty="0">
+              <a:solidFill>
+                <a:srgbClr val="1F497D"/>
+              </a:solidFill>
+              <a:latin typeface="DengXian" panose="02010600030101010101" pitchFamily="2" charset="-122"/>
+              <a:ea typeface="DengXian" panose="02010600030101010101" pitchFamily="2" charset="-122"/>
+            </a:endParaRPr>
+          </a:p>
+          <a:p>
+            <a:endParaRPr lang="en-US" sz="1800" b="0" dirty="0"/>
+          </a:p>
+          <a:p>
+            <a:r>
+              <a:rPr lang="en-US" sz="1800" dirty="0"/>
+              <a:t>Weaknesses </a:t>
+            </a:r>
+            <a:r>
+              <a:rPr lang="zh-CN" altLang="en-US" sz="1800" dirty="0">
+                <a:solidFill>
+                  <a:srgbClr val="1F497D"/>
+                </a:solidFill>
+                <a:latin typeface="DengXian" panose="02010600030101010101" pitchFamily="2" charset="-122"/>
+                <a:ea typeface="DengXian" panose="02010600030101010101" pitchFamily="2" charset="-122"/>
+              </a:rPr>
+              <a:t>弱项</a:t>
+            </a:r>
+            <a:r>
+              <a:rPr lang="en-US" altLang="ja-JP" sz="1800" dirty="0"/>
+              <a:t>:</a:t>
+            </a:r>
+            <a:endParaRPr lang="en-US" sz="1800" dirty="0"/>
+          </a:p>
+          <a:p>
+            <a:pPr marL="342900" indent="-342900">
+              <a:buFont typeface="Arial" panose="020B0604020202020204" pitchFamily="34" charset="0"/>
+              <a:buChar char="•"/>
+            </a:pPr>
+            <a:r>
+              <a:rPr lang="en-US" sz="1800" b="0" dirty="0"/>
+              <a:t>None </a:t>
+            </a:r>
+            <a:br>
+              <a:rPr lang="en-US" sz="1800" b="0" dirty="0"/>
+            </a:br>
+            <a:r>
+              <a:rPr lang="ja-JP" altLang="en-US" sz="1800" b="0" dirty="0">
+                <a:solidFill>
+                  <a:srgbClr val="1F497D"/>
+                </a:solidFill>
+              </a:rPr>
+              <a:t>没有</a:t>
+            </a:r>
+            <a:endParaRPr lang="en-US" sz="1800" b="0" dirty="0">
+              <a:solidFill>
+                <a:srgbClr val="1F497D"/>
+              </a:solidFill>
+            </a:endParaRPr>
+          </a:p>
+        </p:txBody>
+      </p:sp>
+    </p:spTree>
+    <p:extLst>
+      <p:ext uri="{BB962C8B-B14F-4D97-AF65-F5344CB8AC3E}">
+        <p14:creationId xmlns:p14="http://schemas.microsoft.com/office/powerpoint/2010/main" val="1174391091"/>
+      </p:ext>
+    </p:extLst>
+  </p:cSld>
+  <p:clrMapOvr>
+    <a:masterClrMapping/>
+  </p:clrMapOvr>
+</p:sld>
+</file>
+
+<file path=ppt/slides/slide35.xml><?xml version="1.0" encoding="utf-8"?>
+<p:sld xmlns:a="http://schemas.openxmlformats.org/drawingml/2006/main" xmlns:r="http://schemas.openxmlformats.org/officeDocument/2006/relationships" xmlns:p="http://schemas.openxmlformats.org/presentationml/2006/main">
+  <p:cSld>
+    <p:spTree>
+      <p:nvGrpSpPr>
+        <p:cNvPr id="1" name=""/>
+        <p:cNvGrpSpPr/>
+        <p:nvPr/>
+      </p:nvGrpSpPr>
+      <p:grpSpPr>
+        <a:xfrm>
+          <a:off x="0" y="0"/>
+          <a:ext cx="0" cy="0"/>
+          <a:chOff x="0" y="0"/>
+          <a:chExt cx="0" cy="0"/>
+        </a:xfrm>
+      </p:grpSpPr>
+      <p:pic>
+        <p:nvPicPr>
+          <p:cNvPr id="7" name="Picture 6">
+            <a:extLst>
+              <a:ext uri="{FF2B5EF4-FFF2-40B4-BE49-F238E27FC236}">
+                <a16:creationId xmlns:a16="http://schemas.microsoft.com/office/drawing/2014/main" id="{DC61F88B-A93B-E44F-A278-9F680C286BDC}"/>
+              </a:ext>
+            </a:extLst>
+          </p:cNvPr>
+          <p:cNvPicPr>
+            <a:picLocks noChangeAspect="1"/>
+          </p:cNvPicPr>
+          <p:nvPr/>
+        </p:nvPicPr>
+        <p:blipFill>
+          <a:blip r:embed="rId2">
+            <a:extLst>
+              <a:ext uri="{28A0092B-C50C-407E-A947-70E740481C1C}">
+                <a14:useLocalDpi xmlns:a14="http://schemas.microsoft.com/office/drawing/2010/main" val="0"/>
+              </a:ext>
+            </a:extLst>
+          </a:blip>
+          <a:stretch>
+            <a:fillRect/>
+          </a:stretch>
+        </p:blipFill>
+        <p:spPr>
+          <a:xfrm>
+            <a:off x="310896" y="310896"/>
+            <a:ext cx="1381125" cy="1050433"/>
+          </a:xfrm>
+          <a:prstGeom prst="rect">
+            <a:avLst/>
+          </a:prstGeom>
+        </p:spPr>
+      </p:pic>
+      <p:sp>
+        <p:nvSpPr>
+          <p:cNvPr id="9" name="Title 7">
+            <a:extLst>
+              <a:ext uri="{FF2B5EF4-FFF2-40B4-BE49-F238E27FC236}">
+                <a16:creationId xmlns:a16="http://schemas.microsoft.com/office/drawing/2014/main" id="{2A97733B-5B53-6D4F-B3A6-238856A5C58A}"/>
+              </a:ext>
+            </a:extLst>
+          </p:cNvPr>
+          <p:cNvSpPr txBox="1">
+            <a:spLocks noGrp="1"/>
+          </p:cNvSpPr>
+          <p:nvPr>
+            <p:ph type="title"/>
+          </p:nvPr>
+        </p:nvSpPr>
+        <p:spPr>
+          <a:prstGeom prst="rect">
+            <a:avLst/>
+          </a:prstGeom>
+          <a:noFill/>
+        </p:spPr>
+        <p:txBody>
+          <a:bodyPr wrap="square" rtlCol="0" anchor="ctr">
+            <a:spAutoFit/>
+          </a:bodyPr>
+          <a:lstStyle>
+            <a:lvl1pPr algn="l" defTabSz="1371600" rtl="0" eaLnBrk="1" latinLnBrk="0" hangingPunct="1">
+              <a:lnSpc>
+                <a:spcPct val="90000"/>
+              </a:lnSpc>
+              <a:spcBef>
+                <a:spcPct val="0"/>
+              </a:spcBef>
+              <a:buNone/>
+              <a:defRPr lang="uk-UA" sz="2800" b="1" kern="1200" dirty="0">
+                <a:solidFill>
+                  <a:schemeClr val="tx1"/>
+                </a:solidFill>
+                <a:latin typeface="Calibri" charset="0"/>
+                <a:ea typeface="Calibri" charset="0"/>
+                <a:cs typeface="Calibri" charset="0"/>
+              </a:defRPr>
+            </a:lvl1pPr>
+          </a:lstStyle>
+          <a:p>
+            <a:r>
+              <a:rPr lang="en-US" sz="3200" dirty="0"/>
+              <a:t>Process Management (PCM) </a:t>
+            </a:r>
+            <a:r>
+              <a:rPr lang="ja-JP" altLang="en-US" sz="3200" dirty="0">
+                <a:solidFill>
+                  <a:srgbClr val="1F497D"/>
+                </a:solidFill>
+              </a:rPr>
+              <a:t>过程管理</a:t>
+            </a:r>
+            <a:endParaRPr lang="en-US" sz="3200" dirty="0">
+              <a:solidFill>
+                <a:srgbClr val="1F497D"/>
+              </a:solidFill>
+            </a:endParaRPr>
+          </a:p>
+        </p:txBody>
+      </p:sp>
+      <p:sp>
+        <p:nvSpPr>
+          <p:cNvPr id="10" name="Content Placeholder 9">
+            <a:extLst>
+              <a:ext uri="{FF2B5EF4-FFF2-40B4-BE49-F238E27FC236}">
+                <a16:creationId xmlns:a16="http://schemas.microsoft.com/office/drawing/2014/main" id="{95A440E3-2399-234F-BAE5-CFDCD8133EE3}"/>
+              </a:ext>
+            </a:extLst>
+          </p:cNvPr>
+          <p:cNvSpPr txBox="1">
+            <a:spLocks noGrp="1"/>
+          </p:cNvSpPr>
+          <p:nvPr>
+            <p:ph idx="4294967295"/>
+          </p:nvPr>
+        </p:nvSpPr>
+        <p:spPr>
+          <a:xfrm>
             <a:off x="489745" y="1361329"/>
             <a:ext cx="11470017" cy="1771767"/>
           </a:xfrm>
@@ -18206,7 +18471,7 @@
 </p:sld>
 </file>
 
-<file path=ppt/slides/slide35.xml><?xml version="1.0" encoding="utf-8"?>
+<file path=ppt/slides/slide36.xml><?xml version="1.0" encoding="utf-8"?>
 <p:sld xmlns:a="http://schemas.openxmlformats.org/drawingml/2006/main" xmlns:r="http://schemas.openxmlformats.org/officeDocument/2006/relationships" xmlns:p="http://schemas.openxmlformats.org/presentationml/2006/main">
   <p:cSld>
     <p:spTree>
@@ -18731,7 +18996,7 @@
 </p:sld>
 </file>
 
-<file path=ppt/slides/slide36.xml><?xml version="1.0" encoding="utf-8"?>
+<file path=ppt/slides/slide37.xml><?xml version="1.0" encoding="utf-8"?>
 <p:sld xmlns:a="http://schemas.openxmlformats.org/drawingml/2006/main" xmlns:r="http://schemas.openxmlformats.org/officeDocument/2006/relationships" xmlns:p="http://schemas.openxmlformats.org/presentationml/2006/main">
   <p:cSld>
     <p:spTree>
@@ -19256,7 +19521,7 @@
 </p:sld>
 </file>
 
-<file path=ppt/slides/slide37.xml><?xml version="1.0" encoding="utf-8"?>
+<file path=ppt/slides/slide38.xml><?xml version="1.0" encoding="utf-8"?>
 <p:sld xmlns:a="http://schemas.openxmlformats.org/drawingml/2006/main" xmlns:r="http://schemas.openxmlformats.org/officeDocument/2006/relationships" xmlns:p="http://schemas.openxmlformats.org/presentationml/2006/main">
   <p:cSld>
     <p:spTree>
@@ -19792,7 +20057,7 @@
 </p:sld>
 </file>
 
-<file path=ppt/slides/slide38.xml><?xml version="1.0" encoding="utf-8"?>
+<file path=ppt/slides/slide39.xml><?xml version="1.0" encoding="utf-8"?>
 <p:sld xmlns:a="http://schemas.openxmlformats.org/drawingml/2006/main" xmlns:r="http://schemas.openxmlformats.org/officeDocument/2006/relationships" xmlns:p="http://schemas.openxmlformats.org/presentationml/2006/main">
   <p:cSld>
     <p:spTree>
@@ -20321,532 +20586,6 @@
     <p:extLst>
       <p:ext uri="{BB962C8B-B14F-4D97-AF65-F5344CB8AC3E}">
         <p14:creationId xmlns:p14="http://schemas.microsoft.com/office/powerpoint/2010/main" val="3169206438"/>
-      </p:ext>
-    </p:extLst>
-  </p:cSld>
-  <p:clrMapOvr>
-    <a:masterClrMapping/>
-  </p:clrMapOvr>
-</p:sld>
-</file>
-
-<file path=ppt/slides/slide39.xml><?xml version="1.0" encoding="utf-8"?>
-<p:sld xmlns:a="http://schemas.openxmlformats.org/drawingml/2006/main" xmlns:r="http://schemas.openxmlformats.org/officeDocument/2006/relationships" xmlns:p="http://schemas.openxmlformats.org/presentationml/2006/main">
-  <p:cSld>
-    <p:spTree>
-      <p:nvGrpSpPr>
-        <p:cNvPr id="1" name=""/>
-        <p:cNvGrpSpPr/>
-        <p:nvPr/>
-      </p:nvGrpSpPr>
-      <p:grpSpPr>
-        <a:xfrm>
-          <a:off x="0" y="0"/>
-          <a:ext cx="0" cy="0"/>
-          <a:chOff x="0" y="0"/>
-          <a:chExt cx="0" cy="0"/>
-        </a:xfrm>
-      </p:grpSpPr>
-      <p:pic>
-        <p:nvPicPr>
-          <p:cNvPr id="7" name="Picture 6">
-            <a:extLst>
-              <a:ext uri="{FF2B5EF4-FFF2-40B4-BE49-F238E27FC236}">
-                <a16:creationId xmlns:a16="http://schemas.microsoft.com/office/drawing/2014/main" id="{B5862143-3951-A64C-B7B7-268C11BD311E}"/>
-              </a:ext>
-            </a:extLst>
-          </p:cNvPr>
-          <p:cNvPicPr>
-            <a:picLocks noChangeAspect="1"/>
-          </p:cNvPicPr>
-          <p:nvPr/>
-        </p:nvPicPr>
-        <p:blipFill>
-          <a:blip r:embed="rId2">
-            <a:extLst>
-              <a:ext uri="{28A0092B-C50C-407E-A947-70E740481C1C}">
-                <a14:useLocalDpi xmlns:a14="http://schemas.microsoft.com/office/drawing/2010/main" val="0"/>
-              </a:ext>
-            </a:extLst>
-          </a:blip>
-          <a:stretch>
-            <a:fillRect/>
-          </a:stretch>
-        </p:blipFill>
-        <p:spPr>
-          <a:xfrm>
-            <a:off x="484632" y="301752"/>
-            <a:ext cx="1133475" cy="1028700"/>
-          </a:xfrm>
-          <a:prstGeom prst="rect">
-            <a:avLst/>
-          </a:prstGeom>
-        </p:spPr>
-      </p:pic>
-      <p:sp>
-        <p:nvSpPr>
-          <p:cNvPr id="8" name="Title 7">
-            <a:extLst>
-              <a:ext uri="{FF2B5EF4-FFF2-40B4-BE49-F238E27FC236}">
-                <a16:creationId xmlns:a16="http://schemas.microsoft.com/office/drawing/2014/main" id="{2D19D3C6-51DC-3041-B3EC-E426F6CAF279}"/>
-              </a:ext>
-            </a:extLst>
-          </p:cNvPr>
-          <p:cNvSpPr txBox="1">
-            <a:spLocks noGrp="1"/>
-          </p:cNvSpPr>
-          <p:nvPr>
-            <p:ph type="title"/>
-          </p:nvPr>
-        </p:nvSpPr>
-        <p:spPr>
-          <a:prstGeom prst="rect">
-            <a:avLst/>
-          </a:prstGeom>
-          <a:noFill/>
-        </p:spPr>
-        <p:txBody>
-          <a:bodyPr wrap="square" rtlCol="0" anchor="ctr">
-            <a:spAutoFit/>
-          </a:bodyPr>
-          <a:lstStyle>
-            <a:lvl1pPr algn="l" defTabSz="1371600" rtl="0" eaLnBrk="1" latinLnBrk="0" hangingPunct="1">
-              <a:lnSpc>
-                <a:spcPct val="90000"/>
-              </a:lnSpc>
-              <a:spcBef>
-                <a:spcPct val="0"/>
-              </a:spcBef>
-              <a:buNone/>
-              <a:defRPr lang="uk-UA" sz="2800" b="1" kern="1200" dirty="0">
-                <a:solidFill>
-                  <a:schemeClr val="tx1"/>
-                </a:solidFill>
-                <a:latin typeface="Calibri" charset="0"/>
-                <a:ea typeface="Calibri" charset="0"/>
-                <a:cs typeface="Calibri" charset="0"/>
-              </a:defRPr>
-            </a:lvl1pPr>
-          </a:lstStyle>
-          <a:p>
-            <a:r>
-              <a:rPr lang="en-US" sz="3200" dirty="0"/>
-              <a:t>Technical Solution (TS) </a:t>
-            </a:r>
-            <a:r>
-              <a:rPr lang="zh-CN" altLang="en-US" sz="3200" dirty="0">
-                <a:solidFill>
-                  <a:srgbClr val="1F497D"/>
-                </a:solidFill>
-              </a:rPr>
-              <a:t>技术解决方案</a:t>
-            </a:r>
-            <a:endParaRPr lang="en-US" sz="3200" dirty="0">
-              <a:solidFill>
-                <a:srgbClr val="1F497D"/>
-              </a:solidFill>
-            </a:endParaRPr>
-          </a:p>
-        </p:txBody>
-      </p:sp>
-      <p:sp>
-        <p:nvSpPr>
-          <p:cNvPr id="9" name="Content Placeholder 8">
-            <a:extLst>
-              <a:ext uri="{FF2B5EF4-FFF2-40B4-BE49-F238E27FC236}">
-                <a16:creationId xmlns:a16="http://schemas.microsoft.com/office/drawing/2014/main" id="{6666E3A6-0A9E-BC46-9A3F-12B3D08BB749}"/>
-              </a:ext>
-            </a:extLst>
-          </p:cNvPr>
-          <p:cNvSpPr txBox="1">
-            <a:spLocks noGrp="1"/>
-          </p:cNvSpPr>
-          <p:nvPr>
-            <p:ph idx="4294967295"/>
-          </p:nvPr>
-        </p:nvSpPr>
-        <p:spPr>
-          <a:xfrm>
-            <a:off x="463296" y="1330452"/>
-            <a:ext cx="11265408" cy="1106970"/>
-          </a:xfrm>
-          <a:prstGeom prst="rect">
-            <a:avLst/>
-          </a:prstGeom>
-          <a:noFill/>
-        </p:spPr>
-        <p:txBody>
-          <a:bodyPr wrap="square" rtlCol="0">
-            <a:spAutoFit/>
-          </a:bodyPr>
-          <a:lstStyle/>
-          <a:p>
-            <a:pPr marL="0" indent="0">
-              <a:buNone/>
-            </a:pPr>
-            <a:r>
-              <a:rPr lang="en-US" sz="1600" b="1" dirty="0"/>
-              <a:t>	Intent: </a:t>
-            </a:r>
-            <a:r>
-              <a:rPr lang="en-US" sz="1600" dirty="0"/>
-              <a:t>Design and build solutions that meet customer requirements.</a:t>
-            </a:r>
-            <a:br>
-              <a:rPr lang="en-US" sz="1600" dirty="0"/>
-            </a:br>
-            <a:r>
-              <a:rPr lang="en-US" sz="1600" dirty="0"/>
-              <a:t>	</a:t>
-            </a:r>
-            <a:r>
-              <a:rPr lang="zh-CN" altLang="en-US" sz="1600" dirty="0">
-                <a:solidFill>
-                  <a:srgbClr val="1F497D"/>
-                </a:solidFill>
-              </a:rPr>
-              <a:t>设计和构建满足客户需求的解决方案。 </a:t>
-            </a:r>
-            <a:endParaRPr lang="en-US" sz="1600" dirty="0">
-              <a:solidFill>
-                <a:srgbClr val="1F497D"/>
-              </a:solidFill>
-              <a:effectLst/>
-            </a:endParaRPr>
-          </a:p>
-          <a:p>
-            <a:pPr marL="0" indent="0">
-              <a:buNone/>
-            </a:pPr>
-            <a:r>
-              <a:rPr lang="en-US" sz="1600" b="1" dirty="0"/>
-              <a:t>	Value:</a:t>
-            </a:r>
-            <a:r>
-              <a:rPr lang="en-US" sz="1600" dirty="0"/>
-              <a:t> Provides a cost-effective design and solution that meets customer requirements and reduces rework.</a:t>
-            </a:r>
-            <a:br>
-              <a:rPr lang="en-US" sz="1600" dirty="0"/>
-            </a:br>
-            <a:r>
-              <a:rPr lang="en-US" sz="1600" dirty="0"/>
-              <a:t>	</a:t>
-            </a:r>
-            <a:r>
-              <a:rPr lang="zh-CN" altLang="en-US" sz="1600" dirty="0">
-                <a:solidFill>
-                  <a:srgbClr val="1F497D"/>
-                </a:solidFill>
-              </a:rPr>
-              <a:t>提供高效的设计和解决方案，以满足客户需求并且减少返工。</a:t>
-            </a:r>
-            <a:endParaRPr lang="en-US" sz="1600" dirty="0">
-              <a:solidFill>
-                <a:srgbClr val="1F497D"/>
-              </a:solidFill>
-            </a:endParaRPr>
-          </a:p>
-        </p:txBody>
-      </p:sp>
-      <p:sp>
-        <p:nvSpPr>
-          <p:cNvPr id="10" name="Content Placeholder 3">
-            <a:extLst>
-              <a:ext uri="{FF2B5EF4-FFF2-40B4-BE49-F238E27FC236}">
-                <a16:creationId xmlns:a16="http://schemas.microsoft.com/office/drawing/2014/main" id="{26C68265-BF15-4E56-945E-A154256403BD}"/>
-              </a:ext>
-            </a:extLst>
-          </p:cNvPr>
-          <p:cNvSpPr txBox="1">
-            <a:spLocks/>
-          </p:cNvSpPr>
-          <p:nvPr/>
-        </p:nvSpPr>
-        <p:spPr>
-          <a:xfrm>
-            <a:off x="466344" y="3051602"/>
-            <a:ext cx="11265408" cy="3097485"/>
-          </a:xfrm>
-          <a:prstGeom prst="rect">
-            <a:avLst/>
-          </a:prstGeom>
-        </p:spPr>
-        <p:txBody>
-          <a:bodyPr vert="horz" lIns="91440" tIns="45720" rIns="91440" bIns="45720" rtlCol="0">
-            <a:noAutofit/>
-          </a:bodyPr>
-          <a:lstStyle>
-            <a:lvl1pPr marL="0" indent="0" algn="l" defTabSz="914400" rtl="0" eaLnBrk="1" latinLnBrk="0" hangingPunct="1">
-              <a:lnSpc>
-                <a:spcPct val="90000"/>
-              </a:lnSpc>
-              <a:spcBef>
-                <a:spcPts val="1000"/>
-              </a:spcBef>
-              <a:buFont typeface="Arial" panose="020B0604020202020204" pitchFamily="34" charset="0"/>
-              <a:buNone/>
-              <a:defRPr sz="2400" b="1" kern="1200">
-                <a:solidFill>
-                  <a:schemeClr val="tx1"/>
-                </a:solidFill>
-                <a:latin typeface="+mn-lt"/>
-                <a:ea typeface="+mn-ea"/>
-                <a:cs typeface="+mn-cs"/>
-              </a:defRPr>
-            </a:lvl1pPr>
-            <a:lvl2pPr marL="685800" indent="-228600" algn="l" defTabSz="914400" rtl="0" eaLnBrk="1" latinLnBrk="0" hangingPunct="1">
-              <a:lnSpc>
-                <a:spcPct val="90000"/>
-              </a:lnSpc>
-              <a:spcBef>
-                <a:spcPts val="500"/>
-              </a:spcBef>
-              <a:buFont typeface="Arial" panose="020B0604020202020204" pitchFamily="34" charset="0"/>
-              <a:buChar char="•"/>
-              <a:defRPr sz="2400" kern="1200">
-                <a:solidFill>
-                  <a:schemeClr val="tx1"/>
-                </a:solidFill>
-                <a:latin typeface="+mn-lt"/>
-                <a:ea typeface="+mn-ea"/>
-                <a:cs typeface="+mn-cs"/>
-              </a:defRPr>
-            </a:lvl2pPr>
-            <a:lvl3pPr marL="1143000" indent="-228600" algn="l" defTabSz="914400" rtl="0" eaLnBrk="1" latinLnBrk="0" hangingPunct="1">
-              <a:lnSpc>
-                <a:spcPct val="90000"/>
-              </a:lnSpc>
-              <a:spcBef>
-                <a:spcPts val="500"/>
-              </a:spcBef>
-              <a:buFont typeface="Arial" panose="020B0604020202020204" pitchFamily="34" charset="0"/>
-              <a:buChar char="•"/>
-              <a:defRPr sz="2000" kern="1200">
-                <a:solidFill>
-                  <a:schemeClr val="tx1"/>
-                </a:solidFill>
-                <a:latin typeface="+mn-lt"/>
-                <a:ea typeface="+mn-ea"/>
-                <a:cs typeface="+mn-cs"/>
-              </a:defRPr>
-            </a:lvl3pPr>
-            <a:lvl4pPr marL="1600200" indent="-228600" algn="l" defTabSz="914400" rtl="0" eaLnBrk="1" latinLnBrk="0" hangingPunct="1">
-              <a:lnSpc>
-                <a:spcPct val="90000"/>
-              </a:lnSpc>
-              <a:spcBef>
-                <a:spcPts val="500"/>
-              </a:spcBef>
-              <a:buFont typeface="Arial" panose="020B0604020202020204" pitchFamily="34" charset="0"/>
-              <a:buChar char="•"/>
-              <a:defRPr sz="1800" kern="1200">
-                <a:solidFill>
-                  <a:schemeClr val="tx1"/>
-                </a:solidFill>
-                <a:latin typeface="+mn-lt"/>
-                <a:ea typeface="+mn-ea"/>
-                <a:cs typeface="+mn-cs"/>
-              </a:defRPr>
-            </a:lvl4pPr>
-            <a:lvl5pPr marL="2057400" indent="-228600" algn="l" defTabSz="914400" rtl="0" eaLnBrk="1" latinLnBrk="0" hangingPunct="1">
-              <a:lnSpc>
-                <a:spcPct val="90000"/>
-              </a:lnSpc>
-              <a:spcBef>
-                <a:spcPts val="500"/>
-              </a:spcBef>
-              <a:buFont typeface="Arial" panose="020B0604020202020204" pitchFamily="34" charset="0"/>
-              <a:buChar char="•"/>
-              <a:defRPr sz="1800" kern="1200">
-                <a:solidFill>
-                  <a:schemeClr val="tx1"/>
-                </a:solidFill>
-                <a:latin typeface="+mn-lt"/>
-                <a:ea typeface="+mn-ea"/>
-                <a:cs typeface="+mn-cs"/>
-              </a:defRPr>
-            </a:lvl5pPr>
-            <a:lvl6pPr marL="2514600" indent="-228600" algn="l" defTabSz="914400" rtl="0" eaLnBrk="1" latinLnBrk="0" hangingPunct="1">
-              <a:lnSpc>
-                <a:spcPct val="90000"/>
-              </a:lnSpc>
-              <a:spcBef>
-                <a:spcPts val="500"/>
-              </a:spcBef>
-              <a:buFont typeface="Arial" panose="020B0604020202020204" pitchFamily="34" charset="0"/>
-              <a:buChar char="•"/>
-              <a:defRPr sz="1800" kern="1200">
-                <a:solidFill>
-                  <a:schemeClr val="tx1"/>
-                </a:solidFill>
-                <a:latin typeface="+mn-lt"/>
-                <a:ea typeface="+mn-ea"/>
-                <a:cs typeface="+mn-cs"/>
-              </a:defRPr>
-            </a:lvl6pPr>
-            <a:lvl7pPr marL="2971800" indent="-228600" algn="l" defTabSz="914400" rtl="0" eaLnBrk="1" latinLnBrk="0" hangingPunct="1">
-              <a:lnSpc>
-                <a:spcPct val="90000"/>
-              </a:lnSpc>
-              <a:spcBef>
-                <a:spcPts val="500"/>
-              </a:spcBef>
-              <a:buFont typeface="Arial" panose="020B0604020202020204" pitchFamily="34" charset="0"/>
-              <a:buChar char="•"/>
-              <a:defRPr sz="1800" kern="1200">
-                <a:solidFill>
-                  <a:schemeClr val="tx1"/>
-                </a:solidFill>
-                <a:latin typeface="+mn-lt"/>
-                <a:ea typeface="+mn-ea"/>
-                <a:cs typeface="+mn-cs"/>
-              </a:defRPr>
-            </a:lvl7pPr>
-            <a:lvl8pPr marL="3429000" indent="-228600" algn="l" defTabSz="914400" rtl="0" eaLnBrk="1" latinLnBrk="0" hangingPunct="1">
-              <a:lnSpc>
-                <a:spcPct val="90000"/>
-              </a:lnSpc>
-              <a:spcBef>
-                <a:spcPts val="500"/>
-              </a:spcBef>
-              <a:buFont typeface="Arial" panose="020B0604020202020204" pitchFamily="34" charset="0"/>
-              <a:buChar char="•"/>
-              <a:defRPr sz="1800" kern="1200">
-                <a:solidFill>
-                  <a:schemeClr val="tx1"/>
-                </a:solidFill>
-                <a:latin typeface="+mn-lt"/>
-                <a:ea typeface="+mn-ea"/>
-                <a:cs typeface="+mn-cs"/>
-              </a:defRPr>
-            </a:lvl8pPr>
-            <a:lvl9pPr marL="3886200" indent="-228600" algn="l" defTabSz="914400" rtl="0" eaLnBrk="1" latinLnBrk="0" hangingPunct="1">
-              <a:lnSpc>
-                <a:spcPct val="90000"/>
-              </a:lnSpc>
-              <a:spcBef>
-                <a:spcPts val="500"/>
-              </a:spcBef>
-              <a:buFont typeface="Arial" panose="020B0604020202020204" pitchFamily="34" charset="0"/>
-              <a:buChar char="•"/>
-              <a:defRPr sz="1800" kern="1200">
-                <a:solidFill>
-                  <a:schemeClr val="tx1"/>
-                </a:solidFill>
-                <a:latin typeface="+mn-lt"/>
-                <a:ea typeface="+mn-ea"/>
-                <a:cs typeface="+mn-cs"/>
-              </a:defRPr>
-            </a:lvl9pPr>
-          </a:lstStyle>
-          <a:p>
-            <a:r>
-              <a:rPr lang="en-US" sz="1800" dirty="0"/>
-              <a:t>Strengths </a:t>
-            </a:r>
-            <a:r>
-              <a:rPr lang="ja-JP" altLang="en-US" sz="1800" dirty="0">
-                <a:solidFill>
-                  <a:srgbClr val="1F497D"/>
-                </a:solidFill>
-                <a:latin typeface="DengXian" panose="02010600030101010101" pitchFamily="2" charset="-122"/>
-                <a:ea typeface="DengXian" panose="02010600030101010101" pitchFamily="2" charset="-122"/>
-              </a:rPr>
-              <a:t>强项</a:t>
-            </a:r>
-            <a:r>
-              <a:rPr lang="en-US" altLang="ja-JP" sz="1800" dirty="0"/>
-              <a:t>:</a:t>
-            </a:r>
-            <a:endParaRPr lang="en-US" sz="1800" dirty="0"/>
-          </a:p>
-          <a:p>
-            <a:pPr marL="342900" indent="-342900">
-              <a:buFont typeface="Arial" panose="020B0604020202020204" pitchFamily="34" charset="0"/>
-              <a:buChar char="•"/>
-            </a:pPr>
-            <a:r>
-              <a:rPr lang="en-US" sz="1800" b="0" dirty="0"/>
-              <a:t>None </a:t>
-            </a:r>
-            <a:br>
-              <a:rPr lang="en-US" sz="1800" b="0" dirty="0"/>
-            </a:br>
-            <a:r>
-              <a:rPr lang="ja-JP" altLang="en-US" sz="1800" b="0" dirty="0">
-                <a:solidFill>
-                  <a:srgbClr val="1F497D"/>
-                </a:solidFill>
-                <a:latin typeface="DengXian" panose="02010600030101010101" pitchFamily="2" charset="-122"/>
-                <a:ea typeface="DengXian" panose="02010600030101010101" pitchFamily="2" charset="-122"/>
-              </a:rPr>
-              <a:t>没有</a:t>
-            </a:r>
-            <a:endParaRPr lang="en-US" sz="1800" b="0" dirty="0">
-              <a:solidFill>
-                <a:srgbClr val="1F497D"/>
-              </a:solidFill>
-              <a:latin typeface="DengXian" panose="02010600030101010101" pitchFamily="2" charset="-122"/>
-              <a:ea typeface="DengXian" panose="02010600030101010101" pitchFamily="2" charset="-122"/>
-            </a:endParaRPr>
-          </a:p>
-          <a:p>
-            <a:endParaRPr lang="en-US" sz="1800" b="0" dirty="0"/>
-          </a:p>
-          <a:p>
-            <a:r>
-              <a:rPr lang="en-US" sz="1800" dirty="0"/>
-              <a:t>Weaknesses </a:t>
-            </a:r>
-            <a:r>
-              <a:rPr lang="zh-CN" altLang="en-US" sz="1800" dirty="0">
-                <a:solidFill>
-                  <a:srgbClr val="1F497D"/>
-                </a:solidFill>
-                <a:latin typeface="DengXian" panose="02010600030101010101" pitchFamily="2" charset="-122"/>
-                <a:ea typeface="DengXian" panose="02010600030101010101" pitchFamily="2" charset="-122"/>
-              </a:rPr>
-              <a:t>弱项</a:t>
-            </a:r>
-            <a:r>
-              <a:rPr lang="en-US" altLang="ja-JP" sz="1800" dirty="0"/>
-              <a:t>:</a:t>
-            </a:r>
-            <a:endParaRPr lang="en-US" sz="1800" dirty="0"/>
-          </a:p>
-          <a:p>
-            <a:pPr marL="342900" indent="-342900">
-              <a:buFont typeface="Arial" panose="020B0604020202020204" pitchFamily="34" charset="0"/>
-              <a:buChar char="•"/>
-            </a:pPr>
-            <a:r>
-              <a:rPr lang="en-US" sz="1800" b="0" dirty="0"/>
-              <a:t>None </a:t>
-            </a:r>
-            <a:br>
-              <a:rPr lang="en-US" sz="1800" b="0" dirty="0"/>
-            </a:br>
-            <a:r>
-              <a:rPr lang="ja-JP" altLang="en-US" sz="1800" b="0" dirty="0">
-                <a:solidFill>
-                  <a:srgbClr val="1F497D"/>
-                </a:solidFill>
-              </a:rPr>
-              <a:t>没有</a:t>
-            </a:r>
-            <a:endParaRPr lang="en-US" sz="1800" b="0" dirty="0">
-              <a:solidFill>
-                <a:srgbClr val="1F497D"/>
-              </a:solidFill>
-            </a:endParaRPr>
-          </a:p>
-        </p:txBody>
-      </p:sp>
-    </p:spTree>
-    <p:extLst>
-      <p:ext uri="{BB962C8B-B14F-4D97-AF65-F5344CB8AC3E}">
-        <p14:creationId xmlns:p14="http://schemas.microsoft.com/office/powerpoint/2010/main" val="1144192676"/>
       </p:ext>
     </p:extLst>
   </p:cSld>
@@ -21259,6 +20998,532 @@
           <p:cNvPr id="7" name="Picture 6">
             <a:extLst>
               <a:ext uri="{FF2B5EF4-FFF2-40B4-BE49-F238E27FC236}">
+                <a16:creationId xmlns:a16="http://schemas.microsoft.com/office/drawing/2014/main" id="{B5862143-3951-A64C-B7B7-268C11BD311E}"/>
+              </a:ext>
+            </a:extLst>
+          </p:cNvPr>
+          <p:cNvPicPr>
+            <a:picLocks noChangeAspect="1"/>
+          </p:cNvPicPr>
+          <p:nvPr/>
+        </p:nvPicPr>
+        <p:blipFill>
+          <a:blip r:embed="rId2">
+            <a:extLst>
+              <a:ext uri="{28A0092B-C50C-407E-A947-70E740481C1C}">
+                <a14:useLocalDpi xmlns:a14="http://schemas.microsoft.com/office/drawing/2010/main" val="0"/>
+              </a:ext>
+            </a:extLst>
+          </a:blip>
+          <a:stretch>
+            <a:fillRect/>
+          </a:stretch>
+        </p:blipFill>
+        <p:spPr>
+          <a:xfrm>
+            <a:off x="484632" y="301752"/>
+            <a:ext cx="1133475" cy="1028700"/>
+          </a:xfrm>
+          <a:prstGeom prst="rect">
+            <a:avLst/>
+          </a:prstGeom>
+        </p:spPr>
+      </p:pic>
+      <p:sp>
+        <p:nvSpPr>
+          <p:cNvPr id="8" name="Title 7">
+            <a:extLst>
+              <a:ext uri="{FF2B5EF4-FFF2-40B4-BE49-F238E27FC236}">
+                <a16:creationId xmlns:a16="http://schemas.microsoft.com/office/drawing/2014/main" id="{2D19D3C6-51DC-3041-B3EC-E426F6CAF279}"/>
+              </a:ext>
+            </a:extLst>
+          </p:cNvPr>
+          <p:cNvSpPr txBox="1">
+            <a:spLocks noGrp="1"/>
+          </p:cNvSpPr>
+          <p:nvPr>
+            <p:ph type="title"/>
+          </p:nvPr>
+        </p:nvSpPr>
+        <p:spPr>
+          <a:prstGeom prst="rect">
+            <a:avLst/>
+          </a:prstGeom>
+          <a:noFill/>
+        </p:spPr>
+        <p:txBody>
+          <a:bodyPr wrap="square" rtlCol="0" anchor="ctr">
+            <a:spAutoFit/>
+          </a:bodyPr>
+          <a:lstStyle>
+            <a:lvl1pPr algn="l" defTabSz="1371600" rtl="0" eaLnBrk="1" latinLnBrk="0" hangingPunct="1">
+              <a:lnSpc>
+                <a:spcPct val="90000"/>
+              </a:lnSpc>
+              <a:spcBef>
+                <a:spcPct val="0"/>
+              </a:spcBef>
+              <a:buNone/>
+              <a:defRPr lang="uk-UA" sz="2800" b="1" kern="1200" dirty="0">
+                <a:solidFill>
+                  <a:schemeClr val="tx1"/>
+                </a:solidFill>
+                <a:latin typeface="Calibri" charset="0"/>
+                <a:ea typeface="Calibri" charset="0"/>
+                <a:cs typeface="Calibri" charset="0"/>
+              </a:defRPr>
+            </a:lvl1pPr>
+          </a:lstStyle>
+          <a:p>
+            <a:r>
+              <a:rPr lang="en-US" sz="3200" dirty="0"/>
+              <a:t>Technical Solution (TS) </a:t>
+            </a:r>
+            <a:r>
+              <a:rPr lang="zh-CN" altLang="en-US" sz="3200" dirty="0">
+                <a:solidFill>
+                  <a:srgbClr val="1F497D"/>
+                </a:solidFill>
+              </a:rPr>
+              <a:t>技术解决方案</a:t>
+            </a:r>
+            <a:endParaRPr lang="en-US" sz="3200" dirty="0">
+              <a:solidFill>
+                <a:srgbClr val="1F497D"/>
+              </a:solidFill>
+            </a:endParaRPr>
+          </a:p>
+        </p:txBody>
+      </p:sp>
+      <p:sp>
+        <p:nvSpPr>
+          <p:cNvPr id="9" name="Content Placeholder 8">
+            <a:extLst>
+              <a:ext uri="{FF2B5EF4-FFF2-40B4-BE49-F238E27FC236}">
+                <a16:creationId xmlns:a16="http://schemas.microsoft.com/office/drawing/2014/main" id="{6666E3A6-0A9E-BC46-9A3F-12B3D08BB749}"/>
+              </a:ext>
+            </a:extLst>
+          </p:cNvPr>
+          <p:cNvSpPr txBox="1">
+            <a:spLocks noGrp="1"/>
+          </p:cNvSpPr>
+          <p:nvPr>
+            <p:ph idx="4294967295"/>
+          </p:nvPr>
+        </p:nvSpPr>
+        <p:spPr>
+          <a:xfrm>
+            <a:off x="463296" y="1330452"/>
+            <a:ext cx="11265408" cy="1106970"/>
+          </a:xfrm>
+          <a:prstGeom prst="rect">
+            <a:avLst/>
+          </a:prstGeom>
+          <a:noFill/>
+        </p:spPr>
+        <p:txBody>
+          <a:bodyPr wrap="square" rtlCol="0">
+            <a:spAutoFit/>
+          </a:bodyPr>
+          <a:lstStyle/>
+          <a:p>
+            <a:pPr marL="0" indent="0">
+              <a:buNone/>
+            </a:pPr>
+            <a:r>
+              <a:rPr lang="en-US" sz="1600" b="1" dirty="0"/>
+              <a:t>	Intent: </a:t>
+            </a:r>
+            <a:r>
+              <a:rPr lang="en-US" sz="1600" dirty="0"/>
+              <a:t>Design and build solutions that meet customer requirements.</a:t>
+            </a:r>
+            <a:br>
+              <a:rPr lang="en-US" sz="1600" dirty="0"/>
+            </a:br>
+            <a:r>
+              <a:rPr lang="en-US" sz="1600" dirty="0"/>
+              <a:t>	</a:t>
+            </a:r>
+            <a:r>
+              <a:rPr lang="zh-CN" altLang="en-US" sz="1600" dirty="0">
+                <a:solidFill>
+                  <a:srgbClr val="1F497D"/>
+                </a:solidFill>
+              </a:rPr>
+              <a:t>设计和构建满足客户需求的解决方案。 </a:t>
+            </a:r>
+            <a:endParaRPr lang="en-US" sz="1600" dirty="0">
+              <a:solidFill>
+                <a:srgbClr val="1F497D"/>
+              </a:solidFill>
+              <a:effectLst/>
+            </a:endParaRPr>
+          </a:p>
+          <a:p>
+            <a:pPr marL="0" indent="0">
+              <a:buNone/>
+            </a:pPr>
+            <a:r>
+              <a:rPr lang="en-US" sz="1600" b="1" dirty="0"/>
+              <a:t>	Value:</a:t>
+            </a:r>
+            <a:r>
+              <a:rPr lang="en-US" sz="1600" dirty="0"/>
+              <a:t> Provides a cost-effective design and solution that meets customer requirements and reduces rework.</a:t>
+            </a:r>
+            <a:br>
+              <a:rPr lang="en-US" sz="1600" dirty="0"/>
+            </a:br>
+            <a:r>
+              <a:rPr lang="en-US" sz="1600" dirty="0"/>
+              <a:t>	</a:t>
+            </a:r>
+            <a:r>
+              <a:rPr lang="zh-CN" altLang="en-US" sz="1600" dirty="0">
+                <a:solidFill>
+                  <a:srgbClr val="1F497D"/>
+                </a:solidFill>
+              </a:rPr>
+              <a:t>提供高效的设计和解决方案，以满足客户需求并且减少返工。</a:t>
+            </a:r>
+            <a:endParaRPr lang="en-US" sz="1600" dirty="0">
+              <a:solidFill>
+                <a:srgbClr val="1F497D"/>
+              </a:solidFill>
+            </a:endParaRPr>
+          </a:p>
+        </p:txBody>
+      </p:sp>
+      <p:sp>
+        <p:nvSpPr>
+          <p:cNvPr id="10" name="Content Placeholder 3">
+            <a:extLst>
+              <a:ext uri="{FF2B5EF4-FFF2-40B4-BE49-F238E27FC236}">
+                <a16:creationId xmlns:a16="http://schemas.microsoft.com/office/drawing/2014/main" id="{26C68265-BF15-4E56-945E-A154256403BD}"/>
+              </a:ext>
+            </a:extLst>
+          </p:cNvPr>
+          <p:cNvSpPr txBox="1">
+            <a:spLocks/>
+          </p:cNvSpPr>
+          <p:nvPr/>
+        </p:nvSpPr>
+        <p:spPr>
+          <a:xfrm>
+            <a:off x="466344" y="3051602"/>
+            <a:ext cx="11265408" cy="3097485"/>
+          </a:xfrm>
+          <a:prstGeom prst="rect">
+            <a:avLst/>
+          </a:prstGeom>
+        </p:spPr>
+        <p:txBody>
+          <a:bodyPr vert="horz" lIns="91440" tIns="45720" rIns="91440" bIns="45720" rtlCol="0">
+            <a:noAutofit/>
+          </a:bodyPr>
+          <a:lstStyle>
+            <a:lvl1pPr marL="0" indent="0" algn="l" defTabSz="914400" rtl="0" eaLnBrk="1" latinLnBrk="0" hangingPunct="1">
+              <a:lnSpc>
+                <a:spcPct val="90000"/>
+              </a:lnSpc>
+              <a:spcBef>
+                <a:spcPts val="1000"/>
+              </a:spcBef>
+              <a:buFont typeface="Arial" panose="020B0604020202020204" pitchFamily="34" charset="0"/>
+              <a:buNone/>
+              <a:defRPr sz="2400" b="1" kern="1200">
+                <a:solidFill>
+                  <a:schemeClr val="tx1"/>
+                </a:solidFill>
+                <a:latin typeface="+mn-lt"/>
+                <a:ea typeface="+mn-ea"/>
+                <a:cs typeface="+mn-cs"/>
+              </a:defRPr>
+            </a:lvl1pPr>
+            <a:lvl2pPr marL="685800" indent="-228600" algn="l" defTabSz="914400" rtl="0" eaLnBrk="1" latinLnBrk="0" hangingPunct="1">
+              <a:lnSpc>
+                <a:spcPct val="90000"/>
+              </a:lnSpc>
+              <a:spcBef>
+                <a:spcPts val="500"/>
+              </a:spcBef>
+              <a:buFont typeface="Arial" panose="020B0604020202020204" pitchFamily="34" charset="0"/>
+              <a:buChar char="•"/>
+              <a:defRPr sz="2400" kern="1200">
+                <a:solidFill>
+                  <a:schemeClr val="tx1"/>
+                </a:solidFill>
+                <a:latin typeface="+mn-lt"/>
+                <a:ea typeface="+mn-ea"/>
+                <a:cs typeface="+mn-cs"/>
+              </a:defRPr>
+            </a:lvl2pPr>
+            <a:lvl3pPr marL="1143000" indent="-228600" algn="l" defTabSz="914400" rtl="0" eaLnBrk="1" latinLnBrk="0" hangingPunct="1">
+              <a:lnSpc>
+                <a:spcPct val="90000"/>
+              </a:lnSpc>
+              <a:spcBef>
+                <a:spcPts val="500"/>
+              </a:spcBef>
+              <a:buFont typeface="Arial" panose="020B0604020202020204" pitchFamily="34" charset="0"/>
+              <a:buChar char="•"/>
+              <a:defRPr sz="2000" kern="1200">
+                <a:solidFill>
+                  <a:schemeClr val="tx1"/>
+                </a:solidFill>
+                <a:latin typeface="+mn-lt"/>
+                <a:ea typeface="+mn-ea"/>
+                <a:cs typeface="+mn-cs"/>
+              </a:defRPr>
+            </a:lvl3pPr>
+            <a:lvl4pPr marL="1600200" indent="-228600" algn="l" defTabSz="914400" rtl="0" eaLnBrk="1" latinLnBrk="0" hangingPunct="1">
+              <a:lnSpc>
+                <a:spcPct val="90000"/>
+              </a:lnSpc>
+              <a:spcBef>
+                <a:spcPts val="500"/>
+              </a:spcBef>
+              <a:buFont typeface="Arial" panose="020B0604020202020204" pitchFamily="34" charset="0"/>
+              <a:buChar char="•"/>
+              <a:defRPr sz="1800" kern="1200">
+                <a:solidFill>
+                  <a:schemeClr val="tx1"/>
+                </a:solidFill>
+                <a:latin typeface="+mn-lt"/>
+                <a:ea typeface="+mn-ea"/>
+                <a:cs typeface="+mn-cs"/>
+              </a:defRPr>
+            </a:lvl4pPr>
+            <a:lvl5pPr marL="2057400" indent="-228600" algn="l" defTabSz="914400" rtl="0" eaLnBrk="1" latinLnBrk="0" hangingPunct="1">
+              <a:lnSpc>
+                <a:spcPct val="90000"/>
+              </a:lnSpc>
+              <a:spcBef>
+                <a:spcPts val="500"/>
+              </a:spcBef>
+              <a:buFont typeface="Arial" panose="020B0604020202020204" pitchFamily="34" charset="0"/>
+              <a:buChar char="•"/>
+              <a:defRPr sz="1800" kern="1200">
+                <a:solidFill>
+                  <a:schemeClr val="tx1"/>
+                </a:solidFill>
+                <a:latin typeface="+mn-lt"/>
+                <a:ea typeface="+mn-ea"/>
+                <a:cs typeface="+mn-cs"/>
+              </a:defRPr>
+            </a:lvl5pPr>
+            <a:lvl6pPr marL="2514600" indent="-228600" algn="l" defTabSz="914400" rtl="0" eaLnBrk="1" latinLnBrk="0" hangingPunct="1">
+              <a:lnSpc>
+                <a:spcPct val="90000"/>
+              </a:lnSpc>
+              <a:spcBef>
+                <a:spcPts val="500"/>
+              </a:spcBef>
+              <a:buFont typeface="Arial" panose="020B0604020202020204" pitchFamily="34" charset="0"/>
+              <a:buChar char="•"/>
+              <a:defRPr sz="1800" kern="1200">
+                <a:solidFill>
+                  <a:schemeClr val="tx1"/>
+                </a:solidFill>
+                <a:latin typeface="+mn-lt"/>
+                <a:ea typeface="+mn-ea"/>
+                <a:cs typeface="+mn-cs"/>
+              </a:defRPr>
+            </a:lvl6pPr>
+            <a:lvl7pPr marL="2971800" indent="-228600" algn="l" defTabSz="914400" rtl="0" eaLnBrk="1" latinLnBrk="0" hangingPunct="1">
+              <a:lnSpc>
+                <a:spcPct val="90000"/>
+              </a:lnSpc>
+              <a:spcBef>
+                <a:spcPts val="500"/>
+              </a:spcBef>
+              <a:buFont typeface="Arial" panose="020B0604020202020204" pitchFamily="34" charset="0"/>
+              <a:buChar char="•"/>
+              <a:defRPr sz="1800" kern="1200">
+                <a:solidFill>
+                  <a:schemeClr val="tx1"/>
+                </a:solidFill>
+                <a:latin typeface="+mn-lt"/>
+                <a:ea typeface="+mn-ea"/>
+                <a:cs typeface="+mn-cs"/>
+              </a:defRPr>
+            </a:lvl7pPr>
+            <a:lvl8pPr marL="3429000" indent="-228600" algn="l" defTabSz="914400" rtl="0" eaLnBrk="1" latinLnBrk="0" hangingPunct="1">
+              <a:lnSpc>
+                <a:spcPct val="90000"/>
+              </a:lnSpc>
+              <a:spcBef>
+                <a:spcPts val="500"/>
+              </a:spcBef>
+              <a:buFont typeface="Arial" panose="020B0604020202020204" pitchFamily="34" charset="0"/>
+              <a:buChar char="•"/>
+              <a:defRPr sz="1800" kern="1200">
+                <a:solidFill>
+                  <a:schemeClr val="tx1"/>
+                </a:solidFill>
+                <a:latin typeface="+mn-lt"/>
+                <a:ea typeface="+mn-ea"/>
+                <a:cs typeface="+mn-cs"/>
+              </a:defRPr>
+            </a:lvl8pPr>
+            <a:lvl9pPr marL="3886200" indent="-228600" algn="l" defTabSz="914400" rtl="0" eaLnBrk="1" latinLnBrk="0" hangingPunct="1">
+              <a:lnSpc>
+                <a:spcPct val="90000"/>
+              </a:lnSpc>
+              <a:spcBef>
+                <a:spcPts val="500"/>
+              </a:spcBef>
+              <a:buFont typeface="Arial" panose="020B0604020202020204" pitchFamily="34" charset="0"/>
+              <a:buChar char="•"/>
+              <a:defRPr sz="1800" kern="1200">
+                <a:solidFill>
+                  <a:schemeClr val="tx1"/>
+                </a:solidFill>
+                <a:latin typeface="+mn-lt"/>
+                <a:ea typeface="+mn-ea"/>
+                <a:cs typeface="+mn-cs"/>
+              </a:defRPr>
+            </a:lvl9pPr>
+          </a:lstStyle>
+          <a:p>
+            <a:r>
+              <a:rPr lang="en-US" sz="1800" dirty="0"/>
+              <a:t>Strengths </a:t>
+            </a:r>
+            <a:r>
+              <a:rPr lang="ja-JP" altLang="en-US" sz="1800" dirty="0">
+                <a:solidFill>
+                  <a:srgbClr val="1F497D"/>
+                </a:solidFill>
+                <a:latin typeface="DengXian" panose="02010600030101010101" pitchFamily="2" charset="-122"/>
+                <a:ea typeface="DengXian" panose="02010600030101010101" pitchFamily="2" charset="-122"/>
+              </a:rPr>
+              <a:t>强项</a:t>
+            </a:r>
+            <a:r>
+              <a:rPr lang="en-US" altLang="ja-JP" sz="1800" dirty="0"/>
+              <a:t>:</a:t>
+            </a:r>
+            <a:endParaRPr lang="en-US" sz="1800" dirty="0"/>
+          </a:p>
+          <a:p>
+            <a:pPr marL="342900" indent="-342900">
+              <a:buFont typeface="Arial" panose="020B0604020202020204" pitchFamily="34" charset="0"/>
+              <a:buChar char="•"/>
+            </a:pPr>
+            <a:r>
+              <a:rPr lang="en-US" sz="1800" b="0" dirty="0"/>
+              <a:t>None </a:t>
+            </a:r>
+            <a:br>
+              <a:rPr lang="en-US" sz="1800" b="0" dirty="0"/>
+            </a:br>
+            <a:r>
+              <a:rPr lang="ja-JP" altLang="en-US" sz="1800" b="0" dirty="0">
+                <a:solidFill>
+                  <a:srgbClr val="1F497D"/>
+                </a:solidFill>
+                <a:latin typeface="DengXian" panose="02010600030101010101" pitchFamily="2" charset="-122"/>
+                <a:ea typeface="DengXian" panose="02010600030101010101" pitchFamily="2" charset="-122"/>
+              </a:rPr>
+              <a:t>没有</a:t>
+            </a:r>
+            <a:endParaRPr lang="en-US" sz="1800" b="0" dirty="0">
+              <a:solidFill>
+                <a:srgbClr val="1F497D"/>
+              </a:solidFill>
+              <a:latin typeface="DengXian" panose="02010600030101010101" pitchFamily="2" charset="-122"/>
+              <a:ea typeface="DengXian" panose="02010600030101010101" pitchFamily="2" charset="-122"/>
+            </a:endParaRPr>
+          </a:p>
+          <a:p>
+            <a:endParaRPr lang="en-US" sz="1800" b="0" dirty="0"/>
+          </a:p>
+          <a:p>
+            <a:r>
+              <a:rPr lang="en-US" sz="1800" dirty="0"/>
+              <a:t>Weaknesses </a:t>
+            </a:r>
+            <a:r>
+              <a:rPr lang="zh-CN" altLang="en-US" sz="1800" dirty="0">
+                <a:solidFill>
+                  <a:srgbClr val="1F497D"/>
+                </a:solidFill>
+                <a:latin typeface="DengXian" panose="02010600030101010101" pitchFamily="2" charset="-122"/>
+                <a:ea typeface="DengXian" panose="02010600030101010101" pitchFamily="2" charset="-122"/>
+              </a:rPr>
+              <a:t>弱项</a:t>
+            </a:r>
+            <a:r>
+              <a:rPr lang="en-US" altLang="ja-JP" sz="1800" dirty="0"/>
+              <a:t>:</a:t>
+            </a:r>
+            <a:endParaRPr lang="en-US" sz="1800" dirty="0"/>
+          </a:p>
+          <a:p>
+            <a:pPr marL="342900" indent="-342900">
+              <a:buFont typeface="Arial" panose="020B0604020202020204" pitchFamily="34" charset="0"/>
+              <a:buChar char="•"/>
+            </a:pPr>
+            <a:r>
+              <a:rPr lang="en-US" sz="1800" b="0" dirty="0"/>
+              <a:t>None </a:t>
+            </a:r>
+            <a:br>
+              <a:rPr lang="en-US" sz="1800" b="0" dirty="0"/>
+            </a:br>
+            <a:r>
+              <a:rPr lang="ja-JP" altLang="en-US" sz="1800" b="0" dirty="0">
+                <a:solidFill>
+                  <a:srgbClr val="1F497D"/>
+                </a:solidFill>
+              </a:rPr>
+              <a:t>没有</a:t>
+            </a:r>
+            <a:endParaRPr lang="en-US" sz="1800" b="0" dirty="0">
+              <a:solidFill>
+                <a:srgbClr val="1F497D"/>
+              </a:solidFill>
+            </a:endParaRPr>
+          </a:p>
+        </p:txBody>
+      </p:sp>
+    </p:spTree>
+    <p:extLst>
+      <p:ext uri="{BB962C8B-B14F-4D97-AF65-F5344CB8AC3E}">
+        <p14:creationId xmlns:p14="http://schemas.microsoft.com/office/powerpoint/2010/main" val="1144192676"/>
+      </p:ext>
+    </p:extLst>
+  </p:cSld>
+  <p:clrMapOvr>
+    <a:masterClrMapping/>
+  </p:clrMapOvr>
+</p:sld>
+</file>
+
+<file path=ppt/slides/slide41.xml><?xml version="1.0" encoding="utf-8"?>
+<p:sld xmlns:a="http://schemas.openxmlformats.org/drawingml/2006/main" xmlns:r="http://schemas.openxmlformats.org/officeDocument/2006/relationships" xmlns:p="http://schemas.openxmlformats.org/presentationml/2006/main">
+  <p:cSld>
+    <p:spTree>
+      <p:nvGrpSpPr>
+        <p:cNvPr id="1" name=""/>
+        <p:cNvGrpSpPr/>
+        <p:nvPr/>
+      </p:nvGrpSpPr>
+      <p:grpSpPr>
+        <a:xfrm>
+          <a:off x="0" y="0"/>
+          <a:ext cx="0" cy="0"/>
+          <a:chOff x="0" y="0"/>
+          <a:chExt cx="0" cy="0"/>
+        </a:xfrm>
+      </p:grpSpPr>
+      <p:pic>
+        <p:nvPicPr>
+          <p:cNvPr id="7" name="Picture 6">
+            <a:extLst>
+              <a:ext uri="{FF2B5EF4-FFF2-40B4-BE49-F238E27FC236}">
                 <a16:creationId xmlns:a16="http://schemas.microsoft.com/office/drawing/2014/main" id="{851B57D4-F6F7-8D4C-92DD-C8E3374CDC27}"/>
               </a:ext>
             </a:extLst>
@@ -21786,7 +22051,7 @@
 </p:sld>
 </file>
 
-<file path=ppt/slides/slide41.xml><?xml version="1.0" encoding="utf-8"?>
+<file path=ppt/slides/slide42.xml><?xml version="1.0" encoding="utf-8"?>
 <p:sld xmlns:a="http://schemas.openxmlformats.org/drawingml/2006/main" xmlns:r="http://schemas.openxmlformats.org/officeDocument/2006/relationships" xmlns:p="http://schemas.openxmlformats.org/presentationml/2006/main">
   <p:cSld>
     <p:spTree>
@@ -21928,7 +22193,7 @@
 </p:sld>
 </file>
 
-<file path=ppt/slides/slide42.xml><?xml version="1.0" encoding="utf-8"?>
+<file path=ppt/slides/slide43.xml><?xml version="1.0" encoding="utf-8"?>
 <p:sld xmlns:a="http://schemas.openxmlformats.org/drawingml/2006/main" xmlns:r="http://schemas.openxmlformats.org/officeDocument/2006/relationships" xmlns:p="http://schemas.openxmlformats.org/presentationml/2006/main">
   <p:cSld>
     <p:spTree>
@@ -22008,7 +22273,7 @@
 </p:sld>
 </file>
 
-<file path=ppt/slides/slide43.xml><?xml version="1.0" encoding="utf-8"?>
+<file path=ppt/slides/slide44.xml><?xml version="1.0" encoding="utf-8"?>
 <p:sld xmlns:a="http://schemas.openxmlformats.org/drawingml/2006/main" xmlns:r="http://schemas.openxmlformats.org/officeDocument/2006/relationships" xmlns:p="http://schemas.openxmlformats.org/presentationml/2006/main">
   <p:cSld>
     <p:spTree>
@@ -22146,7 +22411,7 @@
           <a:graphicData uri="http://schemas.openxmlformats.org/presentationml/2006/ole">
             <mc:AlternateContent xmlns:mc="http://schemas.openxmlformats.org/markup-compatibility/2006">
               <mc:Choice xmlns:v="urn:schemas-microsoft-com:vml" Requires="v">
-                <p:oleObj spid="_x0000_s11271" name="Macro-Enabled Worksheet" r:id="rId6" imgW="3238548" imgH="9596" progId="Excel.SheetMacroEnabled.12">
+                <p:oleObj spid="_x0000_s11272" name="Macro-Enabled Worksheet" r:id="rId6" imgW="3238548" imgH="9596" progId="Excel.SheetMacroEnabled.12">
                   <p:link updateAutomatic="1"/>
                 </p:oleObj>
               </mc:Choice>
@@ -22194,7 +22459,7 @@
 </p:sld>
 </file>
 
-<file path=ppt/slides/slide44.xml><?xml version="1.0" encoding="utf-8"?>
+<file path=ppt/slides/slide45.xml><?xml version="1.0" encoding="utf-8"?>
 <p:sld xmlns:a="http://schemas.openxmlformats.org/drawingml/2006/main" xmlns:r="http://schemas.openxmlformats.org/officeDocument/2006/relationships" xmlns:p="http://schemas.openxmlformats.org/presentationml/2006/main">
   <p:cSld>
     <p:spTree>
@@ -22332,7 +22597,7 @@
           <a:graphicData uri="http://schemas.openxmlformats.org/presentationml/2006/ole">
             <mc:AlternateContent xmlns:mc="http://schemas.openxmlformats.org/markup-compatibility/2006">
               <mc:Choice xmlns:v="urn:schemas-microsoft-com:vml" Requires="v">
-                <p:oleObj spid="_x0000_s12295" name="Macro-Enabled Worksheet" r:id="rId6" imgW="3238548" imgH="9596" progId="Excel.SheetMacroEnabled.12">
+                <p:oleObj spid="_x0000_s12296" name="Macro-Enabled Worksheet" r:id="rId6" imgW="3238548" imgH="9596" progId="Excel.SheetMacroEnabled.12">
                   <p:link updateAutomatic="1"/>
                 </p:oleObj>
               </mc:Choice>
@@ -22386,7 +22651,7 @@
 </p:sld>
 </file>
 
-<file path=ppt/slides/slide45.xml><?xml version="1.0" encoding="utf-8"?>
+<file path=ppt/slides/slide46.xml><?xml version="1.0" encoding="utf-8"?>
 <p:sld xmlns:a="http://schemas.openxmlformats.org/drawingml/2006/main" xmlns:r="http://schemas.openxmlformats.org/officeDocument/2006/relationships" xmlns:p="http://schemas.openxmlformats.org/presentationml/2006/main">
   <p:cSld>
     <p:spTree>
@@ -22695,7 +22960,7 @@
 </p:sld>
 </file>
 
-<file path=ppt/slides/slide46.xml><?xml version="1.0" encoding="utf-8"?>
+<file path=ppt/slides/slide47.xml><?xml version="1.0" encoding="utf-8"?>
 <p:sld xmlns:a="http://schemas.openxmlformats.org/drawingml/2006/main" xmlns:r="http://schemas.openxmlformats.org/officeDocument/2006/relationships" xmlns:p="http://schemas.openxmlformats.org/presentationml/2006/main">
   <p:cSld>
     <p:spTree>
@@ -22775,7 +23040,7 @@
 </p:sld>
 </file>
 
-<file path=ppt/slides/slide47.xml><?xml version="1.0" encoding="utf-8"?>
+<file path=ppt/slides/slide48.xml><?xml version="1.0" encoding="utf-8"?>
 <p:sld xmlns:a="http://schemas.openxmlformats.org/drawingml/2006/main" xmlns:r="http://schemas.openxmlformats.org/officeDocument/2006/relationships" xmlns:p="http://schemas.openxmlformats.org/presentationml/2006/main">
   <p:cSld>
     <p:spTree>
@@ -22918,7 +23183,7 @@
           <a:graphicData uri="http://schemas.openxmlformats.org/presentationml/2006/ole">
             <mc:AlternateContent xmlns:mc="http://schemas.openxmlformats.org/markup-compatibility/2006">
               <mc:Choice xmlns:v="urn:schemas-microsoft-com:vml" Requires="v">
-                <p:oleObj spid="_x0000_s13319" name="Macro-Enabled Worksheet" r:id="rId4" imgW="12277881" imgH="4400379" progId="Excel.SheetMacroEnabled.12">
+                <p:oleObj spid="_x0000_s13320" name="Macro-Enabled Worksheet" r:id="rId4" imgW="12277881" imgH="4400379" progId="Excel.SheetMacroEnabled.12">
                   <p:link updateAutomatic="1"/>
                 </p:oleObj>
               </mc:Choice>
@@ -22966,7 +23231,7 @@
 </p:sld>
 </file>
 
-<file path=ppt/slides/slide48.xml><?xml version="1.0" encoding="utf-8"?>
+<file path=ppt/slides/slide49.xml><?xml version="1.0" encoding="utf-8"?>
 <p:sld xmlns:a="http://schemas.openxmlformats.org/drawingml/2006/main" xmlns:r="http://schemas.openxmlformats.org/officeDocument/2006/relationships" xmlns:p="http://schemas.openxmlformats.org/presentationml/2006/main">
   <p:cSld>
     <p:spTree>
@@ -23047,7 +23312,318 @@
 </p:sld>
 </file>
 
-<file path=ppt/slides/slide49.xml><?xml version="1.0" encoding="utf-8"?>
+<file path=ppt/slides/slide5.xml><?xml version="1.0" encoding="utf-8"?>
+<p:sld xmlns:a="http://schemas.openxmlformats.org/drawingml/2006/main" xmlns:r="http://schemas.openxmlformats.org/officeDocument/2006/relationships" xmlns:p="http://schemas.openxmlformats.org/presentationml/2006/main">
+  <p:cSld>
+    <p:spTree>
+      <p:nvGrpSpPr>
+        <p:cNvPr id="1" name=""/>
+        <p:cNvGrpSpPr/>
+        <p:nvPr/>
+      </p:nvGrpSpPr>
+      <p:grpSpPr>
+        <a:xfrm>
+          <a:off x="0" y="0"/>
+          <a:ext cx="0" cy="0"/>
+          <a:chOff x="0" y="0"/>
+          <a:chExt cx="0" cy="0"/>
+        </a:xfrm>
+      </p:grpSpPr>
+      <p:sp>
+        <p:nvSpPr>
+          <p:cNvPr id="2" name="Title 1">
+            <a:extLst>
+              <a:ext uri="{FF2B5EF4-FFF2-40B4-BE49-F238E27FC236}">
+                <a16:creationId xmlns:a16="http://schemas.microsoft.com/office/drawing/2014/main" id="{3E01ED6D-359B-4DB9-A138-F6149B35A537}"/>
+              </a:ext>
+            </a:extLst>
+          </p:cNvPr>
+          <p:cNvSpPr>
+            <a:spLocks noGrp="1"/>
+          </p:cNvSpPr>
+          <p:nvPr>
+            <p:ph type="title"/>
+          </p:nvPr>
+        </p:nvSpPr>
+        <p:spPr/>
+        <p:txBody>
+          <a:bodyPr/>
+          <a:lstStyle/>
+          <a:p>
+            <a:r>
+              <a:rPr lang="en-ZA" dirty="0"/>
+              <a:t>Agenda </a:t>
+            </a:r>
+          </a:p>
+        </p:txBody>
+      </p:sp>
+      <p:sp>
+        <p:nvSpPr>
+          <p:cNvPr id="3" name="Content Placeholder 2">
+            <a:extLst>
+              <a:ext uri="{FF2B5EF4-FFF2-40B4-BE49-F238E27FC236}">
+                <a16:creationId xmlns:a16="http://schemas.microsoft.com/office/drawing/2014/main" id="{7F18C33A-3F28-4A57-89CE-6D34B3F734A0}"/>
+              </a:ext>
+            </a:extLst>
+          </p:cNvPr>
+          <p:cNvSpPr>
+            <a:spLocks noGrp="1"/>
+          </p:cNvSpPr>
+          <p:nvPr>
+            <p:ph idx="1"/>
+          </p:nvPr>
+        </p:nvSpPr>
+        <p:spPr/>
+        <p:txBody>
+          <a:bodyPr>
+            <a:normAutofit fontScale="92500" lnSpcReduction="10000"/>
+          </a:bodyPr>
+          <a:lstStyle/>
+          <a:p>
+            <a:r>
+              <a:rPr lang="en-NZ" sz="2400" b="0" i="0" dirty="0">
+                <a:solidFill>
+                  <a:srgbClr val="000000"/>
+                </a:solidFill>
+                <a:effectLst/>
+                <a:latin typeface="Calibri" panose="020F0502020204030204" pitchFamily="34" charset="0"/>
+              </a:rPr>
+              <a:t>Appraisal Overview </a:t>
+            </a:r>
+            <a:br>
+              <a:rPr lang="en-NZ" sz="2400" b="0" i="0" dirty="0">
+                <a:solidFill>
+                  <a:srgbClr val="000000"/>
+                </a:solidFill>
+                <a:effectLst/>
+                <a:latin typeface="Calibri" panose="020F0502020204030204" pitchFamily="34" charset="0"/>
+              </a:rPr>
+            </a:br>
+            <a:r>
+              <a:rPr lang="zh-CN" altLang="en-US" sz="2400" b="1" dirty="0">
+                <a:solidFill>
+                  <a:srgbClr val="1F497D"/>
+                </a:solidFill>
+                <a:latin typeface="+mn-ea"/>
+                <a:ea typeface="+mn-ea"/>
+              </a:rPr>
+              <a:t>评估概述</a:t>
+            </a:r>
+            <a:endParaRPr lang="en-NZ" sz="2400" b="0" i="0" dirty="0">
+              <a:solidFill>
+                <a:srgbClr val="000000"/>
+              </a:solidFill>
+              <a:effectLst/>
+              <a:latin typeface="Calibri" panose="020F0502020204030204" pitchFamily="34" charset="0"/>
+            </a:endParaRPr>
+          </a:p>
+          <a:p>
+            <a:r>
+              <a:rPr lang="en-NZ" sz="2400" b="0" i="0" dirty="0">
+                <a:solidFill>
+                  <a:srgbClr val="000000"/>
+                </a:solidFill>
+                <a:effectLst/>
+                <a:latin typeface="Calibri" panose="020F0502020204030204" pitchFamily="34" charset="0"/>
+              </a:rPr>
+              <a:t>Practice Area Findings </a:t>
+            </a:r>
+            <a:br>
+              <a:rPr lang="en-NZ" sz="2400" b="0" i="0" dirty="0">
+                <a:solidFill>
+                  <a:srgbClr val="000000"/>
+                </a:solidFill>
+                <a:effectLst/>
+                <a:latin typeface="Calibri" panose="020F0502020204030204" pitchFamily="34" charset="0"/>
+              </a:rPr>
+            </a:br>
+            <a:r>
+              <a:rPr lang="zh-CN" altLang="en-US" sz="2400" b="1" dirty="0">
+                <a:solidFill>
+                  <a:srgbClr val="1F497D"/>
+                </a:solidFill>
+                <a:latin typeface="+mn-lt"/>
+              </a:rPr>
+              <a:t>实践域发现</a:t>
+            </a:r>
+            <a:endParaRPr lang="en-NZ" sz="2400" dirty="0">
+              <a:solidFill>
+                <a:srgbClr val="000000"/>
+              </a:solidFill>
+              <a:latin typeface="Calibri" panose="020F0502020204030204" pitchFamily="34" charset="0"/>
+            </a:endParaRPr>
+          </a:p>
+          <a:p>
+            <a:r>
+              <a:rPr lang="en-NZ" sz="2400" b="0" i="0" dirty="0">
+                <a:solidFill>
+                  <a:srgbClr val="000000"/>
+                </a:solidFill>
+                <a:effectLst/>
+                <a:latin typeface="Calibri" panose="020F0502020204030204" pitchFamily="34" charset="0"/>
+              </a:rPr>
+              <a:t>Performance Report </a:t>
+            </a:r>
+            <a:br>
+              <a:rPr lang="en-NZ" sz="2400" b="0" i="0" dirty="0">
+                <a:solidFill>
+                  <a:srgbClr val="000000"/>
+                </a:solidFill>
+                <a:effectLst/>
+                <a:latin typeface="Calibri" panose="020F0502020204030204" pitchFamily="34" charset="0"/>
+              </a:rPr>
+            </a:br>
+            <a:r>
+              <a:rPr lang="zh-CN" altLang="en-US" sz="2400" b="1" dirty="0">
+                <a:solidFill>
+                  <a:srgbClr val="1F497D"/>
+                </a:solidFill>
+              </a:rPr>
+              <a:t>性能报告</a:t>
+            </a:r>
+            <a:r>
+              <a:rPr lang="en-NZ" sz="2400" b="1" dirty="0">
+                <a:solidFill>
+                  <a:srgbClr val="1F497D"/>
+                </a:solidFill>
+              </a:rPr>
+              <a:t>  </a:t>
+            </a:r>
+          </a:p>
+          <a:p>
+            <a:r>
+              <a:rPr lang="en-NZ" sz="2400" b="0" i="0" dirty="0">
+                <a:solidFill>
+                  <a:srgbClr val="000000"/>
+                </a:solidFill>
+                <a:effectLst/>
+                <a:latin typeface="Calibri" panose="020F0502020204030204" pitchFamily="34" charset="0"/>
+              </a:rPr>
+              <a:t>Ratings </a:t>
+            </a:r>
+            <a:br>
+              <a:rPr lang="en-NZ" sz="2400" b="0" i="0" dirty="0">
+                <a:solidFill>
+                  <a:srgbClr val="000000"/>
+                </a:solidFill>
+                <a:effectLst/>
+                <a:latin typeface="Calibri" panose="020F0502020204030204" pitchFamily="34" charset="0"/>
+              </a:rPr>
+            </a:br>
+            <a:r>
+              <a:rPr lang="zh-CN" altLang="en-US" sz="2400" b="1" dirty="0">
+                <a:solidFill>
+                  <a:srgbClr val="1F497D"/>
+                </a:solidFill>
+              </a:rPr>
+              <a:t>評級</a:t>
+            </a:r>
+            <a:endParaRPr lang="en-NZ" sz="2400" b="1" dirty="0">
+              <a:solidFill>
+                <a:srgbClr val="1F497D"/>
+              </a:solidFill>
+            </a:endParaRPr>
+          </a:p>
+          <a:p>
+            <a:r>
+              <a:rPr lang="en-NZ" sz="2400" b="0" i="0" dirty="0">
+                <a:solidFill>
+                  <a:srgbClr val="000000"/>
+                </a:solidFill>
+                <a:effectLst/>
+                <a:latin typeface="Calibri" panose="020F0502020204030204" pitchFamily="34" charset="0"/>
+              </a:rPr>
+              <a:t>Annexures </a:t>
+            </a:r>
+            <a:br>
+              <a:rPr lang="en-NZ" sz="2400" b="0" i="0" dirty="0">
+                <a:solidFill>
+                  <a:srgbClr val="000000"/>
+                </a:solidFill>
+                <a:effectLst/>
+                <a:latin typeface="Calibri" panose="020F0502020204030204" pitchFamily="34" charset="0"/>
+              </a:rPr>
+            </a:br>
+            <a:r>
+              <a:rPr lang="zh-CN" altLang="en-US" sz="2400" b="1" dirty="0">
+                <a:solidFill>
+                  <a:srgbClr val="1F497D"/>
+                </a:solidFill>
+                <a:ea typeface="+mj-ea"/>
+                <a:cs typeface="+mj-cs"/>
+              </a:rPr>
+              <a:t>附加展示</a:t>
+            </a:r>
+            <a:endParaRPr lang="en-NZ" sz="2400" b="0" i="0" dirty="0">
+              <a:solidFill>
+                <a:srgbClr val="000000"/>
+              </a:solidFill>
+              <a:effectLst/>
+              <a:latin typeface="Calibri" panose="020F0502020204030204" pitchFamily="34" charset="0"/>
+            </a:endParaRPr>
+          </a:p>
+          <a:p>
+            <a:pPr lvl="1"/>
+            <a:r>
+              <a:rPr lang="en-NZ" b="0" i="0" dirty="0">
+                <a:solidFill>
+                  <a:srgbClr val="000000"/>
+                </a:solidFill>
+                <a:effectLst/>
+                <a:latin typeface="Calibri" panose="020F0502020204030204" pitchFamily="34" charset="0"/>
+              </a:rPr>
+              <a:t>Non model findings </a:t>
+            </a:r>
+            <a:endParaRPr lang="en-NZ" dirty="0">
+              <a:solidFill>
+                <a:srgbClr val="000000"/>
+              </a:solidFill>
+              <a:latin typeface="Calibri" panose="020F0502020204030204" pitchFamily="34" charset="0"/>
+            </a:endParaRPr>
+          </a:p>
+          <a:p>
+            <a:pPr lvl="1"/>
+            <a:r>
+              <a:rPr lang="en-NZ" b="0" i="0" dirty="0">
+                <a:solidFill>
+                  <a:srgbClr val="000000"/>
+                </a:solidFill>
+                <a:effectLst/>
+                <a:latin typeface="Calibri" panose="020F0502020204030204" pitchFamily="34" charset="0"/>
+              </a:rPr>
+              <a:t>Improvement opportunities </a:t>
+            </a:r>
+          </a:p>
+          <a:p>
+            <a:pPr lvl="1"/>
+            <a:r>
+              <a:rPr lang="en-NZ" b="0" i="0" dirty="0">
+                <a:solidFill>
+                  <a:srgbClr val="000000"/>
+                </a:solidFill>
+                <a:effectLst/>
+                <a:latin typeface="Calibri" panose="020F0502020204030204" pitchFamily="34" charset="0"/>
+              </a:rPr>
+              <a:t>Next steps </a:t>
+            </a:r>
+            <a:endParaRPr lang="en-US" sz="2000" dirty="0"/>
+          </a:p>
+        </p:txBody>
+      </p:sp>
+    </p:spTree>
+    <p:extLst>
+      <p:ext uri="{BB962C8B-B14F-4D97-AF65-F5344CB8AC3E}">
+        <p14:creationId xmlns:p14="http://schemas.microsoft.com/office/powerpoint/2010/main" val="1569627607"/>
+      </p:ext>
+    </p:extLst>
+  </p:cSld>
+  <p:clrMapOvr>
+    <a:masterClrMapping/>
+  </p:clrMapOvr>
+</p:sld>
+</file>
+
+<file path=ppt/slides/slide50.xml><?xml version="1.0" encoding="utf-8"?>
 <p:sld xmlns:a="http://schemas.openxmlformats.org/drawingml/2006/main" xmlns:r="http://schemas.openxmlformats.org/officeDocument/2006/relationships" xmlns:p="http://schemas.openxmlformats.org/presentationml/2006/main">
   <p:cSld>
     <p:spTree>
@@ -23120,7 +23696,7 @@
           <a:graphicData uri="http://schemas.openxmlformats.org/presentationml/2006/ole">
             <mc:AlternateContent xmlns:mc="http://schemas.openxmlformats.org/markup-compatibility/2006">
               <mc:Choice xmlns:v="urn:schemas-microsoft-com:vml" Requires="v">
-                <p:oleObj spid="_x0000_s14343" name="Macro-Enabled Worksheet" r:id="rId3" imgW="8343852" imgH="2009803" progId="Excel.SheetMacroEnabled.12">
+                <p:oleObj spid="_x0000_s14344" name="Macro-Enabled Worksheet" r:id="rId3" imgW="8343852" imgH="2009803" progId="Excel.SheetMacroEnabled.12">
                   <p:link updateAutomatic="1"/>
                 </p:oleObj>
               </mc:Choice>
@@ -23168,88 +23744,7 @@
 </p:sld>
 </file>
 
-<file path=ppt/slides/slide5.xml><?xml version="1.0" encoding="utf-8"?>
-<p:sld xmlns:a="http://schemas.openxmlformats.org/drawingml/2006/main" xmlns:r="http://schemas.openxmlformats.org/officeDocument/2006/relationships" xmlns:p="http://schemas.openxmlformats.org/presentationml/2006/main">
-  <p:cSld>
-    <p:spTree>
-      <p:nvGrpSpPr>
-        <p:cNvPr id="1" name=""/>
-        <p:cNvGrpSpPr/>
-        <p:nvPr/>
-      </p:nvGrpSpPr>
-      <p:grpSpPr>
-        <a:xfrm>
-          <a:off x="0" y="0"/>
-          <a:ext cx="0" cy="0"/>
-          <a:chOff x="0" y="0"/>
-          <a:chExt cx="0" cy="0"/>
-        </a:xfrm>
-      </p:grpSpPr>
-      <p:sp>
-        <p:nvSpPr>
-          <p:cNvPr id="4" name="Title 3">
-            <a:extLst>
-              <a:ext uri="{FF2B5EF4-FFF2-40B4-BE49-F238E27FC236}">
-                <a16:creationId xmlns:a16="http://schemas.microsoft.com/office/drawing/2014/main" id="{8A629AD6-E198-3A47-A696-9DF21F27875F}"/>
-              </a:ext>
-            </a:extLst>
-          </p:cNvPr>
-          <p:cNvSpPr>
-            <a:spLocks noGrp="1"/>
-          </p:cNvSpPr>
-          <p:nvPr>
-            <p:ph type="title"/>
-          </p:nvPr>
-        </p:nvSpPr>
-        <p:spPr/>
-        <p:txBody>
-          <a:bodyPr/>
-          <a:lstStyle/>
-          <a:p>
-            <a:r>
-              <a:rPr lang="en-US" b="1" dirty="0">
-                <a:latin typeface="+mn-lt"/>
-              </a:rPr>
-              <a:t>Appraisal Overview </a:t>
-            </a:r>
-            <a:br>
-              <a:rPr lang="en-US" b="1" dirty="0">
-                <a:latin typeface="+mn-lt"/>
-              </a:rPr>
-            </a:br>
-            <a:r>
-              <a:rPr lang="zh-CN" altLang="en-US" sz="6000" b="1" dirty="0">
-                <a:solidFill>
-                  <a:srgbClr val="1F497D"/>
-                </a:solidFill>
-                <a:latin typeface="+mn-ea"/>
-                <a:ea typeface="+mn-ea"/>
-              </a:rPr>
-              <a:t>评估概述</a:t>
-            </a:r>
-            <a:endParaRPr lang="en-US" b="1" dirty="0">
-              <a:solidFill>
-                <a:srgbClr val="1F497D"/>
-              </a:solidFill>
-              <a:latin typeface="+mn-lt"/>
-            </a:endParaRPr>
-          </a:p>
-        </p:txBody>
-      </p:sp>
-    </p:spTree>
-    <p:extLst>
-      <p:ext uri="{BB962C8B-B14F-4D97-AF65-F5344CB8AC3E}">
-        <p14:creationId xmlns:p14="http://schemas.microsoft.com/office/powerpoint/2010/main" val="3938322201"/>
-      </p:ext>
-    </p:extLst>
-  </p:cSld>
-  <p:clrMapOvr>
-    <a:masterClrMapping/>
-  </p:clrMapOvr>
-</p:sld>
-</file>
-
-<file path=ppt/slides/slide50.xml><?xml version="1.0" encoding="utf-8"?>
+<file path=ppt/slides/slide51.xml><?xml version="1.0" encoding="utf-8"?>
 <p:sld xmlns:a="http://schemas.openxmlformats.org/drawingml/2006/main" xmlns:r="http://schemas.openxmlformats.org/officeDocument/2006/relationships" xmlns:p="http://schemas.openxmlformats.org/presentationml/2006/main">
   <p:cSld>
     <p:spTree>
@@ -23322,7 +23817,7 @@
           <a:graphicData uri="http://schemas.openxmlformats.org/presentationml/2006/ole">
             <mc:AlternateContent xmlns:mc="http://schemas.openxmlformats.org/markup-compatibility/2006">
               <mc:Choice xmlns:v="urn:schemas-microsoft-com:vml" Requires="v">
-                <p:oleObj spid="_x0000_s15367" name="Macro-Enabled Worksheet" r:id="rId3" imgW="8343852" imgH="3009715" progId="Excel.SheetMacroEnabled.12">
+                <p:oleObj spid="_x0000_s15368" name="Macro-Enabled Worksheet" r:id="rId3" imgW="8343852" imgH="3009715" progId="Excel.SheetMacroEnabled.12">
                   <p:link updateAutomatic="1"/>
                 </p:oleObj>
               </mc:Choice>
@@ -23370,7 +23865,7 @@
 </p:sld>
 </file>
 
-<file path=ppt/slides/slide51.xml><?xml version="1.0" encoding="utf-8"?>
+<file path=ppt/slides/slide52.xml><?xml version="1.0" encoding="utf-8"?>
 <p:sld xmlns:a="http://schemas.openxmlformats.org/drawingml/2006/main" xmlns:r="http://schemas.openxmlformats.org/officeDocument/2006/relationships" xmlns:p="http://schemas.openxmlformats.org/presentationml/2006/main">
   <p:cSld>
     <p:spTree>
@@ -23488,113 +23983,6 @@
     <p:extLst>
       <p:ext uri="{BB962C8B-B14F-4D97-AF65-F5344CB8AC3E}">
         <p14:creationId xmlns:p14="http://schemas.microsoft.com/office/powerpoint/2010/main" val="3113819022"/>
-      </p:ext>
-    </p:extLst>
-  </p:cSld>
-  <p:clrMapOvr>
-    <a:masterClrMapping/>
-  </p:clrMapOvr>
-</p:sld>
-</file>
-
-<file path=ppt/slides/slide52.xml><?xml version="1.0" encoding="utf-8"?>
-<p:sld xmlns:a="http://schemas.openxmlformats.org/drawingml/2006/main" xmlns:r="http://schemas.openxmlformats.org/officeDocument/2006/relationships" xmlns:p="http://schemas.openxmlformats.org/presentationml/2006/main">
-  <p:cSld>
-    <p:spTree>
-      <p:nvGrpSpPr>
-        <p:cNvPr id="1" name=""/>
-        <p:cNvGrpSpPr/>
-        <p:nvPr/>
-      </p:nvGrpSpPr>
-      <p:grpSpPr>
-        <a:xfrm>
-          <a:off x="0" y="0"/>
-          <a:ext cx="0" cy="0"/>
-          <a:chOff x="0" y="0"/>
-          <a:chExt cx="0" cy="0"/>
-        </a:xfrm>
-      </p:grpSpPr>
-      <p:sp>
-        <p:nvSpPr>
-          <p:cNvPr id="4" name="Title 3">
-            <a:extLst>
-              <a:ext uri="{FF2B5EF4-FFF2-40B4-BE49-F238E27FC236}">
-                <a16:creationId xmlns:a16="http://schemas.microsoft.com/office/drawing/2014/main" id="{9BBF0C2E-1DA5-4B8A-8EA9-A8A74D5EEDCB}"/>
-              </a:ext>
-            </a:extLst>
-          </p:cNvPr>
-          <p:cNvSpPr>
-            <a:spLocks noGrp="1"/>
-          </p:cNvSpPr>
-          <p:nvPr>
-            <p:ph type="title"/>
-          </p:nvPr>
-        </p:nvSpPr>
-        <p:spPr/>
-        <p:txBody>
-          <a:bodyPr vert="horz" lIns="91440" tIns="45720" rIns="91440" bIns="45720" rtlCol="0" anchor="ctr">
-            <a:normAutofit/>
-          </a:bodyPr>
-          <a:lstStyle/>
-          <a:p>
-            <a:r>
-              <a:rPr lang="en-US" dirty="0"/>
-              <a:t>Improvement Opportunities</a:t>
-            </a:r>
-            <a:endParaRPr lang="en-ZA" dirty="0"/>
-          </a:p>
-        </p:txBody>
-      </p:sp>
-      <p:sp>
-        <p:nvSpPr>
-          <p:cNvPr id="5" name="Content Placeholder 4">
-            <a:extLst>
-              <a:ext uri="{FF2B5EF4-FFF2-40B4-BE49-F238E27FC236}">
-                <a16:creationId xmlns:a16="http://schemas.microsoft.com/office/drawing/2014/main" id="{3C5B1544-5F60-4280-9237-53230A016280}"/>
-              </a:ext>
-            </a:extLst>
-          </p:cNvPr>
-          <p:cNvSpPr>
-            <a:spLocks noGrp="1"/>
-          </p:cNvSpPr>
-          <p:nvPr>
-            <p:ph idx="1"/>
-          </p:nvPr>
-        </p:nvSpPr>
-        <p:spPr/>
-        <p:txBody>
-          <a:bodyPr>
-            <a:normAutofit/>
-          </a:bodyPr>
-          <a:lstStyle/>
-          <a:p>
-            <a:r>
-              <a:rPr lang="en-ZA" dirty="0"/>
-              <a:t>CAR 2.1 - Consider also using opportunity data as outcomes for further analysis.</a:t>
-            </a:r>
-            <a:br>
-              <a:rPr lang="en-ZA" dirty="0"/>
-            </a:br>
-            <a:r>
-              <a:rPr lang="zh-CN" altLang="en-US" sz="2900" dirty="0">
-                <a:solidFill>
-                  <a:srgbClr val="1F497D"/>
-                </a:solidFill>
-              </a:rPr>
-              <a:t>考虑将机会数据用作进一步分析的结果</a:t>
-            </a:r>
-            <a:r>
-              <a:rPr lang="zh-CN" altLang="en-US" dirty="0"/>
-              <a:t>。</a:t>
-            </a:r>
-            <a:endParaRPr lang="en-ZA" altLang="zh-CN" dirty="0"/>
-          </a:p>
-        </p:txBody>
-      </p:sp>
-    </p:spTree>
-    <p:extLst>
-      <p:ext uri="{BB962C8B-B14F-4D97-AF65-F5344CB8AC3E}">
-        <p14:creationId xmlns:p14="http://schemas.microsoft.com/office/powerpoint/2010/main" val="2868254786"/>
       </p:ext>
     </p:extLst>
   </p:cSld>
@@ -23646,7 +24034,7 @@
           <a:p>
             <a:r>
               <a:rPr lang="en-US" dirty="0"/>
-              <a:t>Improvement Opportunities - continued</a:t>
+              <a:t>Improvement Opportunities</a:t>
             </a:r>
             <a:endParaRPr lang="en-ZA" dirty="0"/>
           </a:p>
@@ -23701,6 +24089,113 @@
     </p:spTree>
     <p:extLst>
       <p:ext uri="{BB962C8B-B14F-4D97-AF65-F5344CB8AC3E}">
+        <p14:creationId xmlns:p14="http://schemas.microsoft.com/office/powerpoint/2010/main" val="2868254786"/>
+      </p:ext>
+    </p:extLst>
+  </p:cSld>
+  <p:clrMapOvr>
+    <a:masterClrMapping/>
+  </p:clrMapOvr>
+</p:sld>
+</file>
+
+<file path=ppt/slides/slide54.xml><?xml version="1.0" encoding="utf-8"?>
+<p:sld xmlns:a="http://schemas.openxmlformats.org/drawingml/2006/main" xmlns:r="http://schemas.openxmlformats.org/officeDocument/2006/relationships" xmlns:p="http://schemas.openxmlformats.org/presentationml/2006/main">
+  <p:cSld>
+    <p:spTree>
+      <p:nvGrpSpPr>
+        <p:cNvPr id="1" name=""/>
+        <p:cNvGrpSpPr/>
+        <p:nvPr/>
+      </p:nvGrpSpPr>
+      <p:grpSpPr>
+        <a:xfrm>
+          <a:off x="0" y="0"/>
+          <a:ext cx="0" cy="0"/>
+          <a:chOff x="0" y="0"/>
+          <a:chExt cx="0" cy="0"/>
+        </a:xfrm>
+      </p:grpSpPr>
+      <p:sp>
+        <p:nvSpPr>
+          <p:cNvPr id="4" name="Title 3">
+            <a:extLst>
+              <a:ext uri="{FF2B5EF4-FFF2-40B4-BE49-F238E27FC236}">
+                <a16:creationId xmlns:a16="http://schemas.microsoft.com/office/drawing/2014/main" id="{9BBF0C2E-1DA5-4B8A-8EA9-A8A74D5EEDCB}"/>
+              </a:ext>
+            </a:extLst>
+          </p:cNvPr>
+          <p:cNvSpPr>
+            <a:spLocks noGrp="1"/>
+          </p:cNvSpPr>
+          <p:nvPr>
+            <p:ph type="title"/>
+          </p:nvPr>
+        </p:nvSpPr>
+        <p:spPr/>
+        <p:txBody>
+          <a:bodyPr vert="horz" lIns="91440" tIns="45720" rIns="91440" bIns="45720" rtlCol="0" anchor="ctr">
+            <a:normAutofit/>
+          </a:bodyPr>
+          <a:lstStyle/>
+          <a:p>
+            <a:r>
+              <a:rPr lang="en-US" dirty="0"/>
+              <a:t>Improvement Opportunities - continued</a:t>
+            </a:r>
+            <a:endParaRPr lang="en-ZA" dirty="0"/>
+          </a:p>
+        </p:txBody>
+      </p:sp>
+      <p:sp>
+        <p:nvSpPr>
+          <p:cNvPr id="5" name="Content Placeholder 4">
+            <a:extLst>
+              <a:ext uri="{FF2B5EF4-FFF2-40B4-BE49-F238E27FC236}">
+                <a16:creationId xmlns:a16="http://schemas.microsoft.com/office/drawing/2014/main" id="{3C5B1544-5F60-4280-9237-53230A016280}"/>
+              </a:ext>
+            </a:extLst>
+          </p:cNvPr>
+          <p:cNvSpPr>
+            <a:spLocks noGrp="1"/>
+          </p:cNvSpPr>
+          <p:nvPr>
+            <p:ph idx="1"/>
+          </p:nvPr>
+        </p:nvSpPr>
+        <p:spPr/>
+        <p:txBody>
+          <a:bodyPr>
+            <a:normAutofit/>
+          </a:bodyPr>
+          <a:lstStyle/>
+          <a:p>
+            <a:r>
+              <a:rPr lang="en-ZA" dirty="0"/>
+              <a:t>CAR 2.1 - Consider also using opportunity data as outcomes for further analysis.</a:t>
+            </a:r>
+            <a:br>
+              <a:rPr lang="en-ZA" dirty="0"/>
+            </a:br>
+            <a:r>
+              <a:rPr lang="zh-CN" altLang="en-US" sz="2900" dirty="0">
+                <a:solidFill>
+                  <a:srgbClr val="1F497D"/>
+                </a:solidFill>
+              </a:rPr>
+              <a:t>考虑将机会数据用作进一步分析的结果</a:t>
+            </a:r>
+            <a:r>
+              <a:rPr lang="zh-CN" altLang="en-US" dirty="0"/>
+              <a:t>。</a:t>
+            </a:r>
+            <a:endParaRPr lang="en-ZA" altLang="zh-CN" dirty="0"/>
+          </a:p>
+        </p:txBody>
+      </p:sp>
+    </p:spTree>
+    <p:extLst>
+      <p:ext uri="{BB962C8B-B14F-4D97-AF65-F5344CB8AC3E}">
         <p14:creationId xmlns:p14="http://schemas.microsoft.com/office/powerpoint/2010/main" val="18693123"/>
       </p:ext>
     </p:extLst>
@@ -23711,7 +24206,7 @@
 </p:sld>
 </file>
 
-<file path=ppt/slides/slide54.xml><?xml version="1.0" encoding="utf-8"?>
+<file path=ppt/slides/slide55.xml><?xml version="1.0" encoding="utf-8"?>
 <p:sld xmlns:a="http://schemas.openxmlformats.org/drawingml/2006/main" xmlns:r="http://schemas.openxmlformats.org/officeDocument/2006/relationships" xmlns:p="http://schemas.openxmlformats.org/presentationml/2006/main">
   <p:cSld>
     <p:spTree>
@@ -23783,7 +24278,7 @@
           <a:graphicData uri="http://schemas.openxmlformats.org/presentationml/2006/ole">
             <mc:AlternateContent xmlns:mc="http://schemas.openxmlformats.org/markup-compatibility/2006">
               <mc:Choice xmlns:v="urn:schemas-microsoft-com:vml" Requires="v">
-                <p:oleObj spid="_x0000_s16391" name="Macro-Enabled Worksheet" r:id="rId3" imgW="8820030" imgH="1847822" progId="Excel.SheetMacroEnabled.12">
+                <p:oleObj spid="_x0000_s16392" name="Macro-Enabled Worksheet" r:id="rId3" imgW="8820030" imgH="1847822" progId="Excel.SheetMacroEnabled.12">
                   <p:link updateAutomatic="1"/>
                 </p:oleObj>
               </mc:Choice>
@@ -23831,7 +24326,7 @@
 </p:sld>
 </file>
 
-<file path=ppt/slides/slide55.xml><?xml version="1.0" encoding="utf-8"?>
+<file path=ppt/slides/slide56.xml><?xml version="1.0" encoding="utf-8"?>
 <p:sld xmlns:a="http://schemas.openxmlformats.org/drawingml/2006/main" xmlns:r="http://schemas.openxmlformats.org/officeDocument/2006/relationships" xmlns:p="http://schemas.openxmlformats.org/presentationml/2006/main">
   <p:cSld>
     <p:spTree>
@@ -24019,14 +24514,14 @@
           </a:ln>
           <a:extLst>
             <a:ext uri="{909E8E84-426E-40dd-AFC4-6F175D3DCCD1}">
-              <a14:hiddenFill xmlns="" xmlns:a14="http://schemas.microsoft.com/office/drawing/2010/main">
+              <a14:hiddenFill xmlns:a14="http://schemas.microsoft.com/office/drawing/2010/main" xmlns="">
                 <a:solidFill>
                   <a:srgbClr val="FFFFFF"/>
                 </a:solidFill>
               </a14:hiddenFill>
             </a:ext>
             <a:ext uri="{91240B29-F687-4f45-9708-019B960494DF}">
-              <a14:hiddenLine xmlns="" xmlns:a14="http://schemas.microsoft.com/office/drawing/2010/main" w="9525">
+              <a14:hiddenLine xmlns:a14="http://schemas.microsoft.com/office/drawing/2010/main" xmlns="" w="9525">
                 <a:solidFill>
                   <a:srgbClr val="000000"/>
                 </a:solidFill>
@@ -24177,14 +24672,14 @@
           </a:ln>
           <a:extLst>
             <a:ext uri="{909E8E84-426E-40dd-AFC4-6F175D3DCCD1}">
-              <a14:hiddenFill xmlns="" xmlns:a14="http://schemas.microsoft.com/office/drawing/2010/main">
+              <a14:hiddenFill xmlns:a14="http://schemas.microsoft.com/office/drawing/2010/main" xmlns="">
                 <a:solidFill>
                   <a:srgbClr val="FFFFFF"/>
                 </a:solidFill>
               </a14:hiddenFill>
             </a:ext>
             <a:ext uri="{91240B29-F687-4f45-9708-019B960494DF}">
-              <a14:hiddenLine xmlns="" xmlns:a14="http://schemas.microsoft.com/office/drawing/2010/main" w="9525">
+              <a14:hiddenLine xmlns:a14="http://schemas.microsoft.com/office/drawing/2010/main" xmlns="" w="9525">
                 <a:solidFill>
                   <a:srgbClr val="000000"/>
                 </a:solidFill>
@@ -24418,7 +24913,7 @@
           <a:graphicData uri="http://schemas.openxmlformats.org/presentationml/2006/ole">
             <mc:AlternateContent xmlns:mc="http://schemas.openxmlformats.org/markup-compatibility/2006">
               <mc:Choice xmlns:v="urn:schemas-microsoft-com:vml" Requires="v">
-                <p:oleObj spid="_x0000_s17415" name="Macro-Enabled Worksheet" r:id="rId4" imgW="2857452" imgH="723928" progId="Excel.SheetMacroEnabled.12">
+                <p:oleObj spid="_x0000_s17416" name="Macro-Enabled Worksheet" r:id="rId4" imgW="2857452" imgH="723928" progId="Excel.SheetMacroEnabled.12">
                   <p:link updateAutomatic="1"/>
                 </p:oleObj>
               </mc:Choice>
@@ -24531,7 +25026,7 @@
 </p:sld>
 </file>
 
-<file path=ppt/slides/slide56.xml><?xml version="1.0" encoding="utf-8"?>
+<file path=ppt/slides/slide57.xml><?xml version="1.0" encoding="utf-8"?>
 <p:sld xmlns:a="http://schemas.openxmlformats.org/drawingml/2006/main" xmlns:r="http://schemas.openxmlformats.org/officeDocument/2006/relationships" xmlns:p="http://schemas.openxmlformats.org/presentationml/2006/main">
   <p:cSld>
     <p:spTree>
@@ -24580,110 +25075,6 @@
     <p:extLst>
       <p:ext uri="{BB962C8B-B14F-4D97-AF65-F5344CB8AC3E}">
         <p14:creationId xmlns:p14="http://schemas.microsoft.com/office/powerpoint/2010/main" val="1028804118"/>
-      </p:ext>
-    </p:extLst>
-  </p:cSld>
-  <p:clrMapOvr>
-    <a:masterClrMapping/>
-  </p:clrMapOvr>
-</p:sld>
-</file>
-
-<file path=ppt/slides/slide57.xml><?xml version="1.0" encoding="utf-8"?>
-<p:sld xmlns:a="http://schemas.openxmlformats.org/drawingml/2006/main" xmlns:r="http://schemas.openxmlformats.org/officeDocument/2006/relationships" xmlns:p="http://schemas.openxmlformats.org/presentationml/2006/main">
-  <p:cSld>
-    <p:spTree>
-      <p:nvGrpSpPr>
-        <p:cNvPr id="1" name=""/>
-        <p:cNvGrpSpPr/>
-        <p:nvPr/>
-      </p:nvGrpSpPr>
-      <p:grpSpPr>
-        <a:xfrm>
-          <a:off x="0" y="0"/>
-          <a:ext cx="0" cy="0"/>
-          <a:chOff x="0" y="0"/>
-          <a:chExt cx="0" cy="0"/>
-        </a:xfrm>
-      </p:grpSpPr>
-      <p:sp>
-        <p:nvSpPr>
-          <p:cNvPr id="2" name="Title 1">
-            <a:extLst>
-              <a:ext uri="{FF2B5EF4-FFF2-40B4-BE49-F238E27FC236}">
-                <a16:creationId xmlns:a16="http://schemas.microsoft.com/office/drawing/2014/main" id="{3E01ED6D-359B-4DB9-A138-F6149B35A537}"/>
-              </a:ext>
-            </a:extLst>
-          </p:cNvPr>
-          <p:cNvSpPr>
-            <a:spLocks noGrp="1"/>
-          </p:cNvSpPr>
-          <p:nvPr>
-            <p:ph type="title"/>
-          </p:nvPr>
-        </p:nvSpPr>
-        <p:spPr/>
-        <p:txBody>
-          <a:bodyPr/>
-          <a:lstStyle/>
-          <a:p>
-            <a:r>
-              <a:rPr lang="en-ZA" dirty="0"/>
-              <a:t>Notice</a:t>
-            </a:r>
-          </a:p>
-        </p:txBody>
-      </p:sp>
-      <p:sp>
-        <p:nvSpPr>
-          <p:cNvPr id="3" name="Content Placeholder 2">
-            <a:extLst>
-              <a:ext uri="{FF2B5EF4-FFF2-40B4-BE49-F238E27FC236}">
-                <a16:creationId xmlns:a16="http://schemas.microsoft.com/office/drawing/2014/main" id="{7F18C33A-3F28-4A57-89CE-6D34B3F734A0}"/>
-              </a:ext>
-            </a:extLst>
-          </p:cNvPr>
-          <p:cNvSpPr>
-            <a:spLocks noGrp="1"/>
-          </p:cNvSpPr>
-          <p:nvPr>
-            <p:ph idx="1"/>
-          </p:nvPr>
-        </p:nvSpPr>
-        <p:spPr/>
-        <p:txBody>
-          <a:bodyPr>
-            <a:normAutofit/>
-          </a:bodyPr>
-          <a:lstStyle/>
-          <a:p>
-            <a:r>
-              <a:rPr lang="en-US" sz="2000" dirty="0"/>
-              <a:t>This pptx has embedded links to 00_Data_Reference.xlsm</a:t>
-            </a:r>
-          </a:p>
-          <a:p>
-            <a:r>
-              <a:rPr lang="en-US" sz="2000" dirty="0"/>
-              <a:t>The latest information and version of the Benchmark Appraiser Support Environment (BASE) can be accessed at </a:t>
-            </a:r>
-            <a:r>
-              <a:rPr lang="en-US" sz="2000" dirty="0">
-                <a:hlinkClick r:id="rId2"/>
-              </a:rPr>
-              <a:t>www.demix.org/tools</a:t>
-            </a:r>
-            <a:r>
-              <a:rPr lang="en-US" sz="2000" dirty="0"/>
-              <a:t> </a:t>
-            </a:r>
-          </a:p>
-        </p:txBody>
-      </p:sp>
-    </p:spTree>
-    <p:extLst>
-      <p:ext uri="{BB962C8B-B14F-4D97-AF65-F5344CB8AC3E}">
-        <p14:creationId xmlns:p14="http://schemas.microsoft.com/office/powerpoint/2010/main" val="4154217541"/>
       </p:ext>
     </p:extLst>
   </p:cSld>
@@ -24733,7 +25124,7 @@
           <a:p>
             <a:r>
               <a:rPr lang="en-ZA" dirty="0"/>
-              <a:t>Agenda </a:t>
+              <a:t>Notice</a:t>
             </a:r>
           </a:p>
         </p:txBody>
@@ -24757,244 +25148,37 @@
         <p:spPr/>
         <p:txBody>
           <a:bodyPr>
-            <a:normAutofit fontScale="92500" lnSpcReduction="10000"/>
+            <a:normAutofit/>
           </a:bodyPr>
           <a:lstStyle/>
           <a:p>
             <a:r>
-              <a:rPr lang="en-NZ" sz="2400" b="0" i="0" dirty="0">
-                <a:solidFill>
-                  <a:srgbClr val="000000"/>
-                </a:solidFill>
-                <a:effectLst/>
-                <a:latin typeface="Calibri" panose="020F0502020204030204" pitchFamily="34" charset="0"/>
-              </a:rPr>
-              <a:t>Appraisal Overview </a:t>
-            </a:r>
-            <a:br>
-              <a:rPr lang="en-NZ" sz="2400" b="0" i="0" dirty="0">
-                <a:solidFill>
-                  <a:srgbClr val="000000"/>
-                </a:solidFill>
-                <a:effectLst/>
-                <a:latin typeface="Calibri" panose="020F0502020204030204" pitchFamily="34" charset="0"/>
-              </a:rPr>
-            </a:br>
-            <a:r>
-              <a:rPr lang="zh-CN" altLang="en-US" sz="2400" b="1" dirty="0">
-                <a:solidFill>
-                  <a:srgbClr val="1F497D"/>
-                </a:solidFill>
-                <a:latin typeface="+mn-ea"/>
-                <a:ea typeface="+mn-ea"/>
-              </a:rPr>
-              <a:t>评估概述</a:t>
-            </a:r>
-            <a:endParaRPr lang="en-NZ" sz="2400" b="0" i="0" dirty="0">
-              <a:solidFill>
-                <a:srgbClr val="000000"/>
-              </a:solidFill>
-              <a:effectLst/>
-              <a:latin typeface="Calibri" panose="020F0502020204030204" pitchFamily="34" charset="0"/>
-            </a:endParaRPr>
-          </a:p>
-          <a:p>
-            <a:r>
-              <a:rPr lang="en-NZ" sz="2400" b="0" i="0" dirty="0">
-                <a:solidFill>
-                  <a:srgbClr val="000000"/>
-                </a:solidFill>
-                <a:effectLst/>
-                <a:latin typeface="Calibri" panose="020F0502020204030204" pitchFamily="34" charset="0"/>
-              </a:rPr>
-              <a:t>Practice Area Findings </a:t>
-            </a:r>
-            <a:br>
-              <a:rPr lang="en-NZ" sz="2400" b="0" i="0" dirty="0">
-                <a:solidFill>
-                  <a:srgbClr val="000000"/>
-                </a:solidFill>
-                <a:effectLst/>
-                <a:latin typeface="Calibri" panose="020F0502020204030204" pitchFamily="34" charset="0"/>
-              </a:rPr>
-            </a:br>
-            <a:r>
-              <a:rPr lang="zh-CN" altLang="en-US" sz="2400" b="1" dirty="0">
-                <a:solidFill>
-                  <a:srgbClr val="1F497D"/>
-                </a:solidFill>
-                <a:latin typeface="+mn-lt"/>
-              </a:rPr>
-              <a:t>实践域发现</a:t>
-            </a:r>
-            <a:endParaRPr lang="en-NZ" sz="2400" dirty="0">
-              <a:solidFill>
-                <a:srgbClr val="000000"/>
-              </a:solidFill>
-              <a:latin typeface="Calibri" panose="020F0502020204030204" pitchFamily="34" charset="0"/>
-            </a:endParaRPr>
-          </a:p>
-          <a:p>
-            <a:r>
-              <a:rPr lang="en-NZ" sz="2400" b="0" i="0" dirty="0">
-                <a:solidFill>
-                  <a:srgbClr val="000000"/>
-                </a:solidFill>
-                <a:effectLst/>
-                <a:latin typeface="Calibri" panose="020F0502020204030204" pitchFamily="34" charset="0"/>
-              </a:rPr>
-              <a:t>Performance Report </a:t>
-            </a:r>
-            <a:br>
-              <a:rPr lang="en-NZ" sz="2400" b="0" i="0" dirty="0">
-                <a:solidFill>
-                  <a:srgbClr val="000000"/>
-                </a:solidFill>
-                <a:effectLst/>
-                <a:latin typeface="Calibri" panose="020F0502020204030204" pitchFamily="34" charset="0"/>
-              </a:rPr>
-            </a:br>
-            <a:r>
-              <a:rPr lang="zh-CN" altLang="en-US" sz="2400" b="1" dirty="0">
-                <a:solidFill>
-                  <a:srgbClr val="1F497D"/>
-                </a:solidFill>
-              </a:rPr>
-              <a:t>性能报告</a:t>
-            </a:r>
-            <a:r>
-              <a:rPr lang="en-NZ" sz="2400" b="1" dirty="0">
-                <a:solidFill>
-                  <a:srgbClr val="1F497D"/>
-                </a:solidFill>
-              </a:rPr>
-              <a:t>  </a:t>
-            </a:r>
-          </a:p>
-          <a:p>
-            <a:r>
-              <a:rPr lang="en-NZ" sz="2400" b="0" i="0" dirty="0">
-                <a:solidFill>
-                  <a:srgbClr val="000000"/>
-                </a:solidFill>
-                <a:effectLst/>
-                <a:latin typeface="Calibri" panose="020F0502020204030204" pitchFamily="34" charset="0"/>
-              </a:rPr>
-              <a:t>Ratings </a:t>
-            </a:r>
-            <a:br>
-              <a:rPr lang="en-NZ" sz="2400" b="0" i="0" dirty="0">
-                <a:solidFill>
-                  <a:srgbClr val="000000"/>
-                </a:solidFill>
-                <a:effectLst/>
-                <a:latin typeface="Calibri" panose="020F0502020204030204" pitchFamily="34" charset="0"/>
-              </a:rPr>
-            </a:br>
-            <a:r>
-              <a:rPr lang="zh-CN" altLang="en-US" sz="2400" b="1" dirty="0">
-                <a:solidFill>
-                  <a:srgbClr val="1F497D"/>
-                </a:solidFill>
-              </a:rPr>
-              <a:t>評級</a:t>
-            </a:r>
-            <a:endParaRPr lang="en-NZ" sz="2400" b="1" dirty="0">
-              <a:solidFill>
-                <a:srgbClr val="1F497D"/>
-              </a:solidFill>
-            </a:endParaRPr>
-          </a:p>
-          <a:p>
-            <a:r>
-              <a:rPr lang="en-NZ" sz="2400" b="0" i="0" dirty="0">
-                <a:solidFill>
-                  <a:srgbClr val="000000"/>
-                </a:solidFill>
-                <a:effectLst/>
-                <a:latin typeface="Calibri" panose="020F0502020204030204" pitchFamily="34" charset="0"/>
-              </a:rPr>
-              <a:t>Annexures </a:t>
-            </a:r>
-            <a:br>
-              <a:rPr lang="en-NZ" sz="2400" b="0" i="0" dirty="0">
-                <a:solidFill>
-                  <a:srgbClr val="000000"/>
-                </a:solidFill>
-                <a:effectLst/>
-                <a:latin typeface="Calibri" panose="020F0502020204030204" pitchFamily="34" charset="0"/>
-              </a:rPr>
-            </a:br>
-            <a:r>
-              <a:rPr lang="zh-CN" altLang="en-US" sz="2400" b="1" dirty="0">
-                <a:solidFill>
-                  <a:srgbClr val="1F497D"/>
-                </a:solidFill>
-                <a:ea typeface="+mj-ea"/>
-                <a:cs typeface="+mj-cs"/>
-              </a:rPr>
-              <a:t>附加展示</a:t>
-            </a:r>
-            <a:endParaRPr lang="en-NZ" sz="2400" b="0" i="0" dirty="0">
-              <a:solidFill>
-                <a:srgbClr val="000000"/>
-              </a:solidFill>
-              <a:effectLst/>
-              <a:latin typeface="Calibri" panose="020F0502020204030204" pitchFamily="34" charset="0"/>
-            </a:endParaRPr>
-          </a:p>
-          <a:p>
-            <a:pPr lvl="1"/>
-            <a:r>
-              <a:rPr lang="en-NZ" b="0" i="0" dirty="0">
-                <a:solidFill>
-                  <a:srgbClr val="000000"/>
-                </a:solidFill>
-                <a:effectLst/>
-                <a:latin typeface="Calibri" panose="020F0502020204030204" pitchFamily="34" charset="0"/>
-              </a:rPr>
-              <a:t>Non model findings </a:t>
-            </a:r>
-            <a:endParaRPr lang="en-NZ" dirty="0">
-              <a:solidFill>
-                <a:srgbClr val="000000"/>
-              </a:solidFill>
-              <a:latin typeface="Calibri" panose="020F0502020204030204" pitchFamily="34" charset="0"/>
-            </a:endParaRPr>
-          </a:p>
-          <a:p>
-            <a:pPr lvl="1"/>
-            <a:r>
-              <a:rPr lang="en-NZ" b="0" i="0" dirty="0">
-                <a:solidFill>
-                  <a:srgbClr val="000000"/>
-                </a:solidFill>
-                <a:effectLst/>
-                <a:latin typeface="Calibri" panose="020F0502020204030204" pitchFamily="34" charset="0"/>
-              </a:rPr>
-              <a:t>Improvement opportunities </a:t>
-            </a:r>
-          </a:p>
-          <a:p>
-            <a:pPr lvl="1"/>
-            <a:r>
-              <a:rPr lang="en-NZ" b="0" i="0" dirty="0">
-                <a:solidFill>
-                  <a:srgbClr val="000000"/>
-                </a:solidFill>
-                <a:effectLst/>
-                <a:latin typeface="Calibri" panose="020F0502020204030204" pitchFamily="34" charset="0"/>
-              </a:rPr>
-              <a:t>Next steps </a:t>
-            </a:r>
-            <a:endParaRPr lang="en-US" sz="2000" dirty="0"/>
+              <a:rPr lang="en-US" sz="2000" dirty="0"/>
+              <a:t>This pptx has embedded links to 00_Data_Reference.xlsm</a:t>
+            </a:r>
+          </a:p>
+          <a:p>
+            <a:r>
+              <a:rPr lang="en-US" sz="2000" dirty="0"/>
+              <a:t>The latest information and version of the Benchmark Appraiser Support Environment (BASE) can be accessed at </a:t>
+            </a:r>
+            <a:r>
+              <a:rPr lang="en-US" sz="2000" dirty="0">
+                <a:hlinkClick r:id="rId2"/>
+              </a:rPr>
+              <a:t>www.demix.org/tools</a:t>
+            </a:r>
+            <a:r>
+              <a:rPr lang="en-US" sz="2000" dirty="0"/>
+              <a:t> </a:t>
+            </a:r>
           </a:p>
         </p:txBody>
       </p:sp>
     </p:spTree>
     <p:extLst>
       <p:ext uri="{BB962C8B-B14F-4D97-AF65-F5344CB8AC3E}">
-        <p14:creationId xmlns:p14="http://schemas.microsoft.com/office/powerpoint/2010/main" val="1569627607"/>
+        <p14:creationId xmlns:p14="http://schemas.microsoft.com/office/powerpoint/2010/main" val="4154217541"/>
       </p:ext>
     </p:extLst>
   </p:cSld>
@@ -25005,6 +25189,87 @@
 </file>
 
 <file path=ppt/slides/slide6.xml><?xml version="1.0" encoding="utf-8"?>
+<p:sld xmlns:a="http://schemas.openxmlformats.org/drawingml/2006/main" xmlns:r="http://schemas.openxmlformats.org/officeDocument/2006/relationships" xmlns:p="http://schemas.openxmlformats.org/presentationml/2006/main">
+  <p:cSld>
+    <p:spTree>
+      <p:nvGrpSpPr>
+        <p:cNvPr id="1" name=""/>
+        <p:cNvGrpSpPr/>
+        <p:nvPr/>
+      </p:nvGrpSpPr>
+      <p:grpSpPr>
+        <a:xfrm>
+          <a:off x="0" y="0"/>
+          <a:ext cx="0" cy="0"/>
+          <a:chOff x="0" y="0"/>
+          <a:chExt cx="0" cy="0"/>
+        </a:xfrm>
+      </p:grpSpPr>
+      <p:sp>
+        <p:nvSpPr>
+          <p:cNvPr id="4" name="Title 3">
+            <a:extLst>
+              <a:ext uri="{FF2B5EF4-FFF2-40B4-BE49-F238E27FC236}">
+                <a16:creationId xmlns:a16="http://schemas.microsoft.com/office/drawing/2014/main" id="{8A629AD6-E198-3A47-A696-9DF21F27875F}"/>
+              </a:ext>
+            </a:extLst>
+          </p:cNvPr>
+          <p:cNvSpPr>
+            <a:spLocks noGrp="1"/>
+          </p:cNvSpPr>
+          <p:nvPr>
+            <p:ph type="title"/>
+          </p:nvPr>
+        </p:nvSpPr>
+        <p:spPr/>
+        <p:txBody>
+          <a:bodyPr/>
+          <a:lstStyle/>
+          <a:p>
+            <a:r>
+              <a:rPr lang="en-US" b="1" dirty="0">
+                <a:latin typeface="+mn-lt"/>
+              </a:rPr>
+              <a:t>Appraisal Overview </a:t>
+            </a:r>
+            <a:br>
+              <a:rPr lang="en-US" b="1" dirty="0">
+                <a:latin typeface="+mn-lt"/>
+              </a:rPr>
+            </a:br>
+            <a:r>
+              <a:rPr lang="zh-CN" altLang="en-US" sz="6000" b="1" dirty="0">
+                <a:solidFill>
+                  <a:srgbClr val="1F497D"/>
+                </a:solidFill>
+                <a:latin typeface="+mn-ea"/>
+                <a:ea typeface="+mn-ea"/>
+              </a:rPr>
+              <a:t>评估概述</a:t>
+            </a:r>
+            <a:endParaRPr lang="en-US" b="1" dirty="0">
+              <a:solidFill>
+                <a:srgbClr val="1F497D"/>
+              </a:solidFill>
+              <a:latin typeface="+mn-lt"/>
+            </a:endParaRPr>
+          </a:p>
+        </p:txBody>
+      </p:sp>
+    </p:spTree>
+    <p:extLst>
+      <p:ext uri="{BB962C8B-B14F-4D97-AF65-F5344CB8AC3E}">
+        <p14:creationId xmlns:p14="http://schemas.microsoft.com/office/powerpoint/2010/main" val="3938322201"/>
+      </p:ext>
+    </p:extLst>
+  </p:cSld>
+  <p:clrMapOvr>
+    <a:masterClrMapping/>
+  </p:clrMapOvr>
+</p:sld>
+</file>
+
+<file path=ppt/slides/slide7.xml><?xml version="1.0" encoding="utf-8"?>
 <p:sld xmlns:a="http://schemas.openxmlformats.org/drawingml/2006/main" xmlns:r="http://schemas.openxmlformats.org/officeDocument/2006/relationships" xmlns:p="http://schemas.openxmlformats.org/presentationml/2006/main">
   <p:cSld>
     <p:spTree>
@@ -25079,7 +25344,7 @@
           <a:graphicData uri="http://schemas.openxmlformats.org/presentationml/2006/ole">
             <mc:AlternateContent xmlns:mc="http://schemas.openxmlformats.org/markup-compatibility/2006">
               <mc:Choice xmlns:v="urn:schemas-microsoft-com:vml" Requires="v">
-                <p:oleObj spid="_x0000_s2055" name="Macro-Enabled Worksheet" r:id="rId4" imgW="8019882" imgH="1352664" progId="Excel.SheetMacroEnabled.12">
+                <p:oleObj spid="_x0000_s2056" name="Macro-Enabled Worksheet" r:id="rId4" imgW="8019882" imgH="1352664" progId="Excel.SheetMacroEnabled.12">
                   <p:link updateAutomatic="1"/>
                 </p:oleObj>
               </mc:Choice>
@@ -25127,7 +25392,7 @@
 </p:sld>
 </file>
 
-<file path=ppt/slides/slide7.xml><?xml version="1.0" encoding="utf-8"?>
+<file path=ppt/slides/slide8.xml><?xml version="1.0" encoding="utf-8"?>
 <p:sld xmlns:a="http://schemas.openxmlformats.org/drawingml/2006/main" xmlns:r="http://schemas.openxmlformats.org/officeDocument/2006/relationships" xmlns:p="http://schemas.openxmlformats.org/presentationml/2006/main">
   <p:cSld>
     <p:spTree>
@@ -25197,7 +25462,7 @@
           <a:graphicData uri="http://schemas.openxmlformats.org/presentationml/2006/ole">
             <mc:AlternateContent xmlns:mc="http://schemas.openxmlformats.org/markup-compatibility/2006">
               <mc:Choice xmlns:v="urn:schemas-microsoft-com:vml" Requires="v">
-                <p:oleObj spid="_x0000_s3079" name="Macro-Enabled Worksheet" r:id="rId4" imgW="8019882" imgH="1466665" progId="Excel.SheetMacroEnabled.12">
+                <p:oleObj spid="_x0000_s3080" name="Macro-Enabled Worksheet" r:id="rId4" imgW="8019882" imgH="1466665" progId="Excel.SheetMacroEnabled.12">
                   <p:link updateAutomatic="1"/>
                 </p:oleObj>
               </mc:Choice>
@@ -25245,7 +25510,7 @@
 </p:sld>
 </file>
 
-<file path=ppt/slides/slide8.xml><?xml version="1.0" encoding="utf-8"?>
+<file path=ppt/slides/slide9.xml><?xml version="1.0" encoding="utf-8"?>
 <p:sld xmlns:a="http://schemas.openxmlformats.org/drawingml/2006/main" xmlns:r="http://schemas.openxmlformats.org/officeDocument/2006/relationships" xmlns:p="http://schemas.openxmlformats.org/presentationml/2006/main">
   <p:cSld>
     <p:spTree>
@@ -25315,7 +25580,7 @@
           <a:graphicData uri="http://schemas.openxmlformats.org/presentationml/2006/ole">
             <mc:AlternateContent xmlns:mc="http://schemas.openxmlformats.org/markup-compatibility/2006">
               <mc:Choice xmlns:v="urn:schemas-microsoft-com:vml" Requires="v">
-                <p:oleObj spid="_x0000_s4103" name="Macro-Enabled Worksheet" r:id="rId4" imgW="7229319" imgH="1409856" progId="Excel.SheetMacroEnabled.12">
+                <p:oleObj spid="_x0000_s4104" name="Macro-Enabled Worksheet" r:id="rId4" imgW="7229319" imgH="1409856" progId="Excel.SheetMacroEnabled.12">
                   <p:link updateAutomatic="1"/>
                 </p:oleObj>
               </mc:Choice>
@@ -25356,271 +25621,6 @@
         <p14:creationId xmlns:p14="http://schemas.microsoft.com/office/powerpoint/2010/main" val="148595327"/>
       </p:ext>
     </p:extLst>
-  </p:cSld>
-  <p:clrMapOvr>
-    <a:masterClrMapping/>
-  </p:clrMapOvr>
-</p:sld>
-</file>
-
-<file path=ppt/slides/slide9.xml><?xml version="1.0" encoding="utf-8"?>
-<p:sld xmlns:a="http://schemas.openxmlformats.org/drawingml/2006/main" xmlns:r="http://schemas.openxmlformats.org/officeDocument/2006/relationships" xmlns:p="http://schemas.openxmlformats.org/presentationml/2006/main">
-  <p:cSld>
-    <p:spTree>
-      <p:nvGrpSpPr>
-        <p:cNvPr id="1" name=""/>
-        <p:cNvGrpSpPr/>
-        <p:nvPr/>
-      </p:nvGrpSpPr>
-      <p:grpSpPr>
-        <a:xfrm>
-          <a:off x="0" y="0"/>
-          <a:ext cx="0" cy="0"/>
-          <a:chOff x="0" y="0"/>
-          <a:chExt cx="0" cy="0"/>
-        </a:xfrm>
-      </p:grpSpPr>
-      <p:sp>
-        <p:nvSpPr>
-          <p:cNvPr id="6146" name="Rectangle 2"/>
-          <p:cNvSpPr>
-            <a:spLocks noGrp="1" noChangeArrowheads="1"/>
-          </p:cNvSpPr>
-          <p:nvPr>
-            <p:ph type="title"/>
-          </p:nvPr>
-        </p:nvSpPr>
-        <p:spPr>
-          <a:xfrm>
-            <a:off x="984020" y="995024"/>
-            <a:ext cx="7772400" cy="609600"/>
-          </a:xfrm>
-          <a:noFill/>
-        </p:spPr>
-        <p:txBody>
-          <a:bodyPr vert="horz" wrap="none" lIns="90488" tIns="44450" rIns="90488" bIns="44450" rtlCol="0" anchor="ctr">
-            <a:normAutofit/>
-          </a:bodyPr>
-          <a:lstStyle/>
-          <a:p>
-            <a:pPr algn="l" eaLnBrk="1" hangingPunct="1">
-              <a:lnSpc>
-                <a:spcPct val="85000"/>
-              </a:lnSpc>
-            </a:pPr>
-            <a:r>
-              <a:rPr lang="en-US" altLang="zh-CN" dirty="0">
-                <a:latin typeface="Arial" charset="0"/>
-              </a:rPr>
-              <a:t>Appraisal Principles</a:t>
-            </a:r>
-          </a:p>
-        </p:txBody>
-      </p:sp>
-      <p:sp>
-        <p:nvSpPr>
-          <p:cNvPr id="6147" name="Rectangle 3"/>
-          <p:cNvSpPr>
-            <a:spLocks noGrp="1" noChangeArrowheads="1"/>
-          </p:cNvSpPr>
-          <p:nvPr>
-            <p:ph idx="1"/>
-          </p:nvPr>
-        </p:nvSpPr>
-        <p:spPr>
-          <a:xfrm>
-            <a:off x="1055688" y="1848439"/>
-            <a:ext cx="7772400" cy="3057247"/>
-          </a:xfrm>
-        </p:spPr>
-        <p:txBody>
-          <a:bodyPr vert="horz" lIns="63500" tIns="25400" rIns="63500" bIns="25400" rtlCol="0">
-            <a:spAutoFit/>
-          </a:bodyPr>
-          <a:lstStyle/>
-          <a:p>
-            <a:r>
-              <a:rPr lang="en-ZA" sz="1800" dirty="0">
-                <a:solidFill>
-                  <a:srgbClr val="000000"/>
-                </a:solidFill>
-                <a:effectLst/>
-                <a:latin typeface="Arial" panose="020B0604020202020204" pitchFamily="34" charset="0"/>
-                <a:ea typeface="Calibri" panose="020F0502020204030204" pitchFamily="34" charset="0"/>
-              </a:rPr>
-              <a:t>Start with a process framework</a:t>
-            </a:r>
-            <a:br>
-              <a:rPr lang="en-ZA" sz="1800" dirty="0">
-                <a:latin typeface="Calibri" panose="020F0502020204030204" pitchFamily="34" charset="0"/>
-                <a:ea typeface="Calibri" panose="020F0502020204030204" pitchFamily="34" charset="0"/>
-              </a:rPr>
-            </a:br>
-            <a:r>
-              <a:rPr lang="en-ZA" sz="1800" dirty="0" err="1">
-                <a:solidFill>
-                  <a:srgbClr val="1F497D"/>
-                </a:solidFill>
-                <a:latin typeface="宋体" panose="02010600030101010101" pitchFamily="2" charset="-122"/>
-                <a:ea typeface="宋体" panose="02010600030101010101" pitchFamily="2" charset="-122"/>
-              </a:rPr>
-              <a:t>以一个过程框架作为开始</a:t>
-            </a:r>
-            <a:endParaRPr lang="en-ZA" sz="1800" dirty="0">
-              <a:solidFill>
-                <a:srgbClr val="1F497D"/>
-              </a:solidFill>
-              <a:latin typeface="宋体" panose="02010600030101010101" pitchFamily="2" charset="-122"/>
-              <a:ea typeface="宋体" panose="02010600030101010101" pitchFamily="2" charset="-122"/>
-            </a:endParaRPr>
-          </a:p>
-          <a:p>
-            <a:r>
-              <a:rPr lang="en-ZA" sz="1800" dirty="0">
-                <a:solidFill>
-                  <a:srgbClr val="000000"/>
-                </a:solidFill>
-                <a:effectLst/>
-                <a:latin typeface="Arial" panose="020B0604020202020204" pitchFamily="34" charset="0"/>
-                <a:ea typeface="Calibri" panose="020F0502020204030204" pitchFamily="34" charset="0"/>
-              </a:rPr>
-              <a:t>Observe strict confidentiality and non-attribution</a:t>
-            </a:r>
-            <a:br>
-              <a:rPr lang="en-ZA" sz="1800" dirty="0">
-                <a:latin typeface="Calibri" panose="020F0502020204030204" pitchFamily="34" charset="0"/>
-                <a:ea typeface="Calibri" panose="020F0502020204030204" pitchFamily="34" charset="0"/>
-              </a:rPr>
-            </a:br>
-            <a:r>
-              <a:rPr lang="en-ZA" sz="1800" dirty="0" err="1">
-                <a:solidFill>
-                  <a:srgbClr val="1F497D"/>
-                </a:solidFill>
-                <a:latin typeface="宋体" panose="02010600030101010101" pitchFamily="2" charset="-122"/>
-                <a:ea typeface="宋体" panose="02010600030101010101" pitchFamily="2" charset="-122"/>
-              </a:rPr>
-              <a:t>严格遵循保密性和不归因性</a:t>
-            </a:r>
-            <a:endParaRPr lang="en-ZA" sz="1800" dirty="0">
-              <a:solidFill>
-                <a:srgbClr val="1F497D"/>
-              </a:solidFill>
-              <a:latin typeface="宋体" panose="02010600030101010101" pitchFamily="2" charset="-122"/>
-              <a:ea typeface="宋体" panose="02010600030101010101" pitchFamily="2" charset="-122"/>
-            </a:endParaRPr>
-          </a:p>
-          <a:p>
-            <a:r>
-              <a:rPr lang="en-ZA" sz="1800" dirty="0">
-                <a:solidFill>
-                  <a:srgbClr val="000000"/>
-                </a:solidFill>
-                <a:effectLst/>
-                <a:latin typeface="Arial" panose="020B0604020202020204" pitchFamily="34" charset="0"/>
-                <a:ea typeface="Calibri" panose="020F0502020204030204" pitchFamily="34" charset="0"/>
-              </a:rPr>
-              <a:t>Involve senior management as appraisal sponsor</a:t>
-            </a:r>
-            <a:br>
-              <a:rPr lang="en-ZA" sz="1800" dirty="0">
-                <a:latin typeface="Calibri" panose="020F0502020204030204" pitchFamily="34" charset="0"/>
-                <a:ea typeface="Calibri" panose="020F0502020204030204" pitchFamily="34" charset="0"/>
-              </a:rPr>
-            </a:br>
-            <a:r>
-              <a:rPr lang="en-ZA" sz="1800" dirty="0" err="1">
-                <a:solidFill>
-                  <a:srgbClr val="1F497D"/>
-                </a:solidFill>
-                <a:latin typeface="宋体" panose="02010600030101010101" pitchFamily="2" charset="-122"/>
-                <a:ea typeface="宋体" panose="02010600030101010101" pitchFamily="2" charset="-122"/>
-              </a:rPr>
-              <a:t>把高层作为评估发起人</a:t>
-            </a:r>
-            <a:endParaRPr lang="en-ZA" sz="1800" dirty="0">
-              <a:solidFill>
-                <a:srgbClr val="1F497D"/>
-              </a:solidFill>
-              <a:latin typeface="宋体" panose="02010600030101010101" pitchFamily="2" charset="-122"/>
-              <a:ea typeface="宋体" panose="02010600030101010101" pitchFamily="2" charset="-122"/>
-            </a:endParaRPr>
-          </a:p>
-          <a:p>
-            <a:r>
-              <a:rPr lang="en-ZA" sz="1800" dirty="0">
-                <a:solidFill>
-                  <a:srgbClr val="000000"/>
-                </a:solidFill>
-                <a:effectLst/>
-                <a:latin typeface="Arial" panose="020B0604020202020204" pitchFamily="34" charset="0"/>
-                <a:ea typeface="Calibri" panose="020F0502020204030204" pitchFamily="34" charset="0"/>
-              </a:rPr>
-              <a:t>Approach appraisal collaboratively to the extent possible</a:t>
-            </a:r>
-            <a:br>
-              <a:rPr lang="en-ZA" sz="1800" dirty="0">
-                <a:latin typeface="Calibri" panose="020F0502020204030204" pitchFamily="34" charset="0"/>
-                <a:ea typeface="Calibri" panose="020F0502020204030204" pitchFamily="34" charset="0"/>
-              </a:rPr>
-            </a:br>
-            <a:r>
-              <a:rPr lang="en-ZA" sz="1800" dirty="0" err="1">
-                <a:solidFill>
-                  <a:srgbClr val="1F497D"/>
-                </a:solidFill>
-                <a:latin typeface="宋体" panose="02010600030101010101" pitchFamily="2" charset="-122"/>
-                <a:ea typeface="宋体" panose="02010600030101010101" pitchFamily="2" charset="-122"/>
-              </a:rPr>
-              <a:t>评估需要协调合作进行</a:t>
-            </a:r>
-            <a:endParaRPr lang="en-ZA" sz="1800" dirty="0">
-              <a:solidFill>
-                <a:srgbClr val="1F497D"/>
-              </a:solidFill>
-              <a:latin typeface="宋体" panose="02010600030101010101" pitchFamily="2" charset="-122"/>
-              <a:ea typeface="宋体" panose="02010600030101010101" pitchFamily="2" charset="-122"/>
-            </a:endParaRPr>
-          </a:p>
-          <a:p>
-            <a:r>
-              <a:rPr lang="en-ZA" sz="1800" dirty="0">
-                <a:solidFill>
-                  <a:srgbClr val="000000"/>
-                </a:solidFill>
-                <a:effectLst/>
-                <a:latin typeface="Arial" panose="020B0604020202020204" pitchFamily="34" charset="0"/>
-                <a:ea typeface="Calibri" panose="020F0502020204030204" pitchFamily="34" charset="0"/>
-              </a:rPr>
-              <a:t>Focus on action</a:t>
-            </a:r>
-            <a:br>
-              <a:rPr lang="en-ZA" sz="1800" dirty="0">
-                <a:latin typeface="Calibri" panose="020F0502020204030204" pitchFamily="34" charset="0"/>
-                <a:ea typeface="Calibri" panose="020F0502020204030204" pitchFamily="34" charset="0"/>
-              </a:rPr>
-            </a:br>
-            <a:r>
-              <a:rPr lang="en-ZA" sz="1800" dirty="0" err="1">
-                <a:solidFill>
-                  <a:srgbClr val="1F497D"/>
-                </a:solidFill>
-                <a:latin typeface="宋体" panose="02010600030101010101" pitchFamily="2" charset="-122"/>
-                <a:ea typeface="宋体" panose="02010600030101010101" pitchFamily="2" charset="-122"/>
-              </a:rPr>
-              <a:t>关注行动</a:t>
-            </a:r>
-            <a:endParaRPr lang="en-ZA" sz="1800" dirty="0">
-              <a:solidFill>
-                <a:srgbClr val="1F497D"/>
-              </a:solidFill>
-              <a:latin typeface="宋体" panose="02010600030101010101" pitchFamily="2" charset="-122"/>
-              <a:ea typeface="宋体" panose="02010600030101010101" pitchFamily="2" charset="-122"/>
-            </a:endParaRPr>
-          </a:p>
-        </p:txBody>
-      </p:sp>
-    </p:spTree>
   </p:cSld>
   <p:clrMapOvr>
     <a:masterClrMapping/>
@@ -26514,6 +26514,21 @@
 </file>
 
 <file path=customXml/item1.xml><?xml version="1.0" encoding="utf-8"?>
+<?mso-contentType ?>
+<FormTemplates xmlns="http://schemas.microsoft.com/sharepoint/v3/contenttype/forms">
+  <Display>DocumentLibraryForm</Display>
+  <Edit>DocumentLibraryForm</Edit>
+  <New>DocumentLibraryForm</New>
+</FormTemplates>
+</file>
+
+<file path=customXml/item2.xml><?xml version="1.0" encoding="utf-8"?>
+<p:properties xmlns:p="http://schemas.microsoft.com/office/2006/metadata/properties" xmlns:xsi="http://www.w3.org/2001/XMLSchema-instance" xmlns:pc="http://schemas.microsoft.com/office/infopath/2007/PartnerControls">
+  <documentManagement/>
+</p:properties>
+</file>
+
+<file path=customXml/item3.xml><?xml version="1.0" encoding="utf-8"?>
 <ct:contentTypeSchema xmlns:ct="http://schemas.microsoft.com/office/2006/metadata/contentType" xmlns:ma="http://schemas.microsoft.com/office/2006/metadata/properties/metaAttributes" ct:_="" ma:_="" ma:contentTypeName="Document" ma:contentTypeID="0x0101001F513751AC33344AB32CFD2920EFE649" ma:contentTypeVersion="11" ma:contentTypeDescription="Create a new document." ma:contentTypeScope="" ma:versionID="683516f7d70434a0e4dbd6c476be8d5b">
   <xsd:schema xmlns:xsd="http://www.w3.org/2001/XMLSchema" xmlns:xs="http://www.w3.org/2001/XMLSchema" xmlns:p="http://schemas.microsoft.com/office/2006/metadata/properties" xmlns:ns2="72e3a154-4955-46c3-9573-e9dec3e1f195" xmlns:ns3="ec500478-62e0-46fc-87f1-cfa988e486b4" targetNamespace="http://schemas.microsoft.com/office/2006/metadata/properties" ma:root="true" ma:fieldsID="cf4a15c6a1eec5dbba94230cc6a50510" ns2:_="" ns3:_="">
     <xsd:import namespace="72e3a154-4955-46c3-9573-e9dec3e1f195"/>
@@ -26724,22 +26739,32 @@
 </ct:contentTypeSchema>
 </file>
 
-<file path=customXml/item2.xml><?xml version="1.0" encoding="utf-8"?>
-<?mso-contentType ?>
-<FormTemplates xmlns="http://schemas.microsoft.com/sharepoint/v3/contenttype/forms">
-  <Display>DocumentLibraryForm</Display>
-  <Edit>DocumentLibraryForm</Edit>
-  <New>DocumentLibraryForm</New>
-</FormTemplates>
+<file path=customXml/itemProps1.xml><?xml version="1.0" encoding="utf-8"?>
+<ds:datastoreItem xmlns:ds="http://schemas.openxmlformats.org/officeDocument/2006/customXml" ds:itemID="{B8B49826-D5EE-4D24-B649-7C3A19B527D2}">
+  <ds:schemaRefs>
+    <ds:schemaRef ds:uri="http://schemas.microsoft.com/sharepoint/v3/contenttype/forms"/>
+  </ds:schemaRefs>
+</ds:datastoreItem>
 </file>
 
-<file path=customXml/item3.xml><?xml version="1.0" encoding="utf-8"?>
-<p:properties xmlns:p="http://schemas.microsoft.com/office/2006/metadata/properties" xmlns:xsi="http://www.w3.org/2001/XMLSchema-instance" xmlns:pc="http://schemas.microsoft.com/office/infopath/2007/PartnerControls">
-  <documentManagement/>
-</p:properties>
+<file path=customXml/itemProps2.xml><?xml version="1.0" encoding="utf-8"?>
+<ds:datastoreItem xmlns:ds="http://schemas.openxmlformats.org/officeDocument/2006/customXml" ds:itemID="{5F07B0D7-F930-4230-933E-ABA84959494E}">
+  <ds:schemaRefs>
+    <ds:schemaRef ds:uri="http://purl.org/dc/elements/1.1/"/>
+    <ds:schemaRef ds:uri="http://schemas.microsoft.com/office/2006/metadata/properties"/>
+    <ds:schemaRef ds:uri="http://schemas.microsoft.com/office/2006/documentManagement/types"/>
+    <ds:schemaRef ds:uri="http://schemas.openxmlformats.org/package/2006/metadata/core-properties"/>
+    <ds:schemaRef ds:uri="72e3a154-4955-46c3-9573-e9dec3e1f195"/>
+    <ds:schemaRef ds:uri="http://purl.org/dc/dcmitype/"/>
+    <ds:schemaRef ds:uri="http://schemas.microsoft.com/office/infopath/2007/PartnerControls"/>
+    <ds:schemaRef ds:uri="ec500478-62e0-46fc-87f1-cfa988e486b4"/>
+    <ds:schemaRef ds:uri="http://www.w3.org/XML/1998/namespace"/>
+    <ds:schemaRef ds:uri="http://purl.org/dc/terms/"/>
+  </ds:schemaRefs>
+</ds:datastoreItem>
 </file>
 
-<file path=customXml/itemProps1.xml><?xml version="1.0" encoding="utf-8"?>
+<file path=customXml/itemProps3.xml><?xml version="1.0" encoding="utf-8"?>
 <ds:datastoreItem xmlns:ds="http://schemas.openxmlformats.org/officeDocument/2006/customXml" ds:itemID="{CBD4B3B2-3D3C-4F85-B2D6-F89B005D67E0}">
   <ds:schemaRefs>
     <ds:schemaRef ds:uri="http://schemas.microsoft.com/office/2006/metadata/contentType"/>
@@ -26756,29 +26781,4 @@
     <ds:schemaRef ds:uri="http://schemas.microsoft.com/internal/obd"/>
   </ds:schemaRefs>
 </ds:datastoreItem>
-</file>
-
-<file path=customXml/itemProps2.xml><?xml version="1.0" encoding="utf-8"?>
-<ds:datastoreItem xmlns:ds="http://schemas.openxmlformats.org/officeDocument/2006/customXml" ds:itemID="{B8B49826-D5EE-4D24-B649-7C3A19B527D2}">
-  <ds:schemaRefs>
-    <ds:schemaRef ds:uri="http://schemas.microsoft.com/sharepoint/v3/contenttype/forms"/>
-  </ds:schemaRefs>
-</ds:datastoreItem>
-</file>
-
-<file path=customXml/itemProps3.xml><?xml version="1.0" encoding="utf-8"?>
-<ds:datastoreItem xmlns:ds="http://schemas.openxmlformats.org/officeDocument/2006/customXml" ds:itemID="{5F07B0D7-F930-4230-933E-ABA84959494E}">
-  <ds:schemaRefs>
-    <ds:schemaRef ds:uri="http://purl.org/dc/elements/1.1/"/>
-    <ds:schemaRef ds:uri="http://schemas.microsoft.com/office/2006/metadata/properties"/>
-    <ds:schemaRef ds:uri="http://schemas.microsoft.com/office/2006/documentManagement/types"/>
-    <ds:schemaRef ds:uri="http://schemas.openxmlformats.org/package/2006/metadata/core-properties"/>
-    <ds:schemaRef ds:uri="72e3a154-4955-46c3-9573-e9dec3e1f195"/>
-    <ds:schemaRef ds:uri="http://purl.org/dc/dcmitype/"/>
-    <ds:schemaRef ds:uri="http://schemas.microsoft.com/office/infopath/2007/PartnerControls"/>
-    <ds:schemaRef ds:uri="ec500478-62e0-46fc-87f1-cfa988e486b4"/>
-    <ds:schemaRef ds:uri="http://www.w3.org/XML/1998/namespace"/>
-    <ds:schemaRef ds:uri="http://purl.org/dc/terms/"/>
-  </ds:schemaRefs>
-</ds:datastoreItem>
 </file>